--- a/view.pptx
+++ b/view.pptx
@@ -9,20 +9,21 @@
     <p:sldId id="258" r:id="rId3"/>
     <p:sldId id="275" r:id="rId4"/>
     <p:sldId id="266" r:id="rId5"/>
-    <p:sldId id="260" r:id="rId6"/>
-    <p:sldId id="265" r:id="rId7"/>
-    <p:sldId id="276" r:id="rId8"/>
-    <p:sldId id="263" r:id="rId9"/>
-    <p:sldId id="264" r:id="rId10"/>
-    <p:sldId id="267" r:id="rId11"/>
-    <p:sldId id="268" r:id="rId12"/>
-    <p:sldId id="269" r:id="rId13"/>
-    <p:sldId id="270" r:id="rId14"/>
-    <p:sldId id="271" r:id="rId15"/>
-    <p:sldId id="272" r:id="rId16"/>
-    <p:sldId id="277" r:id="rId17"/>
-    <p:sldId id="274" r:id="rId18"/>
-    <p:sldId id="273" r:id="rId19"/>
+    <p:sldId id="279" r:id="rId6"/>
+    <p:sldId id="260" r:id="rId7"/>
+    <p:sldId id="265" r:id="rId8"/>
+    <p:sldId id="276" r:id="rId9"/>
+    <p:sldId id="263" r:id="rId10"/>
+    <p:sldId id="264" r:id="rId11"/>
+    <p:sldId id="267" r:id="rId12"/>
+    <p:sldId id="268" r:id="rId13"/>
+    <p:sldId id="269" r:id="rId14"/>
+    <p:sldId id="270" r:id="rId15"/>
+    <p:sldId id="271" r:id="rId16"/>
+    <p:sldId id="272" r:id="rId17"/>
+    <p:sldId id="277" r:id="rId18"/>
+    <p:sldId id="274" r:id="rId19"/>
+    <p:sldId id="273" r:id="rId20"/>
   </p:sldIdLst>
   <p:sldSz cx="12192000" cy="6858000"/>
   <p:notesSz cx="6858000" cy="9144000"/>
@@ -123,7 +124,7 @@
   </p:defaultTextStyle>
   <p:extLst>
     <p:ext uri="{EFAFB233-063F-42B5-8137-9DF3F51BA10A}">
-      <p15:sldGuideLst xmlns:p15="http://schemas.microsoft.com/office/powerpoint/2012/main"/>
+      <p15:sldGuideLst xmlns:p15="http://schemas.microsoft.com/office/powerpoint/2012/main" xmlns=""/>
     </p:ext>
   </p:extLst>
 </p:presentation>
@@ -1443,7 +1444,7 @@
           <a:p>
             <a:fld id="{2566825D-2B69-4989-8861-A6901ABADB6C}" type="datetimeFigureOut">
               <a:rPr lang="ko-KR" altLang="en-US" smtClean="0"/>
-              <a:t>2019-09-04</a:t>
+              <a:t>2019-09-10</a:t>
             </a:fld>
             <a:endParaRPr lang="ko-KR" altLang="en-US"/>
           </a:p>
@@ -1611,7 +1612,7 @@
           <a:p>
             <a:fld id="{2566825D-2B69-4989-8861-A6901ABADB6C}" type="datetimeFigureOut">
               <a:rPr lang="ko-KR" altLang="en-US" smtClean="0"/>
-              <a:t>2019-09-04</a:t>
+              <a:t>2019-09-10</a:t>
             </a:fld>
             <a:endParaRPr lang="ko-KR" altLang="en-US"/>
           </a:p>
@@ -1789,7 +1790,7 @@
           <a:p>
             <a:fld id="{2566825D-2B69-4989-8861-A6901ABADB6C}" type="datetimeFigureOut">
               <a:rPr lang="ko-KR" altLang="en-US" smtClean="0"/>
-              <a:t>2019-09-04</a:t>
+              <a:t>2019-09-10</a:t>
             </a:fld>
             <a:endParaRPr lang="ko-KR" altLang="en-US"/>
           </a:p>
@@ -1957,7 +1958,7 @@
           <a:p>
             <a:fld id="{2566825D-2B69-4989-8861-A6901ABADB6C}" type="datetimeFigureOut">
               <a:rPr lang="ko-KR" altLang="en-US" smtClean="0"/>
-              <a:t>2019-09-04</a:t>
+              <a:t>2019-09-10</a:t>
             </a:fld>
             <a:endParaRPr lang="ko-KR" altLang="en-US"/>
           </a:p>
@@ -2202,7 +2203,7 @@
           <a:p>
             <a:fld id="{2566825D-2B69-4989-8861-A6901ABADB6C}" type="datetimeFigureOut">
               <a:rPr lang="ko-KR" altLang="en-US" smtClean="0"/>
-              <a:t>2019-09-04</a:t>
+              <a:t>2019-09-10</a:t>
             </a:fld>
             <a:endParaRPr lang="ko-KR" altLang="en-US"/>
           </a:p>
@@ -2431,7 +2432,7 @@
           <a:p>
             <a:fld id="{2566825D-2B69-4989-8861-A6901ABADB6C}" type="datetimeFigureOut">
               <a:rPr lang="ko-KR" altLang="en-US" smtClean="0"/>
-              <a:t>2019-09-04</a:t>
+              <a:t>2019-09-10</a:t>
             </a:fld>
             <a:endParaRPr lang="ko-KR" altLang="en-US"/>
           </a:p>
@@ -2795,7 +2796,7 @@
           <a:p>
             <a:fld id="{2566825D-2B69-4989-8861-A6901ABADB6C}" type="datetimeFigureOut">
               <a:rPr lang="ko-KR" altLang="en-US" smtClean="0"/>
-              <a:t>2019-09-04</a:t>
+              <a:t>2019-09-10</a:t>
             </a:fld>
             <a:endParaRPr lang="ko-KR" altLang="en-US"/>
           </a:p>
@@ -2912,7 +2913,7 @@
           <a:p>
             <a:fld id="{2566825D-2B69-4989-8861-A6901ABADB6C}" type="datetimeFigureOut">
               <a:rPr lang="ko-KR" altLang="en-US" smtClean="0"/>
-              <a:t>2019-09-04</a:t>
+              <a:t>2019-09-10</a:t>
             </a:fld>
             <a:endParaRPr lang="ko-KR" altLang="en-US"/>
           </a:p>
@@ -3007,7 +3008,7 @@
           <a:p>
             <a:fld id="{2566825D-2B69-4989-8861-A6901ABADB6C}" type="datetimeFigureOut">
               <a:rPr lang="ko-KR" altLang="en-US" smtClean="0"/>
-              <a:t>2019-09-04</a:t>
+              <a:t>2019-09-10</a:t>
             </a:fld>
             <a:endParaRPr lang="ko-KR" altLang="en-US"/>
           </a:p>
@@ -3282,7 +3283,7 @@
           <a:p>
             <a:fld id="{2566825D-2B69-4989-8861-A6901ABADB6C}" type="datetimeFigureOut">
               <a:rPr lang="ko-KR" altLang="en-US" smtClean="0"/>
-              <a:t>2019-09-04</a:t>
+              <a:t>2019-09-10</a:t>
             </a:fld>
             <a:endParaRPr lang="ko-KR" altLang="en-US"/>
           </a:p>
@@ -3534,7 +3535,7 @@
           <a:p>
             <a:fld id="{2566825D-2B69-4989-8861-A6901ABADB6C}" type="datetimeFigureOut">
               <a:rPr lang="ko-KR" altLang="en-US" smtClean="0"/>
-              <a:t>2019-09-04</a:t>
+              <a:t>2019-09-10</a:t>
             </a:fld>
             <a:endParaRPr lang="ko-KR" altLang="en-US"/>
           </a:p>
@@ -3745,7 +3746,7 @@
           <a:p>
             <a:fld id="{2566825D-2B69-4989-8861-A6901ABADB6C}" type="datetimeFigureOut">
               <a:rPr lang="ko-KR" altLang="en-US" smtClean="0"/>
-              <a:t>2019-09-04</a:t>
+              <a:t>2019-09-10</a:t>
             </a:fld>
             <a:endParaRPr lang="ko-KR" altLang="en-US"/>
           </a:p>
@@ -4155,7 +4156,7 @@
           <p:cNvPr id="4" name="직사각형 3">
             <a:extLst>
               <a:ext uri="{FF2B5EF4-FFF2-40B4-BE49-F238E27FC236}">
-                <a16:creationId xmlns:a16="http://schemas.microsoft.com/office/drawing/2014/main" id="{662EED2D-DC77-439C-BE9A-599F689899D0}"/>
+                <a16:creationId xmlns:a16="http://schemas.microsoft.com/office/drawing/2014/main" xmlns="" id="{662EED2D-DC77-439C-BE9A-599F689899D0}"/>
               </a:ext>
             </a:extLst>
           </p:cNvPr>
@@ -4208,7 +4209,7 @@
           <p:cNvPr id="5" name="직사각형 4">
             <a:extLst>
               <a:ext uri="{FF2B5EF4-FFF2-40B4-BE49-F238E27FC236}">
-                <a16:creationId xmlns:a16="http://schemas.microsoft.com/office/drawing/2014/main" id="{F1AC59C6-D699-41D6-96E3-63128548A69E}"/>
+                <a16:creationId xmlns:a16="http://schemas.microsoft.com/office/drawing/2014/main" xmlns="" id="{F1AC59C6-D699-41D6-96E3-63128548A69E}"/>
               </a:ext>
             </a:extLst>
           </p:cNvPr>
@@ -4257,7 +4258,7 @@
           <p:cNvPr id="6" name="그림 6">
             <a:extLst>
               <a:ext uri="{FF2B5EF4-FFF2-40B4-BE49-F238E27FC236}">
-                <a16:creationId xmlns:a16="http://schemas.microsoft.com/office/drawing/2014/main" id="{5B4E7F24-3B24-44EB-8B3B-5A81933AC823}"/>
+                <a16:creationId xmlns:a16="http://schemas.microsoft.com/office/drawing/2014/main" xmlns="" id="{5B4E7F24-3B24-44EB-8B3B-5A81933AC823}"/>
               </a:ext>
             </a:extLst>
           </p:cNvPr>
@@ -4287,7 +4288,7 @@
           <p:cNvPr id="8" name="직사각형 7">
             <a:extLst>
               <a:ext uri="{FF2B5EF4-FFF2-40B4-BE49-F238E27FC236}">
-                <a16:creationId xmlns:a16="http://schemas.microsoft.com/office/drawing/2014/main" id="{C12A37CD-AF80-4421-BED9-994A9597759C}"/>
+                <a16:creationId xmlns:a16="http://schemas.microsoft.com/office/drawing/2014/main" xmlns="" id="{C12A37CD-AF80-4421-BED9-994A9597759C}"/>
               </a:ext>
             </a:extLst>
           </p:cNvPr>
@@ -4339,7 +4340,7 @@
           <p:cNvPr id="9" name="TextBox 8">
             <a:extLst>
               <a:ext uri="{FF2B5EF4-FFF2-40B4-BE49-F238E27FC236}">
-                <a16:creationId xmlns:a16="http://schemas.microsoft.com/office/drawing/2014/main" id="{4261AFC4-0504-49B1-8039-6A9B681520AF}"/>
+                <a16:creationId xmlns:a16="http://schemas.microsoft.com/office/drawing/2014/main" xmlns="" id="{4261AFC4-0504-49B1-8039-6A9B681520AF}"/>
               </a:ext>
             </a:extLst>
           </p:cNvPr>
@@ -4428,7 +4429,7 @@
           <p:cNvPr id="10" name="직사각형 9">
             <a:extLst>
               <a:ext uri="{FF2B5EF4-FFF2-40B4-BE49-F238E27FC236}">
-                <a16:creationId xmlns:a16="http://schemas.microsoft.com/office/drawing/2014/main" id="{794E0053-C0A4-4D50-930C-3FD689F49F5E}"/>
+                <a16:creationId xmlns:a16="http://schemas.microsoft.com/office/drawing/2014/main" xmlns="" id="{794E0053-C0A4-4D50-930C-3FD689F49F5E}"/>
               </a:ext>
             </a:extLst>
           </p:cNvPr>
@@ -4656,7 +4657,7 @@
           <p:cNvPr id="2" name="직사각형 1">
             <a:extLst>
               <a:ext uri="{FF2B5EF4-FFF2-40B4-BE49-F238E27FC236}">
-                <a16:creationId xmlns:a16="http://schemas.microsoft.com/office/drawing/2014/main" id="{D6234BAF-C4FC-46D2-AB2C-C2D25BF17574}"/>
+                <a16:creationId xmlns:a16="http://schemas.microsoft.com/office/drawing/2014/main" xmlns="" id="{D6234BAF-C4FC-46D2-AB2C-C2D25BF17574}"/>
               </a:ext>
             </a:extLst>
           </p:cNvPr>
@@ -4705,7 +4706,7 @@
           <p:cNvPr id="22" name="직사각형 21">
             <a:extLst>
               <a:ext uri="{FF2B5EF4-FFF2-40B4-BE49-F238E27FC236}">
-                <a16:creationId xmlns:a16="http://schemas.microsoft.com/office/drawing/2014/main" id="{7BC49D59-8A7A-4BB7-BB5B-1A3BA1950BCB}"/>
+                <a16:creationId xmlns:a16="http://schemas.microsoft.com/office/drawing/2014/main" xmlns="" id="{7BC49D59-8A7A-4BB7-BB5B-1A3BA1950BCB}"/>
               </a:ext>
             </a:extLst>
           </p:cNvPr>
@@ -4752,7 +4753,7 @@
           <p:cNvPr id="3" name="직사각형 2">
             <a:extLst>
               <a:ext uri="{FF2B5EF4-FFF2-40B4-BE49-F238E27FC236}">
-                <a16:creationId xmlns:a16="http://schemas.microsoft.com/office/drawing/2014/main" id="{F1B2AB44-9008-4704-A115-A0C806E44950}"/>
+                <a16:creationId xmlns:a16="http://schemas.microsoft.com/office/drawing/2014/main" xmlns="" id="{F1B2AB44-9008-4704-A115-A0C806E44950}"/>
               </a:ext>
             </a:extLst>
           </p:cNvPr>
@@ -4799,7 +4800,7 @@
           <p:cNvPr id="7" name="직사각형 6">
             <a:extLst>
               <a:ext uri="{FF2B5EF4-FFF2-40B4-BE49-F238E27FC236}">
-                <a16:creationId xmlns:a16="http://schemas.microsoft.com/office/drawing/2014/main" id="{73EAB39D-5D45-423A-8B7D-5BE1B632E98A}"/>
+                <a16:creationId xmlns:a16="http://schemas.microsoft.com/office/drawing/2014/main" xmlns="" id="{73EAB39D-5D45-423A-8B7D-5BE1B632E98A}"/>
               </a:ext>
             </a:extLst>
           </p:cNvPr>
@@ -4846,7 +4847,7 @@
           <p:cNvPr id="11" name="TextBox 10">
             <a:extLst>
               <a:ext uri="{FF2B5EF4-FFF2-40B4-BE49-F238E27FC236}">
-                <a16:creationId xmlns:a16="http://schemas.microsoft.com/office/drawing/2014/main" id="{56D4D5EC-5D24-44F9-B40C-F2E5BC7807E9}"/>
+                <a16:creationId xmlns:a16="http://schemas.microsoft.com/office/drawing/2014/main" xmlns="" id="{56D4D5EC-5D24-44F9-B40C-F2E5BC7807E9}"/>
               </a:ext>
             </a:extLst>
           </p:cNvPr>
@@ -4906,12 +4907,529 @@
           <a:chExt cx="0" cy="0"/>
         </a:xfrm>
       </p:grpSpPr>
+      <p:pic>
+        <p:nvPicPr>
+          <p:cNvPr id="5" name="내용 개체 틀 4" descr="스크린샷이(가) 표시된 사진&#10;&#10;자동 생성된 설명">
+            <a:extLst>
+              <a:ext uri="{FF2B5EF4-FFF2-40B4-BE49-F238E27FC236}">
+                <a16:creationId xmlns:a16="http://schemas.microsoft.com/office/drawing/2014/main" xmlns="" id="{FF419746-8082-48F3-B184-5E03A1C5D934}"/>
+              </a:ext>
+            </a:extLst>
+          </p:cNvPr>
+          <p:cNvPicPr>
+            <a:picLocks noGrp="1" noChangeAspect="1"/>
+          </p:cNvPicPr>
+          <p:nvPr>
+            <p:ph idx="1"/>
+          </p:nvPr>
+        </p:nvPicPr>
+        <p:blipFill>
+          <a:blip r:embed="rId2">
+            <a:extLst>
+              <a:ext uri="{28A0092B-C50C-407E-A947-70E740481C1C}">
+                <a14:useLocalDpi xmlns:a14="http://schemas.microsoft.com/office/drawing/2010/main" val="0"/>
+              </a:ext>
+            </a:extLst>
+          </a:blip>
+          <a:stretch>
+            <a:fillRect/>
+          </a:stretch>
+        </p:blipFill>
+        <p:spPr>
+          <a:xfrm>
+            <a:off x="1937215" y="172092"/>
+            <a:ext cx="10017944" cy="6584022"/>
+          </a:xfrm>
+        </p:spPr>
+      </p:pic>
+      <p:sp>
+        <p:nvSpPr>
+          <p:cNvPr id="8" name="직사각형 7">
+            <a:extLst>
+              <a:ext uri="{FF2B5EF4-FFF2-40B4-BE49-F238E27FC236}">
+                <a16:creationId xmlns:a16="http://schemas.microsoft.com/office/drawing/2014/main" xmlns="" id="{855A2D0E-F143-443F-8D30-6351D883E429}"/>
+              </a:ext>
+            </a:extLst>
+          </p:cNvPr>
+          <p:cNvSpPr/>
+          <p:nvPr/>
+        </p:nvSpPr>
+        <p:spPr>
+          <a:xfrm>
+            <a:off x="184935" y="172092"/>
+            <a:ext cx="1738044" cy="6584022"/>
+          </a:xfrm>
+          <a:prstGeom prst="rect">
+            <a:avLst/>
+          </a:prstGeom>
+          <a:solidFill>
+            <a:schemeClr val="accent5"/>
+          </a:solidFill>
+        </p:spPr>
+        <p:style>
+          <a:lnRef idx="2">
+            <a:schemeClr val="accent1">
+              <a:shade val="50000"/>
+            </a:schemeClr>
+          </a:lnRef>
+          <a:fillRef idx="1">
+            <a:schemeClr val="accent1"/>
+          </a:fillRef>
+          <a:effectRef idx="0">
+            <a:schemeClr val="accent1"/>
+          </a:effectRef>
+          <a:fontRef idx="minor">
+            <a:schemeClr val="lt1"/>
+          </a:fontRef>
+        </p:style>
+        <p:txBody>
+          <a:bodyPr rtlCol="0" anchor="ctr"/>
+          <a:lstStyle/>
+          <a:p>
+            <a:pPr algn="ctr"/>
+            <a:endParaRPr lang="ko-KR"/>
+          </a:p>
+          <a:p>
+            <a:pPr algn="ctr"/>
+            <a:endParaRPr lang="ko-KR"/>
+          </a:p>
+        </p:txBody>
+      </p:sp>
+      <p:pic>
+        <p:nvPicPr>
+          <p:cNvPr id="9" name="그림 6">
+            <a:extLst>
+              <a:ext uri="{FF2B5EF4-FFF2-40B4-BE49-F238E27FC236}">
+                <a16:creationId xmlns:a16="http://schemas.microsoft.com/office/drawing/2014/main" xmlns="" id="{147FC6C9-2336-4E0A-A954-5769408A7434}"/>
+              </a:ext>
+            </a:extLst>
+          </p:cNvPr>
+          <p:cNvPicPr>
+            <a:picLocks noChangeAspect="1"/>
+          </p:cNvPicPr>
+          <p:nvPr/>
+        </p:nvPicPr>
+        <p:blipFill>
+          <a:blip r:embed="rId3"/>
+          <a:stretch>
+            <a:fillRect/>
+          </a:stretch>
+        </p:blipFill>
+        <p:spPr>
+          <a:xfrm>
+            <a:off x="229457" y="202412"/>
+            <a:ext cx="1655852" cy="879445"/>
+          </a:xfrm>
+          <a:prstGeom prst="rect">
+            <a:avLst/>
+          </a:prstGeom>
+        </p:spPr>
+      </p:pic>
+      <p:sp>
+        <p:nvSpPr>
+          <p:cNvPr id="10" name="직사각형 9">
+            <a:extLst>
+              <a:ext uri="{FF2B5EF4-FFF2-40B4-BE49-F238E27FC236}">
+                <a16:creationId xmlns:a16="http://schemas.microsoft.com/office/drawing/2014/main" xmlns="" id="{0B0B0024-6F94-4E5D-92AE-53B96921E42E}"/>
+              </a:ext>
+            </a:extLst>
+          </p:cNvPr>
+          <p:cNvSpPr/>
+          <p:nvPr/>
+        </p:nvSpPr>
+        <p:spPr>
+          <a:xfrm>
+            <a:off x="233630" y="1119775"/>
+            <a:ext cx="1652426" cy="879445"/>
+          </a:xfrm>
+          <a:prstGeom prst="rect">
+            <a:avLst/>
+          </a:prstGeom>
+          <a:solidFill>
+            <a:schemeClr val="accent5">
+              <a:lumMod val="60000"/>
+              <a:lumOff val="40000"/>
+            </a:schemeClr>
+          </a:solidFill>
+        </p:spPr>
+        <p:style>
+          <a:lnRef idx="2">
+            <a:schemeClr val="accent1">
+              <a:shade val="50000"/>
+            </a:schemeClr>
+          </a:lnRef>
+          <a:fillRef idx="1">
+            <a:schemeClr val="accent1"/>
+          </a:fillRef>
+          <a:effectRef idx="0">
+            <a:schemeClr val="accent1"/>
+          </a:effectRef>
+          <a:fontRef idx="minor">
+            <a:schemeClr val="lt1"/>
+          </a:fontRef>
+        </p:style>
+        <p:txBody>
+          <a:bodyPr rtlCol="0" anchor="ctr"/>
+          <a:lstStyle/>
+          <a:p>
+            <a:pPr algn="ctr"/>
+            <a:endParaRPr lang="ko-KR" altLang="en-US"/>
+          </a:p>
+        </p:txBody>
+      </p:sp>
+      <p:sp>
+        <p:nvSpPr>
+          <p:cNvPr id="11" name="TextBox 10">
+            <a:extLst>
+              <a:ext uri="{FF2B5EF4-FFF2-40B4-BE49-F238E27FC236}">
+                <a16:creationId xmlns:a16="http://schemas.microsoft.com/office/drawing/2014/main" xmlns="" id="{B3CC8135-D18B-452E-8CCC-CB77FB4BCC0E}"/>
+              </a:ext>
+            </a:extLst>
+          </p:cNvPr>
+          <p:cNvSpPr txBox="1"/>
+          <p:nvPr/>
+        </p:nvSpPr>
+        <p:spPr>
+          <a:xfrm>
+            <a:off x="181297" y="1123093"/>
+            <a:ext cx="1604481" cy="692497"/>
+          </a:xfrm>
+          <a:prstGeom prst="rect">
+            <a:avLst/>
+          </a:prstGeom>
+          <a:noFill/>
+        </p:spPr>
+        <p:txBody>
+          <a:bodyPr rot="0" spcFirstLastPara="0" vertOverflow="overflow" horzOverflow="overflow" vert="horz" wrap="square" lIns="91440" tIns="45720" rIns="91440" bIns="45720" numCol="1" spcCol="0" rtlCol="0" fromWordArt="0" anchor="t" anchorCtr="0" forceAA="0" compatLnSpc="1">
+            <a:prstTxWarp prst="textNoShape">
+              <a:avLst/>
+            </a:prstTxWarp>
+            <a:spAutoFit/>
+          </a:bodyPr>
+          <a:lstStyle/>
+          <a:p>
+            <a:r>
+              <a:rPr lang="ko-KR" altLang="en-US" dirty="0">
+                <a:ea typeface="맑은 고딕"/>
+              </a:rPr>
+              <a:t> </a:t>
+            </a:r>
+            <a:r>
+              <a:rPr lang="ko-KR" altLang="en-US" sz="1200" dirty="0">
+                <a:ea typeface="맑은 고딕"/>
+              </a:rPr>
+              <a:t>        </a:t>
+            </a:r>
+            <a:r>
+              <a:rPr lang="ko-KR" altLang="en-US" sz="1050" dirty="0">
+                <a:ea typeface="맑은 고딕"/>
+              </a:rPr>
+              <a:t>  XXX</a:t>
+            </a:r>
+          </a:p>
+          <a:p>
+            <a:r>
+              <a:rPr lang="ko-KR" altLang="en-US" sz="1050" dirty="0">
+                <a:ea typeface="맑은 고딕"/>
+              </a:rPr>
+              <a:t>             직급</a:t>
+            </a:r>
+          </a:p>
+          <a:p>
+            <a:r>
+              <a:rPr lang="ko-KR" altLang="en-US" sz="1050" dirty="0">
+                <a:ea typeface="맑은 고딕"/>
+              </a:rPr>
+              <a:t>마지막 접속  </a:t>
+            </a:r>
+            <a:r>
+              <a:rPr lang="ko-KR" altLang="en-US" sz="1050" dirty="0" err="1">
+                <a:ea typeface="맑은 고딕"/>
+              </a:rPr>
+              <a:t>Xmin</a:t>
+            </a:r>
+            <a:r>
+              <a:rPr lang="ko-KR" altLang="en-US" sz="1050" dirty="0">
+                <a:ea typeface="맑은 고딕"/>
+              </a:rPr>
+              <a:t> </a:t>
+            </a:r>
+            <a:r>
+              <a:rPr lang="ko-KR" altLang="en-US" sz="1050" dirty="0" err="1">
+                <a:ea typeface="맑은 고딕"/>
+              </a:rPr>
+              <a:t>ago</a:t>
+            </a:r>
+            <a:endParaRPr lang="ko-KR" altLang="en-US" sz="1050" dirty="0">
+              <a:ea typeface="맑은 고딕"/>
+            </a:endParaRPr>
+          </a:p>
+        </p:txBody>
+      </p:sp>
+      <p:sp>
+        <p:nvSpPr>
+          <p:cNvPr id="12" name="직사각형 11">
+            <a:extLst>
+              <a:ext uri="{FF2B5EF4-FFF2-40B4-BE49-F238E27FC236}">
+                <a16:creationId xmlns:a16="http://schemas.microsoft.com/office/drawing/2014/main" xmlns="" id="{29F330D0-08F2-4F08-B833-D2CB443D0DF8}"/>
+              </a:ext>
+            </a:extLst>
+          </p:cNvPr>
+          <p:cNvSpPr/>
+          <p:nvPr/>
+        </p:nvSpPr>
+        <p:spPr>
+          <a:xfrm>
+            <a:off x="236841" y="2029541"/>
+            <a:ext cx="1618179" cy="4624367"/>
+          </a:xfrm>
+          <a:prstGeom prst="rect">
+            <a:avLst/>
+          </a:prstGeom>
+          <a:solidFill>
+            <a:schemeClr val="accent5">
+              <a:lumMod val="60000"/>
+              <a:lumOff val="40000"/>
+            </a:schemeClr>
+          </a:solidFill>
+        </p:spPr>
+        <p:style>
+          <a:lnRef idx="2">
+            <a:schemeClr val="accent1">
+              <a:shade val="50000"/>
+            </a:schemeClr>
+          </a:lnRef>
+          <a:fillRef idx="1">
+            <a:schemeClr val="accent1"/>
+          </a:fillRef>
+          <a:effectRef idx="0">
+            <a:schemeClr val="accent1"/>
+          </a:effectRef>
+          <a:fontRef idx="minor">
+            <a:schemeClr val="lt1"/>
+          </a:fontRef>
+        </p:style>
+        <p:txBody>
+          <a:bodyPr rtlCol="0" anchor="ctr"/>
+          <a:lstStyle/>
+          <a:p>
+            <a:pPr algn="ctr"/>
+            <a:r>
+              <a:rPr lang="ko-KR" altLang="en-US" sz="1000" dirty="0">
+                <a:ea typeface="맑은 고딕"/>
+              </a:rPr>
+              <a:t>상위메뉴 상의 중</a:t>
+            </a:r>
+            <a:endParaRPr lang="en-US" altLang="ko-KR" sz="1000" dirty="0">
+              <a:ea typeface="맑은 고딕"/>
+            </a:endParaRPr>
+          </a:p>
+          <a:p>
+            <a:pPr algn="ctr"/>
+            <a:r>
+              <a:rPr lang="en-US" altLang="ko-KR" sz="1000" dirty="0">
+                <a:ea typeface="맑은 고딕"/>
+              </a:rPr>
+              <a:t>-</a:t>
+            </a:r>
+            <a:r>
+              <a:rPr lang="ko-KR" altLang="en-US" sz="1000" dirty="0">
+                <a:ea typeface="맑은 고딕"/>
+              </a:rPr>
+              <a:t>매출</a:t>
+            </a:r>
+            <a:endParaRPr lang="en-US" altLang="ko-KR" sz="1000" dirty="0">
+              <a:ea typeface="맑은 고딕"/>
+            </a:endParaRPr>
+          </a:p>
+          <a:p>
+            <a:pPr algn="ctr"/>
+            <a:r>
+              <a:rPr lang="en-US" altLang="ko-KR" sz="1000" dirty="0">
+                <a:ea typeface="맑은 고딕"/>
+              </a:rPr>
+              <a:t>-</a:t>
+            </a:r>
+            <a:r>
+              <a:rPr lang="ko-KR" altLang="en-US" sz="1000" dirty="0">
+                <a:ea typeface="맑은 고딕"/>
+              </a:rPr>
+              <a:t>재고등록</a:t>
+            </a:r>
+            <a:endParaRPr lang="en-US" altLang="ko-KR" sz="1000" dirty="0">
+              <a:ea typeface="맑은 고딕"/>
+            </a:endParaRPr>
+          </a:p>
+          <a:p>
+            <a:pPr algn="ctr"/>
+            <a:r>
+              <a:rPr lang="en-US" altLang="ko-KR" sz="1000" dirty="0">
+                <a:ea typeface="맑은 고딕"/>
+              </a:rPr>
+              <a:t>-</a:t>
+            </a:r>
+            <a:r>
+              <a:rPr lang="ko-KR" altLang="en-US" sz="1000" dirty="0">
+                <a:ea typeface="맑은 고딕"/>
+              </a:rPr>
+              <a:t>재고조회</a:t>
+            </a:r>
+            <a:endParaRPr lang="en-US" altLang="ko-KR" sz="1000" dirty="0">
+              <a:ea typeface="맑은 고딕"/>
+            </a:endParaRPr>
+          </a:p>
+          <a:p>
+            <a:pPr algn="ctr"/>
+            <a:r>
+              <a:rPr lang="en-US" altLang="ko-KR" sz="1000" dirty="0">
+                <a:ea typeface="맑은 고딕"/>
+              </a:rPr>
+              <a:t>-</a:t>
+            </a:r>
+            <a:r>
+              <a:rPr lang="ko-KR" altLang="en-US" sz="1000" dirty="0">
+                <a:ea typeface="맑은 고딕"/>
+              </a:rPr>
+              <a:t>생산품등록</a:t>
+            </a:r>
+            <a:endParaRPr lang="en-US" altLang="ko-KR" sz="1000" dirty="0">
+              <a:ea typeface="맑은 고딕"/>
+            </a:endParaRPr>
+          </a:p>
+          <a:p>
+            <a:pPr algn="ctr"/>
+            <a:r>
+              <a:rPr lang="en-US" altLang="ko-KR" sz="1000" dirty="0">
+                <a:ea typeface="맑은 고딕"/>
+              </a:rPr>
+              <a:t>-</a:t>
+            </a:r>
+            <a:r>
+              <a:rPr lang="ko-KR" altLang="en-US" sz="1000" dirty="0">
+                <a:ea typeface="맑은 고딕"/>
+              </a:rPr>
+              <a:t>생산품조회</a:t>
+            </a:r>
+            <a:endParaRPr lang="en-US" altLang="ko-KR" sz="1000" dirty="0">
+              <a:ea typeface="맑은 고딕"/>
+            </a:endParaRPr>
+          </a:p>
+          <a:p>
+            <a:pPr algn="ctr"/>
+            <a:r>
+              <a:rPr lang="ko-KR" altLang="en-US" sz="1000" dirty="0">
+                <a:ea typeface="맑은 고딕"/>
+              </a:rPr>
+              <a:t>거래처 등록</a:t>
+            </a:r>
+            <a:endParaRPr lang="en-US" altLang="ko-KR" sz="1000" dirty="0">
+              <a:ea typeface="맑은 고딕"/>
+            </a:endParaRPr>
+          </a:p>
+          <a:p>
+            <a:pPr algn="ctr"/>
+            <a:r>
+              <a:rPr lang="ko-KR" altLang="en-US" sz="1000" dirty="0">
+                <a:ea typeface="맑은 고딕"/>
+              </a:rPr>
+              <a:t>급여</a:t>
+            </a:r>
+            <a:endParaRPr lang="en-US" altLang="ko-KR" sz="1000" dirty="0">
+              <a:ea typeface="맑은 고딕"/>
+            </a:endParaRPr>
+          </a:p>
+          <a:p>
+            <a:pPr algn="ctr"/>
+            <a:r>
+              <a:rPr lang="ko-KR" altLang="en-US" sz="1000" dirty="0">
+                <a:ea typeface="맑은 고딕"/>
+              </a:rPr>
+              <a:t>근태</a:t>
+            </a:r>
+            <a:endParaRPr lang="en-US" altLang="ko-KR" sz="1000" dirty="0">
+              <a:ea typeface="맑은 고딕"/>
+            </a:endParaRPr>
+          </a:p>
+          <a:p>
+            <a:pPr algn="ctr"/>
+            <a:r>
+              <a:rPr lang="ko-KR" altLang="en-US" sz="1000" dirty="0">
+                <a:ea typeface="맑은 고딕"/>
+              </a:rPr>
+              <a:t>휴가</a:t>
+            </a:r>
+            <a:endParaRPr lang="en-US" altLang="ko-KR" sz="1000" dirty="0">
+              <a:ea typeface="맑은 고딕"/>
+            </a:endParaRPr>
+          </a:p>
+          <a:p>
+            <a:pPr algn="ctr"/>
+            <a:r>
+              <a:rPr lang="ko-KR" altLang="en-US" sz="1000" dirty="0">
+                <a:ea typeface="맑은 고딕"/>
+              </a:rPr>
+              <a:t>배송조회</a:t>
+            </a:r>
+            <a:endParaRPr lang="en-US" altLang="ko-KR" sz="1000" dirty="0">
+              <a:ea typeface="맑은 고딕"/>
+            </a:endParaRPr>
+          </a:p>
+          <a:p>
+            <a:pPr algn="ctr"/>
+            <a:r>
+              <a:rPr lang="ko-KR" altLang="en-US" sz="1000" dirty="0">
+                <a:ea typeface="맑은 고딕"/>
+              </a:rPr>
+              <a:t>배송등록</a:t>
+            </a:r>
+            <a:endParaRPr lang="en-US" altLang="ko-KR" sz="1000" dirty="0">
+              <a:ea typeface="맑은 고딕"/>
+            </a:endParaRPr>
+          </a:p>
+          <a:p>
+            <a:pPr algn="ctr"/>
+            <a:endParaRPr lang="en-US" altLang="ko-KR" sz="1000" dirty="0">
+              <a:ea typeface="맑은 고딕"/>
+            </a:endParaRPr>
+          </a:p>
+        </p:txBody>
+      </p:sp>
+    </p:spTree>
+    <p:extLst>
+      <p:ext uri="{BB962C8B-B14F-4D97-AF65-F5344CB8AC3E}">
+        <p14:creationId xmlns:p14="http://schemas.microsoft.com/office/powerpoint/2010/main" val="1947228444"/>
+      </p:ext>
+    </p:extLst>
+  </p:cSld>
+  <p:clrMapOvr>
+    <a:masterClrMapping/>
+  </p:clrMapOvr>
+</p:sld>
+</file>
+
+<file path=ppt/slides/slide11.xml><?xml version="1.0" encoding="utf-8"?>
+<p:sld xmlns:a="http://schemas.openxmlformats.org/drawingml/2006/main" xmlns:r="http://schemas.openxmlformats.org/officeDocument/2006/relationships" xmlns:p="http://schemas.openxmlformats.org/presentationml/2006/main">
+  <p:cSld>
+    <p:spTree>
+      <p:nvGrpSpPr>
+        <p:cNvPr id="1" name=""/>
+        <p:cNvGrpSpPr/>
+        <p:nvPr/>
+      </p:nvGrpSpPr>
+      <p:grpSpPr>
+        <a:xfrm>
+          <a:off x="0" y="0"/>
+          <a:ext cx="0" cy="0"/>
+          <a:chOff x="0" y="0"/>
+          <a:chExt cx="0" cy="0"/>
+        </a:xfrm>
+      </p:grpSpPr>
       <p:sp>
         <p:nvSpPr>
           <p:cNvPr id="2" name="제목 1">
             <a:extLst>
               <a:ext uri="{FF2B5EF4-FFF2-40B4-BE49-F238E27FC236}">
-                <a16:creationId xmlns:a16="http://schemas.microsoft.com/office/drawing/2014/main" id="{1C19F759-A4E6-4D79-97FB-415807DEA62C}"/>
+                <a16:creationId xmlns:a16="http://schemas.microsoft.com/office/drawing/2014/main" xmlns="" id="{1C19F759-A4E6-4D79-97FB-415807DEA62C}"/>
               </a:ext>
             </a:extLst>
           </p:cNvPr>
@@ -4948,7 +5466,7 @@
           <p:cNvPr id="5" name="내용 개체 틀 4">
             <a:extLst>
               <a:ext uri="{FF2B5EF4-FFF2-40B4-BE49-F238E27FC236}">
-                <a16:creationId xmlns:a16="http://schemas.microsoft.com/office/drawing/2014/main" id="{B66E31F6-7AD5-41FB-A733-49BD66898D29}"/>
+                <a16:creationId xmlns:a16="http://schemas.microsoft.com/office/drawing/2014/main" xmlns="" id="{B66E31F6-7AD5-41FB-A733-49BD66898D29}"/>
               </a:ext>
             </a:extLst>
           </p:cNvPr>
@@ -4991,7 +5509,7 @@
 </p:sld>
 </file>
 
-<file path=ppt/slides/slide11.xml><?xml version="1.0" encoding="utf-8"?>
+<file path=ppt/slides/slide12.xml><?xml version="1.0" encoding="utf-8"?>
 <p:sld xmlns:a="http://schemas.openxmlformats.org/drawingml/2006/main" xmlns:r="http://schemas.openxmlformats.org/officeDocument/2006/relationships" xmlns:p="http://schemas.openxmlformats.org/presentationml/2006/main">
   <p:cSld>
     <p:spTree>
@@ -5013,7 +5531,7 @@
           <p:cNvPr id="2" name="제목 1">
             <a:extLst>
               <a:ext uri="{FF2B5EF4-FFF2-40B4-BE49-F238E27FC236}">
-                <a16:creationId xmlns:a16="http://schemas.microsoft.com/office/drawing/2014/main" id="{F529629C-9A55-4258-8EC6-43464FD6EA0A}"/>
+                <a16:creationId xmlns:a16="http://schemas.microsoft.com/office/drawing/2014/main" xmlns="" id="{F529629C-9A55-4258-8EC6-43464FD6EA0A}"/>
               </a:ext>
             </a:extLst>
           </p:cNvPr>
@@ -5041,7 +5559,7 @@
           <p:cNvPr id="5" name="내용 개체 틀 4" descr="스크린샷이(가) 표시된 사진&#10;&#10;자동 생성된 설명">
             <a:extLst>
               <a:ext uri="{FF2B5EF4-FFF2-40B4-BE49-F238E27FC236}">
-                <a16:creationId xmlns:a16="http://schemas.microsoft.com/office/drawing/2014/main" id="{C064C5B4-7189-4E26-A960-D785B3463B33}"/>
+                <a16:creationId xmlns:a16="http://schemas.microsoft.com/office/drawing/2014/main" xmlns="" id="{C064C5B4-7189-4E26-A960-D785B3463B33}"/>
               </a:ext>
             </a:extLst>
           </p:cNvPr>
@@ -5084,7 +5602,7 @@
 </p:sld>
 </file>
 
-<file path=ppt/slides/slide12.xml><?xml version="1.0" encoding="utf-8"?>
+<file path=ppt/slides/slide13.xml><?xml version="1.0" encoding="utf-8"?>
 <p:sld xmlns:a="http://schemas.openxmlformats.org/drawingml/2006/main" xmlns:r="http://schemas.openxmlformats.org/officeDocument/2006/relationships" xmlns:p="http://schemas.openxmlformats.org/presentationml/2006/main">
   <p:cSld>
     <p:spTree>
@@ -5106,7 +5624,7 @@
           <p:cNvPr id="2" name="제목 1">
             <a:extLst>
               <a:ext uri="{FF2B5EF4-FFF2-40B4-BE49-F238E27FC236}">
-                <a16:creationId xmlns:a16="http://schemas.microsoft.com/office/drawing/2014/main" id="{9F412F72-FA34-4FD3-BE27-0C0CF816CF43}"/>
+                <a16:creationId xmlns:a16="http://schemas.microsoft.com/office/drawing/2014/main" xmlns="" id="{9F412F72-FA34-4FD3-BE27-0C0CF816CF43}"/>
               </a:ext>
             </a:extLst>
           </p:cNvPr>
@@ -5143,7 +5661,7 @@
           <p:cNvPr id="5" name="내용 개체 틀 4" descr="스크린샷이(가) 표시된 사진&#10;&#10;자동 생성된 설명">
             <a:extLst>
               <a:ext uri="{FF2B5EF4-FFF2-40B4-BE49-F238E27FC236}">
-                <a16:creationId xmlns:a16="http://schemas.microsoft.com/office/drawing/2014/main" id="{F4CA1BD3-31A3-4D86-AC12-C271802F1ED1}"/>
+                <a16:creationId xmlns:a16="http://schemas.microsoft.com/office/drawing/2014/main" xmlns="" id="{F4CA1BD3-31A3-4D86-AC12-C271802F1ED1}"/>
               </a:ext>
             </a:extLst>
           </p:cNvPr>
@@ -5186,7 +5704,7 @@
 </p:sld>
 </file>
 
-<file path=ppt/slides/slide13.xml><?xml version="1.0" encoding="utf-8"?>
+<file path=ppt/slides/slide14.xml><?xml version="1.0" encoding="utf-8"?>
 <p:sld xmlns:a="http://schemas.openxmlformats.org/drawingml/2006/main" xmlns:r="http://schemas.openxmlformats.org/officeDocument/2006/relationships" xmlns:p="http://schemas.openxmlformats.org/presentationml/2006/main">
   <p:cSld>
     <p:spTree>
@@ -5208,7 +5726,7 @@
           <p:cNvPr id="2" name="제목 1">
             <a:extLst>
               <a:ext uri="{FF2B5EF4-FFF2-40B4-BE49-F238E27FC236}">
-                <a16:creationId xmlns:a16="http://schemas.microsoft.com/office/drawing/2014/main" id="{F47B8870-78C5-4440-B777-4ACCBB2B9541}"/>
+                <a16:creationId xmlns:a16="http://schemas.microsoft.com/office/drawing/2014/main" xmlns="" id="{F47B8870-78C5-4440-B777-4ACCBB2B9541}"/>
               </a:ext>
             </a:extLst>
           </p:cNvPr>
@@ -5269,7 +5787,7 @@
           <p:cNvPr id="5" name="내용 개체 틀 4" descr="스크린샷이(가) 표시된 사진&#10;&#10;자동 생성된 설명">
             <a:extLst>
               <a:ext uri="{FF2B5EF4-FFF2-40B4-BE49-F238E27FC236}">
-                <a16:creationId xmlns:a16="http://schemas.microsoft.com/office/drawing/2014/main" id="{2FC1C3C9-A9F9-4118-918C-718E28D082AE}"/>
+                <a16:creationId xmlns:a16="http://schemas.microsoft.com/office/drawing/2014/main" xmlns="" id="{2FC1C3C9-A9F9-4118-918C-718E28D082AE}"/>
               </a:ext>
             </a:extLst>
           </p:cNvPr>
@@ -5312,7 +5830,7 @@
 </p:sld>
 </file>
 
-<file path=ppt/slides/slide14.xml><?xml version="1.0" encoding="utf-8"?>
+<file path=ppt/slides/slide15.xml><?xml version="1.0" encoding="utf-8"?>
 <p:sld xmlns:a="http://schemas.openxmlformats.org/drawingml/2006/main" xmlns:r="http://schemas.openxmlformats.org/officeDocument/2006/relationships" xmlns:p="http://schemas.openxmlformats.org/presentationml/2006/main">
   <p:cSld>
     <p:spTree>
@@ -5334,7 +5852,7 @@
           <p:cNvPr id="2" name="제목 1">
             <a:extLst>
               <a:ext uri="{FF2B5EF4-FFF2-40B4-BE49-F238E27FC236}">
-                <a16:creationId xmlns:a16="http://schemas.microsoft.com/office/drawing/2014/main" id="{F73898FC-283E-4539-91E2-BC09FD0D2E42}"/>
+                <a16:creationId xmlns:a16="http://schemas.microsoft.com/office/drawing/2014/main" xmlns="" id="{F73898FC-283E-4539-91E2-BC09FD0D2E42}"/>
               </a:ext>
             </a:extLst>
           </p:cNvPr>
@@ -5395,7 +5913,7 @@
           <p:cNvPr id="5" name="내용 개체 틀 4" descr="스크린샷이(가) 표시된 사진&#10;&#10;자동 생성된 설명">
             <a:extLst>
               <a:ext uri="{FF2B5EF4-FFF2-40B4-BE49-F238E27FC236}">
-                <a16:creationId xmlns:a16="http://schemas.microsoft.com/office/drawing/2014/main" id="{EC5A0C35-1AE9-4148-92B6-3FAEB83C0748}"/>
+                <a16:creationId xmlns:a16="http://schemas.microsoft.com/office/drawing/2014/main" xmlns="" id="{EC5A0C35-1AE9-4148-92B6-3FAEB83C0748}"/>
               </a:ext>
             </a:extLst>
           </p:cNvPr>
@@ -5438,7 +5956,7 @@
 </p:sld>
 </file>
 
-<file path=ppt/slides/slide15.xml><?xml version="1.0" encoding="utf-8"?>
+<file path=ppt/slides/slide16.xml><?xml version="1.0" encoding="utf-8"?>
 <p:sld xmlns:a="http://schemas.openxmlformats.org/drawingml/2006/main" xmlns:r="http://schemas.openxmlformats.org/officeDocument/2006/relationships" xmlns:p="http://schemas.openxmlformats.org/presentationml/2006/main">
   <p:cSld>
     <p:spTree>
@@ -5460,7 +5978,7 @@
           <p:cNvPr id="2" name="제목 1">
             <a:extLst>
               <a:ext uri="{FF2B5EF4-FFF2-40B4-BE49-F238E27FC236}">
-                <a16:creationId xmlns:a16="http://schemas.microsoft.com/office/drawing/2014/main" id="{92BD494C-75FC-4390-9F13-100089E3B7EC}"/>
+                <a16:creationId xmlns:a16="http://schemas.microsoft.com/office/drawing/2014/main" xmlns="" id="{92BD494C-75FC-4390-9F13-100089E3B7EC}"/>
               </a:ext>
             </a:extLst>
           </p:cNvPr>
@@ -5521,7 +6039,7 @@
           <p:cNvPr id="6" name="내용 개체 틀 5" descr="스크린샷이(가) 표시된 사진&#10;&#10;자동 생성된 설명">
             <a:extLst>
               <a:ext uri="{FF2B5EF4-FFF2-40B4-BE49-F238E27FC236}">
-                <a16:creationId xmlns:a16="http://schemas.microsoft.com/office/drawing/2014/main" id="{7228AA51-C319-4DE0-85AE-1C4F57AEA300}"/>
+                <a16:creationId xmlns:a16="http://schemas.microsoft.com/office/drawing/2014/main" xmlns="" id="{7228AA51-C319-4DE0-85AE-1C4F57AEA300}"/>
               </a:ext>
             </a:extLst>
           </p:cNvPr>
@@ -5564,7 +6082,7 @@
 </p:sld>
 </file>
 
-<file path=ppt/slides/slide16.xml><?xml version="1.0" encoding="utf-8"?>
+<file path=ppt/slides/slide17.xml><?xml version="1.0" encoding="utf-8"?>
 <p:sld xmlns:a="http://schemas.openxmlformats.org/drawingml/2006/main" xmlns:r="http://schemas.openxmlformats.org/officeDocument/2006/relationships" xmlns:p="http://schemas.openxmlformats.org/presentationml/2006/main">
   <p:cSld>
     <p:spTree>
@@ -5586,7 +6104,7 @@
           <p:cNvPr id="4" name="직사각형 3">
             <a:extLst>
               <a:ext uri="{FF2B5EF4-FFF2-40B4-BE49-F238E27FC236}">
-                <a16:creationId xmlns:a16="http://schemas.microsoft.com/office/drawing/2014/main" id="{5002C9A2-20C5-4C69-BA15-A8EE6FE2721D}"/>
+                <a16:creationId xmlns:a16="http://schemas.microsoft.com/office/drawing/2014/main" xmlns="" id="{5002C9A2-20C5-4C69-BA15-A8EE6FE2721D}"/>
               </a:ext>
             </a:extLst>
           </p:cNvPr>
@@ -5639,7 +6157,7 @@
           <p:cNvPr id="5" name="그림 6">
             <a:extLst>
               <a:ext uri="{FF2B5EF4-FFF2-40B4-BE49-F238E27FC236}">
-                <a16:creationId xmlns:a16="http://schemas.microsoft.com/office/drawing/2014/main" id="{AA01CC00-859A-44F0-9309-6FD71FC35AE0}"/>
+                <a16:creationId xmlns:a16="http://schemas.microsoft.com/office/drawing/2014/main" xmlns="" id="{AA01CC00-859A-44F0-9309-6FD71FC35AE0}"/>
               </a:ext>
             </a:extLst>
           </p:cNvPr>
@@ -5669,7 +6187,7 @@
           <p:cNvPr id="6" name="직사각형 5">
             <a:extLst>
               <a:ext uri="{FF2B5EF4-FFF2-40B4-BE49-F238E27FC236}">
-                <a16:creationId xmlns:a16="http://schemas.microsoft.com/office/drawing/2014/main" id="{0CF99022-8DAC-4FF7-8B82-15F740CC685A}"/>
+                <a16:creationId xmlns:a16="http://schemas.microsoft.com/office/drawing/2014/main" xmlns="" id="{0CF99022-8DAC-4FF7-8B82-15F740CC685A}"/>
               </a:ext>
             </a:extLst>
           </p:cNvPr>
@@ -5721,7 +6239,7 @@
           <p:cNvPr id="7" name="TextBox 6">
             <a:extLst>
               <a:ext uri="{FF2B5EF4-FFF2-40B4-BE49-F238E27FC236}">
-                <a16:creationId xmlns:a16="http://schemas.microsoft.com/office/drawing/2014/main" id="{7AEF5A1A-3F7F-4391-8811-81FFC8820FBF}"/>
+                <a16:creationId xmlns:a16="http://schemas.microsoft.com/office/drawing/2014/main" xmlns="" id="{7AEF5A1A-3F7F-4391-8811-81FFC8820FBF}"/>
               </a:ext>
             </a:extLst>
           </p:cNvPr>
@@ -5810,7 +6328,7 @@
           <p:cNvPr id="8" name="직사각형 7">
             <a:extLst>
               <a:ext uri="{FF2B5EF4-FFF2-40B4-BE49-F238E27FC236}">
-                <a16:creationId xmlns:a16="http://schemas.microsoft.com/office/drawing/2014/main" id="{1C27E313-7A28-4130-BAFD-845A0A1AF899}"/>
+                <a16:creationId xmlns:a16="http://schemas.microsoft.com/office/drawing/2014/main" xmlns="" id="{1C27E313-7A28-4130-BAFD-845A0A1AF899}"/>
               </a:ext>
             </a:extLst>
           </p:cNvPr>
@@ -6038,7 +6556,7 @@
           <p:cNvPr id="9" name="내용 개체 틀 4" descr="스크린샷이(가) 표시된 사진&#10;&#10;자동 생성된 설명">
             <a:extLst>
               <a:ext uri="{FF2B5EF4-FFF2-40B4-BE49-F238E27FC236}">
-                <a16:creationId xmlns:a16="http://schemas.microsoft.com/office/drawing/2014/main" id="{794F1BFE-AB39-4494-A795-353DFD966607}"/>
+                <a16:creationId xmlns:a16="http://schemas.microsoft.com/office/drawing/2014/main" xmlns="" id="{794F1BFE-AB39-4494-A795-353DFD966607}"/>
               </a:ext>
             </a:extLst>
           </p:cNvPr>
@@ -6081,96 +6599,6 @@
 </p:sld>
 </file>
 
-<file path=ppt/slides/slide17.xml><?xml version="1.0" encoding="utf-8"?>
-<p:sld xmlns:a="http://schemas.openxmlformats.org/drawingml/2006/main" xmlns:r="http://schemas.openxmlformats.org/officeDocument/2006/relationships" xmlns:p="http://schemas.openxmlformats.org/presentationml/2006/main">
-  <p:cSld>
-    <p:spTree>
-      <p:nvGrpSpPr>
-        <p:cNvPr id="1" name=""/>
-        <p:cNvGrpSpPr/>
-        <p:nvPr/>
-      </p:nvGrpSpPr>
-      <p:grpSpPr>
-        <a:xfrm>
-          <a:off x="0" y="0"/>
-          <a:ext cx="0" cy="0"/>
-          <a:chOff x="0" y="0"/>
-          <a:chExt cx="0" cy="0"/>
-        </a:xfrm>
-      </p:grpSpPr>
-      <p:sp>
-        <p:nvSpPr>
-          <p:cNvPr id="3" name="내용 개체 틀 2">
-            <a:extLst>
-              <a:ext uri="{FF2B5EF4-FFF2-40B4-BE49-F238E27FC236}">
-                <a16:creationId xmlns:a16="http://schemas.microsoft.com/office/drawing/2014/main" id="{9719F892-DF04-45F5-BC42-ED39790D4715}"/>
-              </a:ext>
-            </a:extLst>
-          </p:cNvPr>
-          <p:cNvSpPr>
-            <a:spLocks noGrp="1"/>
-          </p:cNvSpPr>
-          <p:nvPr>
-            <p:ph idx="1"/>
-          </p:nvPr>
-        </p:nvSpPr>
-        <p:spPr/>
-        <p:txBody>
-          <a:bodyPr/>
-          <a:lstStyle/>
-          <a:p>
-            <a:r>
-              <a:rPr lang="ko-KR" altLang="en-US" dirty="0"/>
-              <a:t>매출</a:t>
-            </a:r>
-            <a:r>
-              <a:rPr lang="en-US" altLang="ko-KR" dirty="0"/>
-              <a:t>/</a:t>
-            </a:r>
-            <a:r>
-              <a:rPr lang="ko-KR" altLang="en-US" dirty="0"/>
-              <a:t>급여</a:t>
-            </a:r>
-            <a:r>
-              <a:rPr lang="en-US" altLang="ko-KR" dirty="0"/>
-              <a:t>/</a:t>
-            </a:r>
-            <a:r>
-              <a:rPr lang="ko-KR" altLang="en-US" dirty="0"/>
-              <a:t>근태</a:t>
-            </a:r>
-            <a:r>
-              <a:rPr lang="en-US" altLang="ko-KR" dirty="0"/>
-              <a:t>/</a:t>
-            </a:r>
-            <a:r>
-              <a:rPr lang="ko-KR" altLang="en-US" dirty="0"/>
-              <a:t>휴가 관련은 </a:t>
-            </a:r>
-            <a:r>
-              <a:rPr lang="en-US" altLang="ko-KR" dirty="0"/>
-              <a:t>2</a:t>
-            </a:r>
-            <a:r>
-              <a:rPr lang="ko-KR" altLang="en-US" dirty="0"/>
-              <a:t>차 목표 때</a:t>
-            </a:r>
-          </a:p>
-        </p:txBody>
-      </p:sp>
-    </p:spTree>
-    <p:extLst>
-      <p:ext uri="{BB962C8B-B14F-4D97-AF65-F5344CB8AC3E}">
-        <p14:creationId xmlns:p14="http://schemas.microsoft.com/office/powerpoint/2010/main" val="1119575624"/>
-      </p:ext>
-    </p:extLst>
-  </p:cSld>
-  <p:clrMapOvr>
-    <a:masterClrMapping/>
-  </p:clrMapOvr>
-</p:sld>
-</file>
-
 <file path=ppt/slides/slide18.xml><?xml version="1.0" encoding="utf-8"?>
 <p:sld xmlns:a="http://schemas.openxmlformats.org/drawingml/2006/main" xmlns:r="http://schemas.openxmlformats.org/officeDocument/2006/relationships" xmlns:p="http://schemas.openxmlformats.org/presentationml/2006/main">
   <p:cSld>
@@ -6190,10 +6618,100 @@
       </p:grpSpPr>
       <p:sp>
         <p:nvSpPr>
+          <p:cNvPr id="3" name="내용 개체 틀 2">
+            <a:extLst>
+              <a:ext uri="{FF2B5EF4-FFF2-40B4-BE49-F238E27FC236}">
+                <a16:creationId xmlns:a16="http://schemas.microsoft.com/office/drawing/2014/main" xmlns="" id="{9719F892-DF04-45F5-BC42-ED39790D4715}"/>
+              </a:ext>
+            </a:extLst>
+          </p:cNvPr>
+          <p:cNvSpPr>
+            <a:spLocks noGrp="1"/>
+          </p:cNvSpPr>
+          <p:nvPr>
+            <p:ph idx="1"/>
+          </p:nvPr>
+        </p:nvSpPr>
+        <p:spPr/>
+        <p:txBody>
+          <a:bodyPr/>
+          <a:lstStyle/>
+          <a:p>
+            <a:r>
+              <a:rPr lang="ko-KR" altLang="en-US" dirty="0"/>
+              <a:t>매출</a:t>
+            </a:r>
+            <a:r>
+              <a:rPr lang="en-US" altLang="ko-KR" dirty="0"/>
+              <a:t>/</a:t>
+            </a:r>
+            <a:r>
+              <a:rPr lang="ko-KR" altLang="en-US" dirty="0"/>
+              <a:t>급여</a:t>
+            </a:r>
+            <a:r>
+              <a:rPr lang="en-US" altLang="ko-KR" dirty="0"/>
+              <a:t>/</a:t>
+            </a:r>
+            <a:r>
+              <a:rPr lang="ko-KR" altLang="en-US" dirty="0"/>
+              <a:t>근태</a:t>
+            </a:r>
+            <a:r>
+              <a:rPr lang="en-US" altLang="ko-KR" dirty="0"/>
+              <a:t>/</a:t>
+            </a:r>
+            <a:r>
+              <a:rPr lang="ko-KR" altLang="en-US" dirty="0"/>
+              <a:t>휴가 관련은 </a:t>
+            </a:r>
+            <a:r>
+              <a:rPr lang="en-US" altLang="ko-KR" dirty="0"/>
+              <a:t>2</a:t>
+            </a:r>
+            <a:r>
+              <a:rPr lang="ko-KR" altLang="en-US" dirty="0"/>
+              <a:t>차 목표 때</a:t>
+            </a:r>
+          </a:p>
+        </p:txBody>
+      </p:sp>
+    </p:spTree>
+    <p:extLst>
+      <p:ext uri="{BB962C8B-B14F-4D97-AF65-F5344CB8AC3E}">
+        <p14:creationId xmlns:p14="http://schemas.microsoft.com/office/powerpoint/2010/main" val="1119575624"/>
+      </p:ext>
+    </p:extLst>
+  </p:cSld>
+  <p:clrMapOvr>
+    <a:masterClrMapping/>
+  </p:clrMapOvr>
+</p:sld>
+</file>
+
+<file path=ppt/slides/slide19.xml><?xml version="1.0" encoding="utf-8"?>
+<p:sld xmlns:a="http://schemas.openxmlformats.org/drawingml/2006/main" xmlns:r="http://schemas.openxmlformats.org/officeDocument/2006/relationships" xmlns:p="http://schemas.openxmlformats.org/presentationml/2006/main">
+  <p:cSld>
+    <p:spTree>
+      <p:nvGrpSpPr>
+        <p:cNvPr id="1" name=""/>
+        <p:cNvGrpSpPr/>
+        <p:nvPr/>
+      </p:nvGrpSpPr>
+      <p:grpSpPr>
+        <a:xfrm>
+          <a:off x="0" y="0"/>
+          <a:ext cx="0" cy="0"/>
+          <a:chOff x="0" y="0"/>
+          <a:chExt cx="0" cy="0"/>
+        </a:xfrm>
+      </p:grpSpPr>
+      <p:sp>
+        <p:nvSpPr>
           <p:cNvPr id="2" name="제목 1">
             <a:extLst>
               <a:ext uri="{FF2B5EF4-FFF2-40B4-BE49-F238E27FC236}">
-                <a16:creationId xmlns:a16="http://schemas.microsoft.com/office/drawing/2014/main" id="{8E97CA95-1069-4078-A7A4-8B4F8F90222F}"/>
+                <a16:creationId xmlns:a16="http://schemas.microsoft.com/office/drawing/2014/main" xmlns="" id="{8E97CA95-1069-4078-A7A4-8B4F8F90222F}"/>
               </a:ext>
             </a:extLst>
           </p:cNvPr>
@@ -6222,7 +6740,7 @@
           <p:cNvPr id="5" name="내용 개체 틀 4">
             <a:extLst>
               <a:ext uri="{FF2B5EF4-FFF2-40B4-BE49-F238E27FC236}">
-                <a16:creationId xmlns:a16="http://schemas.microsoft.com/office/drawing/2014/main" id="{2880E9F4-CC56-464E-B498-B25114716C2B}"/>
+                <a16:creationId xmlns:a16="http://schemas.microsoft.com/office/drawing/2014/main" xmlns="" id="{2880E9F4-CC56-464E-B498-B25114716C2B}"/>
               </a:ext>
             </a:extLst>
           </p:cNvPr>
@@ -6287,7 +6805,7 @@
           <p:cNvPr id="2" name="제목 1">
             <a:extLst>
               <a:ext uri="{FF2B5EF4-FFF2-40B4-BE49-F238E27FC236}">
-                <a16:creationId xmlns:a16="http://schemas.microsoft.com/office/drawing/2014/main" id="{220B5673-E4B7-4245-93FF-89E47B0D7D4E}"/>
+                <a16:creationId xmlns:a16="http://schemas.microsoft.com/office/drawing/2014/main" xmlns="" id="{220B5673-E4B7-4245-93FF-89E47B0D7D4E}"/>
               </a:ext>
             </a:extLst>
           </p:cNvPr>
@@ -6316,7 +6834,7 @@
           <p:cNvPr id="4" name="그림 3" descr="스크린샷이(가) 표시된 사진&#10;&#10;자동 생성된 설명">
             <a:extLst>
               <a:ext uri="{FF2B5EF4-FFF2-40B4-BE49-F238E27FC236}">
-                <a16:creationId xmlns:a16="http://schemas.microsoft.com/office/drawing/2014/main" id="{EEBE937B-0846-4A7D-A9C2-98A111E87170}"/>
+                <a16:creationId xmlns:a16="http://schemas.microsoft.com/office/drawing/2014/main" xmlns="" id="{EEBE937B-0846-4A7D-A9C2-98A111E87170}"/>
               </a:ext>
             </a:extLst>
           </p:cNvPr>
@@ -6382,7 +6900,7 @@
           <p:cNvPr id="4" name="직사각형 3">
             <a:extLst>
               <a:ext uri="{FF2B5EF4-FFF2-40B4-BE49-F238E27FC236}">
-                <a16:creationId xmlns:a16="http://schemas.microsoft.com/office/drawing/2014/main" id="{C932A5C2-42C2-48C4-B066-3CE4A394EC0A}"/>
+                <a16:creationId xmlns:a16="http://schemas.microsoft.com/office/drawing/2014/main" xmlns="" id="{C932A5C2-42C2-48C4-B066-3CE4A394EC0A}"/>
               </a:ext>
             </a:extLst>
           </p:cNvPr>
@@ -6435,7 +6953,7 @@
           <p:cNvPr id="5" name="그림 6">
             <a:extLst>
               <a:ext uri="{FF2B5EF4-FFF2-40B4-BE49-F238E27FC236}">
-                <a16:creationId xmlns:a16="http://schemas.microsoft.com/office/drawing/2014/main" id="{E7BBADCE-ABCA-4CF7-9132-C63C5894DD30}"/>
+                <a16:creationId xmlns:a16="http://schemas.microsoft.com/office/drawing/2014/main" xmlns="" id="{E7BBADCE-ABCA-4CF7-9132-C63C5894DD30}"/>
               </a:ext>
             </a:extLst>
           </p:cNvPr>
@@ -6465,7 +6983,7 @@
           <p:cNvPr id="6" name="직사각형 5">
             <a:extLst>
               <a:ext uri="{FF2B5EF4-FFF2-40B4-BE49-F238E27FC236}">
-                <a16:creationId xmlns:a16="http://schemas.microsoft.com/office/drawing/2014/main" id="{F7FF1DD7-87FD-45EF-BF09-18387120F22E}"/>
+                <a16:creationId xmlns:a16="http://schemas.microsoft.com/office/drawing/2014/main" xmlns="" id="{F7FF1DD7-87FD-45EF-BF09-18387120F22E}"/>
               </a:ext>
             </a:extLst>
           </p:cNvPr>
@@ -6517,7 +7035,7 @@
           <p:cNvPr id="7" name="TextBox 6">
             <a:extLst>
               <a:ext uri="{FF2B5EF4-FFF2-40B4-BE49-F238E27FC236}">
-                <a16:creationId xmlns:a16="http://schemas.microsoft.com/office/drawing/2014/main" id="{3EA97C71-1591-41DF-B47D-7362885DB618}"/>
+                <a16:creationId xmlns:a16="http://schemas.microsoft.com/office/drawing/2014/main" xmlns="" id="{3EA97C71-1591-41DF-B47D-7362885DB618}"/>
               </a:ext>
             </a:extLst>
           </p:cNvPr>
@@ -6606,7 +7124,7 @@
           <p:cNvPr id="8" name="직사각형 7">
             <a:extLst>
               <a:ext uri="{FF2B5EF4-FFF2-40B4-BE49-F238E27FC236}">
-                <a16:creationId xmlns:a16="http://schemas.microsoft.com/office/drawing/2014/main" id="{06D7958C-3E67-4F5B-AE92-EEE6D27CE9DB}"/>
+                <a16:creationId xmlns:a16="http://schemas.microsoft.com/office/drawing/2014/main" xmlns="" id="{06D7958C-3E67-4F5B-AE92-EEE6D27CE9DB}"/>
               </a:ext>
             </a:extLst>
           </p:cNvPr>
@@ -6834,7 +7352,7 @@
           <p:cNvPr id="9" name="직사각형 8">
             <a:extLst>
               <a:ext uri="{FF2B5EF4-FFF2-40B4-BE49-F238E27FC236}">
-                <a16:creationId xmlns:a16="http://schemas.microsoft.com/office/drawing/2014/main" id="{2C20B71A-5056-4EDA-A21F-ABD34EEB64F8}"/>
+                <a16:creationId xmlns:a16="http://schemas.microsoft.com/office/drawing/2014/main" xmlns="" id="{2C20B71A-5056-4EDA-A21F-ABD34EEB64F8}"/>
               </a:ext>
             </a:extLst>
           </p:cNvPr>
@@ -6883,7 +7401,7 @@
           <p:cNvPr id="12" name="표 12">
             <a:extLst>
               <a:ext uri="{FF2B5EF4-FFF2-40B4-BE49-F238E27FC236}">
-                <a16:creationId xmlns:a16="http://schemas.microsoft.com/office/drawing/2014/main" id="{447AB1D2-00A8-4858-87E6-88F63264D9C4}"/>
+                <a16:creationId xmlns:a16="http://schemas.microsoft.com/office/drawing/2014/main" xmlns="" id="{447AB1D2-00A8-4858-87E6-88F63264D9C4}"/>
               </a:ext>
             </a:extLst>
           </p:cNvPr>
@@ -6912,28 +7430,28 @@
                 <a:gridCol w="1172246">
                   <a:extLst>
                     <a:ext uri="{9D8B030D-6E8A-4147-A177-3AD203B41FA5}">
-                      <a16:colId xmlns:a16="http://schemas.microsoft.com/office/drawing/2014/main" val="3524248036"/>
+                      <a16:colId xmlns:a16="http://schemas.microsoft.com/office/drawing/2014/main" xmlns="" val="3524248036"/>
                     </a:ext>
                   </a:extLst>
                 </a:gridCol>
                 <a:gridCol w="1172246">
                   <a:extLst>
                     <a:ext uri="{9D8B030D-6E8A-4147-A177-3AD203B41FA5}">
-                      <a16:colId xmlns:a16="http://schemas.microsoft.com/office/drawing/2014/main" val="3895036845"/>
+                      <a16:colId xmlns:a16="http://schemas.microsoft.com/office/drawing/2014/main" xmlns="" val="3895036845"/>
                     </a:ext>
                   </a:extLst>
                 </a:gridCol>
                 <a:gridCol w="1172246">
                   <a:extLst>
                     <a:ext uri="{9D8B030D-6E8A-4147-A177-3AD203B41FA5}">
-                      <a16:colId xmlns:a16="http://schemas.microsoft.com/office/drawing/2014/main" val="4033651269"/>
+                      <a16:colId xmlns:a16="http://schemas.microsoft.com/office/drawing/2014/main" xmlns="" val="4033651269"/>
                     </a:ext>
                   </a:extLst>
                 </a:gridCol>
                 <a:gridCol w="1172246">
                   <a:extLst>
                     <a:ext uri="{9D8B030D-6E8A-4147-A177-3AD203B41FA5}">
-                      <a16:colId xmlns:a16="http://schemas.microsoft.com/office/drawing/2014/main" val="2287903872"/>
+                      <a16:colId xmlns:a16="http://schemas.microsoft.com/office/drawing/2014/main" xmlns="" val="2287903872"/>
                     </a:ext>
                   </a:extLst>
                 </a:gridCol>
@@ -6997,7 +7515,7 @@
                 </a:tc>
                 <a:extLst>
                   <a:ext uri="{0D108BD9-81ED-4DB2-BD59-A6C34878D82A}">
-                    <a16:rowId xmlns:a16="http://schemas.microsoft.com/office/drawing/2014/main" val="4163330646"/>
+                    <a16:rowId xmlns:a16="http://schemas.microsoft.com/office/drawing/2014/main" xmlns="" val="4163330646"/>
                   </a:ext>
                 </a:extLst>
               </a:tr>
@@ -7064,7 +7582,7 @@
                 </a:tc>
                 <a:extLst>
                   <a:ext uri="{0D108BD9-81ED-4DB2-BD59-A6C34878D82A}">
-                    <a16:rowId xmlns:a16="http://schemas.microsoft.com/office/drawing/2014/main" val="1758582279"/>
+                    <a16:rowId xmlns:a16="http://schemas.microsoft.com/office/drawing/2014/main" xmlns="" val="1758582279"/>
                   </a:ext>
                 </a:extLst>
               </a:tr>
@@ -7115,7 +7633,7 @@
                 </a:tc>
                 <a:extLst>
                   <a:ext uri="{0D108BD9-81ED-4DB2-BD59-A6C34878D82A}">
-                    <a16:rowId xmlns:a16="http://schemas.microsoft.com/office/drawing/2014/main" val="1510295061"/>
+                    <a16:rowId xmlns:a16="http://schemas.microsoft.com/office/drawing/2014/main" xmlns="" val="1510295061"/>
                   </a:ext>
                 </a:extLst>
               </a:tr>
@@ -7166,7 +7684,7 @@
                 </a:tc>
                 <a:extLst>
                   <a:ext uri="{0D108BD9-81ED-4DB2-BD59-A6C34878D82A}">
-                    <a16:rowId xmlns:a16="http://schemas.microsoft.com/office/drawing/2014/main" val="791493750"/>
+                    <a16:rowId xmlns:a16="http://schemas.microsoft.com/office/drawing/2014/main" xmlns="" val="791493750"/>
                   </a:ext>
                 </a:extLst>
               </a:tr>
@@ -7217,7 +7735,7 @@
                 </a:tc>
                 <a:extLst>
                   <a:ext uri="{0D108BD9-81ED-4DB2-BD59-A6C34878D82A}">
-                    <a16:rowId xmlns:a16="http://schemas.microsoft.com/office/drawing/2014/main" val="2404718922"/>
+                    <a16:rowId xmlns:a16="http://schemas.microsoft.com/office/drawing/2014/main" xmlns="" val="2404718922"/>
                   </a:ext>
                 </a:extLst>
               </a:tr>
@@ -7268,7 +7786,7 @@
                 </a:tc>
                 <a:extLst>
                   <a:ext uri="{0D108BD9-81ED-4DB2-BD59-A6C34878D82A}">
-                    <a16:rowId xmlns:a16="http://schemas.microsoft.com/office/drawing/2014/main" val="1204893963"/>
+                    <a16:rowId xmlns:a16="http://schemas.microsoft.com/office/drawing/2014/main" xmlns="" val="1204893963"/>
                   </a:ext>
                 </a:extLst>
               </a:tr>
@@ -7319,7 +7837,7 @@
                 </a:tc>
                 <a:extLst>
                   <a:ext uri="{0D108BD9-81ED-4DB2-BD59-A6C34878D82A}">
-                    <a16:rowId xmlns:a16="http://schemas.microsoft.com/office/drawing/2014/main" val="98066888"/>
+                    <a16:rowId xmlns:a16="http://schemas.microsoft.com/office/drawing/2014/main" xmlns="" val="98066888"/>
                   </a:ext>
                 </a:extLst>
               </a:tr>
@@ -7370,7 +7888,7 @@
                 </a:tc>
                 <a:extLst>
                   <a:ext uri="{0D108BD9-81ED-4DB2-BD59-A6C34878D82A}">
-                    <a16:rowId xmlns:a16="http://schemas.microsoft.com/office/drawing/2014/main" val="2919783847"/>
+                    <a16:rowId xmlns:a16="http://schemas.microsoft.com/office/drawing/2014/main" xmlns="" val="2919783847"/>
                   </a:ext>
                 </a:extLst>
               </a:tr>
@@ -7383,7 +7901,7 @@
           <p:cNvPr id="14" name="표 14">
             <a:extLst>
               <a:ext uri="{FF2B5EF4-FFF2-40B4-BE49-F238E27FC236}">
-                <a16:creationId xmlns:a16="http://schemas.microsoft.com/office/drawing/2014/main" id="{4B7191DE-DB3D-4A56-884E-71F5A7BB3239}"/>
+                <a16:creationId xmlns:a16="http://schemas.microsoft.com/office/drawing/2014/main" xmlns="" id="{4B7191DE-DB3D-4A56-884E-71F5A7BB3239}"/>
               </a:ext>
             </a:extLst>
           </p:cNvPr>
@@ -7412,14 +7930,14 @@
                 <a:gridCol w="1357145">
                   <a:extLst>
                     <a:ext uri="{9D8B030D-6E8A-4147-A177-3AD203B41FA5}">
-                      <a16:colId xmlns:a16="http://schemas.microsoft.com/office/drawing/2014/main" val="3822490663"/>
+                      <a16:colId xmlns:a16="http://schemas.microsoft.com/office/drawing/2014/main" xmlns="" val="3822490663"/>
                     </a:ext>
                   </a:extLst>
                 </a:gridCol>
                 <a:gridCol w="3586659">
                   <a:extLst>
                     <a:ext uri="{9D8B030D-6E8A-4147-A177-3AD203B41FA5}">
-                      <a16:colId xmlns:a16="http://schemas.microsoft.com/office/drawing/2014/main" val="968136855"/>
+                      <a16:colId xmlns:a16="http://schemas.microsoft.com/office/drawing/2014/main" xmlns="" val="968136855"/>
                     </a:ext>
                   </a:extLst>
                 </a:gridCol>
@@ -7463,7 +7981,7 @@
                 </a:tc>
                 <a:extLst>
                   <a:ext uri="{0D108BD9-81ED-4DB2-BD59-A6C34878D82A}">
-                    <a16:rowId xmlns:a16="http://schemas.microsoft.com/office/drawing/2014/main" val="2919742206"/>
+                    <a16:rowId xmlns:a16="http://schemas.microsoft.com/office/drawing/2014/main" xmlns="" val="2919742206"/>
                   </a:ext>
                 </a:extLst>
               </a:tr>
@@ -7499,7 +8017,7 @@
                 </a:tc>
                 <a:extLst>
                   <a:ext uri="{0D108BD9-81ED-4DB2-BD59-A6C34878D82A}">
-                    <a16:rowId xmlns:a16="http://schemas.microsoft.com/office/drawing/2014/main" val="2601881495"/>
+                    <a16:rowId xmlns:a16="http://schemas.microsoft.com/office/drawing/2014/main" xmlns="" val="2601881495"/>
                   </a:ext>
                 </a:extLst>
               </a:tr>
@@ -7535,7 +8053,7 @@
                 </a:tc>
                 <a:extLst>
                   <a:ext uri="{0D108BD9-81ED-4DB2-BD59-A6C34878D82A}">
-                    <a16:rowId xmlns:a16="http://schemas.microsoft.com/office/drawing/2014/main" val="615561766"/>
+                    <a16:rowId xmlns:a16="http://schemas.microsoft.com/office/drawing/2014/main" xmlns="" val="615561766"/>
                   </a:ext>
                 </a:extLst>
               </a:tr>
@@ -7571,7 +8089,7 @@
                 </a:tc>
                 <a:extLst>
                   <a:ext uri="{0D108BD9-81ED-4DB2-BD59-A6C34878D82A}">
-                    <a16:rowId xmlns:a16="http://schemas.microsoft.com/office/drawing/2014/main" val="2915580938"/>
+                    <a16:rowId xmlns:a16="http://schemas.microsoft.com/office/drawing/2014/main" xmlns="" val="2915580938"/>
                   </a:ext>
                 </a:extLst>
               </a:tr>
@@ -7607,7 +8125,7 @@
                 </a:tc>
                 <a:extLst>
                   <a:ext uri="{0D108BD9-81ED-4DB2-BD59-A6C34878D82A}">
-                    <a16:rowId xmlns:a16="http://schemas.microsoft.com/office/drawing/2014/main" val="1333861005"/>
+                    <a16:rowId xmlns:a16="http://schemas.microsoft.com/office/drawing/2014/main" xmlns="" val="1333861005"/>
                   </a:ext>
                 </a:extLst>
               </a:tr>
@@ -7664,7 +8182,7 @@
                 </a:tc>
                 <a:extLst>
                   <a:ext uri="{0D108BD9-81ED-4DB2-BD59-A6C34878D82A}">
-                    <a16:rowId xmlns:a16="http://schemas.microsoft.com/office/drawing/2014/main" val="1008963362"/>
+                    <a16:rowId xmlns:a16="http://schemas.microsoft.com/office/drawing/2014/main" xmlns="" val="1008963362"/>
                   </a:ext>
                 </a:extLst>
               </a:tr>
@@ -7697,7 +8215,7 @@
                 </a:tc>
                 <a:extLst>
                   <a:ext uri="{0D108BD9-81ED-4DB2-BD59-A6C34878D82A}">
-                    <a16:rowId xmlns:a16="http://schemas.microsoft.com/office/drawing/2014/main" val="4159741647"/>
+                    <a16:rowId xmlns:a16="http://schemas.microsoft.com/office/drawing/2014/main" xmlns="" val="4159741647"/>
                   </a:ext>
                 </a:extLst>
               </a:tr>
@@ -7733,7 +8251,7 @@
                 </a:tc>
                 <a:extLst>
                   <a:ext uri="{0D108BD9-81ED-4DB2-BD59-A6C34878D82A}">
-                    <a16:rowId xmlns:a16="http://schemas.microsoft.com/office/drawing/2014/main" val="118312982"/>
+                    <a16:rowId xmlns:a16="http://schemas.microsoft.com/office/drawing/2014/main" xmlns="" val="118312982"/>
                   </a:ext>
                 </a:extLst>
               </a:tr>
@@ -7768,7 +8286,7 @@
                 </a:tc>
                 <a:extLst>
                   <a:ext uri="{0D108BD9-81ED-4DB2-BD59-A6C34878D82A}">
-                    <a16:rowId xmlns:a16="http://schemas.microsoft.com/office/drawing/2014/main" val="4017445001"/>
+                    <a16:rowId xmlns:a16="http://schemas.microsoft.com/office/drawing/2014/main" xmlns="" val="4017445001"/>
                   </a:ext>
                 </a:extLst>
               </a:tr>
@@ -7806,7 +8324,7 @@
                 </a:tc>
                 <a:extLst>
                   <a:ext uri="{0D108BD9-81ED-4DB2-BD59-A6C34878D82A}">
-                    <a16:rowId xmlns:a16="http://schemas.microsoft.com/office/drawing/2014/main" val="1711908149"/>
+                    <a16:rowId xmlns:a16="http://schemas.microsoft.com/office/drawing/2014/main" xmlns="" val="1711908149"/>
                   </a:ext>
                 </a:extLst>
               </a:tr>
@@ -7842,7 +8360,7 @@
                 </a:tc>
                 <a:extLst>
                   <a:ext uri="{0D108BD9-81ED-4DB2-BD59-A6C34878D82A}">
-                    <a16:rowId xmlns:a16="http://schemas.microsoft.com/office/drawing/2014/main" val="1462715900"/>
+                    <a16:rowId xmlns:a16="http://schemas.microsoft.com/office/drawing/2014/main" xmlns="" val="1462715900"/>
                   </a:ext>
                 </a:extLst>
               </a:tr>
@@ -7877,7 +8395,7 @@
                 </a:tc>
                 <a:extLst>
                   <a:ext uri="{0D108BD9-81ED-4DB2-BD59-A6C34878D82A}">
-                    <a16:rowId xmlns:a16="http://schemas.microsoft.com/office/drawing/2014/main" val="2522099745"/>
+                    <a16:rowId xmlns:a16="http://schemas.microsoft.com/office/drawing/2014/main" xmlns="" val="2522099745"/>
                   </a:ext>
                 </a:extLst>
               </a:tr>
@@ -7890,7 +8408,7 @@
           <p:cNvPr id="16" name="직사각형 15">
             <a:extLst>
               <a:ext uri="{FF2B5EF4-FFF2-40B4-BE49-F238E27FC236}">
-                <a16:creationId xmlns:a16="http://schemas.microsoft.com/office/drawing/2014/main" id="{CF7CD5B6-8B74-46EC-9477-8676944BBC32}"/>
+                <a16:creationId xmlns:a16="http://schemas.microsoft.com/office/drawing/2014/main" xmlns="" id="{CF7CD5B6-8B74-46EC-9477-8676944BBC32}"/>
               </a:ext>
             </a:extLst>
           </p:cNvPr>
@@ -7970,7 +8488,7 @@
           <p:cNvPr id="2" name="제목 1">
             <a:extLst>
               <a:ext uri="{FF2B5EF4-FFF2-40B4-BE49-F238E27FC236}">
-                <a16:creationId xmlns:a16="http://schemas.microsoft.com/office/drawing/2014/main" id="{F18122EA-117F-43D4-9FC1-4EF7F3B97728}"/>
+                <a16:creationId xmlns:a16="http://schemas.microsoft.com/office/drawing/2014/main" xmlns="" id="{F18122EA-117F-43D4-9FC1-4EF7F3B97728}"/>
               </a:ext>
             </a:extLst>
           </p:cNvPr>
@@ -8006,7 +8524,7 @@
           <p:cNvPr id="5" name="내용 개체 틀 4" descr="스크린샷, 실내이(가) 표시된 사진&#10;&#10;자동 생성된 설명">
             <a:extLst>
               <a:ext uri="{FF2B5EF4-FFF2-40B4-BE49-F238E27FC236}">
-                <a16:creationId xmlns:a16="http://schemas.microsoft.com/office/drawing/2014/main" id="{D1667B65-33C3-4800-A3A7-A41A8B2DE783}"/>
+                <a16:creationId xmlns:a16="http://schemas.microsoft.com/office/drawing/2014/main" xmlns="" id="{D1667B65-33C3-4800-A3A7-A41A8B2DE783}"/>
               </a:ext>
             </a:extLst>
           </p:cNvPr>
@@ -8068,10 +8586,1356 @@
       </p:grpSpPr>
       <p:sp>
         <p:nvSpPr>
+          <p:cNvPr id="4" name="TextBox 3"/>
+          <p:cNvSpPr txBox="1"/>
+          <p:nvPr/>
+        </p:nvSpPr>
+        <p:spPr>
+          <a:xfrm>
+            <a:off x="815414" y="1052737"/>
+            <a:ext cx="1056117" cy="307777"/>
+          </a:xfrm>
+          <a:prstGeom prst="rect">
+            <a:avLst/>
+          </a:prstGeom>
+          <a:noFill/>
+        </p:spPr>
+        <p:txBody>
+          <a:bodyPr wrap="square" rtlCol="0">
+            <a:spAutoFit/>
+          </a:bodyPr>
+          <a:lstStyle/>
+          <a:p>
+            <a:r>
+              <a:rPr lang="ko-KR" altLang="en-US" sz="1400" dirty="0" smtClean="0"/>
+              <a:t>사원명</a:t>
+            </a:r>
+            <a:endParaRPr lang="ko-KR" altLang="en-US" sz="1400" dirty="0"/>
+          </a:p>
+        </p:txBody>
+      </p:sp>
+      <p:sp>
+        <p:nvSpPr>
+          <p:cNvPr id="5" name="직사각형 4"/>
+          <p:cNvSpPr/>
+          <p:nvPr/>
+        </p:nvSpPr>
+        <p:spPr>
+          <a:xfrm>
+            <a:off x="2128387" y="1000473"/>
+            <a:ext cx="2688299" cy="360040"/>
+          </a:xfrm>
+          <a:prstGeom prst="rect">
+            <a:avLst/>
+          </a:prstGeom>
+          <a:solidFill>
+            <a:schemeClr val="bg1">
+              <a:lumMod val="85000"/>
+            </a:schemeClr>
+          </a:solidFill>
+          <a:ln>
+            <a:solidFill>
+              <a:schemeClr val="bg1"/>
+            </a:solidFill>
+          </a:ln>
+        </p:spPr>
+        <p:style>
+          <a:lnRef idx="2">
+            <a:schemeClr val="accent1">
+              <a:shade val="50000"/>
+            </a:schemeClr>
+          </a:lnRef>
+          <a:fillRef idx="1">
+            <a:schemeClr val="accent1"/>
+          </a:fillRef>
+          <a:effectRef idx="0">
+            <a:schemeClr val="accent1"/>
+          </a:effectRef>
+          <a:fontRef idx="minor">
+            <a:schemeClr val="lt1"/>
+          </a:fontRef>
+        </p:style>
+        <p:txBody>
+          <a:bodyPr rtlCol="0" anchor="ctr"/>
+          <a:lstStyle/>
+          <a:p>
+            <a:pPr algn="ctr"/>
+            <a:endParaRPr lang="ko-KR" altLang="en-US"/>
+          </a:p>
+        </p:txBody>
+      </p:sp>
+      <p:sp>
+        <p:nvSpPr>
+          <p:cNvPr id="7" name="TextBox 6"/>
+          <p:cNvSpPr txBox="1"/>
+          <p:nvPr/>
+        </p:nvSpPr>
+        <p:spPr>
+          <a:xfrm>
+            <a:off x="704337" y="1556793"/>
+            <a:ext cx="1440160" cy="307777"/>
+          </a:xfrm>
+          <a:prstGeom prst="rect">
+            <a:avLst/>
+          </a:prstGeom>
+          <a:noFill/>
+        </p:spPr>
+        <p:txBody>
+          <a:bodyPr wrap="square" rtlCol="0">
+            <a:spAutoFit/>
+          </a:bodyPr>
+          <a:lstStyle/>
+          <a:p>
+            <a:r>
+              <a:rPr lang="ko-KR" altLang="en-US" sz="1400" dirty="0" smtClean="0"/>
+              <a:t>영문성명</a:t>
+            </a:r>
+            <a:endParaRPr lang="ko-KR" altLang="en-US" sz="1400" dirty="0"/>
+          </a:p>
+        </p:txBody>
+      </p:sp>
+      <p:sp>
+        <p:nvSpPr>
+          <p:cNvPr id="8" name="직사각형 7"/>
+          <p:cNvSpPr/>
+          <p:nvPr/>
+        </p:nvSpPr>
+        <p:spPr>
+          <a:xfrm>
+            <a:off x="2128387" y="1504529"/>
+            <a:ext cx="2688299" cy="360040"/>
+          </a:xfrm>
+          <a:prstGeom prst="rect">
+            <a:avLst/>
+          </a:prstGeom>
+          <a:solidFill>
+            <a:schemeClr val="bg1">
+              <a:lumMod val="85000"/>
+            </a:schemeClr>
+          </a:solidFill>
+          <a:ln>
+            <a:solidFill>
+              <a:schemeClr val="bg1"/>
+            </a:solidFill>
+          </a:ln>
+        </p:spPr>
+        <p:style>
+          <a:lnRef idx="2">
+            <a:schemeClr val="accent1">
+              <a:shade val="50000"/>
+            </a:schemeClr>
+          </a:lnRef>
+          <a:fillRef idx="1">
+            <a:schemeClr val="accent1"/>
+          </a:fillRef>
+          <a:effectRef idx="0">
+            <a:schemeClr val="accent1"/>
+          </a:effectRef>
+          <a:fontRef idx="minor">
+            <a:schemeClr val="lt1"/>
+          </a:fontRef>
+        </p:style>
+        <p:txBody>
+          <a:bodyPr rtlCol="0" anchor="ctr"/>
+          <a:lstStyle/>
+          <a:p>
+            <a:pPr algn="ctr"/>
+            <a:endParaRPr lang="ko-KR" altLang="en-US"/>
+          </a:p>
+        </p:txBody>
+      </p:sp>
+      <p:sp>
+        <p:nvSpPr>
+          <p:cNvPr id="9" name="TextBox 8"/>
+          <p:cNvSpPr txBox="1"/>
+          <p:nvPr/>
+        </p:nvSpPr>
+        <p:spPr>
+          <a:xfrm>
+            <a:off x="704338" y="2060849"/>
+            <a:ext cx="1359215" cy="307777"/>
+          </a:xfrm>
+          <a:prstGeom prst="rect">
+            <a:avLst/>
+          </a:prstGeom>
+          <a:noFill/>
+        </p:spPr>
+        <p:txBody>
+          <a:bodyPr wrap="square" rtlCol="0">
+            <a:spAutoFit/>
+          </a:bodyPr>
+          <a:lstStyle/>
+          <a:p>
+            <a:r>
+              <a:rPr lang="ko-KR" altLang="en-US" sz="1400" dirty="0" smtClean="0"/>
+              <a:t>주민번호</a:t>
+            </a:r>
+            <a:endParaRPr lang="en-US" altLang="ko-KR" sz="1400" dirty="0" smtClean="0"/>
+          </a:p>
+        </p:txBody>
+      </p:sp>
+      <p:sp>
+        <p:nvSpPr>
+          <p:cNvPr id="10" name="직사각형 9"/>
+          <p:cNvSpPr/>
+          <p:nvPr/>
+        </p:nvSpPr>
+        <p:spPr>
+          <a:xfrm>
+            <a:off x="2128387" y="2008585"/>
+            <a:ext cx="4134517" cy="360040"/>
+          </a:xfrm>
+          <a:prstGeom prst="rect">
+            <a:avLst/>
+          </a:prstGeom>
+          <a:solidFill>
+            <a:schemeClr val="bg1">
+              <a:lumMod val="85000"/>
+            </a:schemeClr>
+          </a:solidFill>
+          <a:ln>
+            <a:solidFill>
+              <a:schemeClr val="bg1"/>
+            </a:solidFill>
+          </a:ln>
+        </p:spPr>
+        <p:style>
+          <a:lnRef idx="2">
+            <a:schemeClr val="accent1">
+              <a:shade val="50000"/>
+            </a:schemeClr>
+          </a:lnRef>
+          <a:fillRef idx="1">
+            <a:schemeClr val="accent1"/>
+          </a:fillRef>
+          <a:effectRef idx="0">
+            <a:schemeClr val="accent1"/>
+          </a:effectRef>
+          <a:fontRef idx="minor">
+            <a:schemeClr val="lt1"/>
+          </a:fontRef>
+        </p:style>
+        <p:txBody>
+          <a:bodyPr rtlCol="0" anchor="ctr"/>
+          <a:lstStyle/>
+          <a:p>
+            <a:pPr algn="ctr"/>
+            <a:endParaRPr lang="ko-KR" altLang="en-US"/>
+          </a:p>
+        </p:txBody>
+      </p:sp>
+      <p:sp>
+        <p:nvSpPr>
+          <p:cNvPr id="11" name="직사각형 10"/>
+          <p:cNvSpPr/>
+          <p:nvPr/>
+        </p:nvSpPr>
+        <p:spPr>
+          <a:xfrm>
+            <a:off x="0" y="404664"/>
+            <a:ext cx="12192000" cy="432048"/>
+          </a:xfrm>
+          <a:prstGeom prst="rect">
+            <a:avLst/>
+          </a:prstGeom>
+          <a:solidFill>
+            <a:schemeClr val="tx1">
+              <a:lumMod val="75000"/>
+              <a:lumOff val="25000"/>
+            </a:schemeClr>
+          </a:solidFill>
+        </p:spPr>
+        <p:style>
+          <a:lnRef idx="2">
+            <a:schemeClr val="accent1">
+              <a:shade val="50000"/>
+            </a:schemeClr>
+          </a:lnRef>
+          <a:fillRef idx="1">
+            <a:schemeClr val="accent1"/>
+          </a:fillRef>
+          <a:effectRef idx="0">
+            <a:schemeClr val="accent1"/>
+          </a:effectRef>
+          <a:fontRef idx="minor">
+            <a:schemeClr val="lt1"/>
+          </a:fontRef>
+        </p:style>
+        <p:txBody>
+          <a:bodyPr rtlCol="0" anchor="ctr"/>
+          <a:lstStyle/>
+          <a:p>
+            <a:r>
+              <a:rPr lang="ko-KR" altLang="en-US" dirty="0" smtClean="0"/>
+              <a:t>사원등록</a:t>
+            </a:r>
+            <a:endParaRPr lang="ko-KR" altLang="en-US" dirty="0"/>
+          </a:p>
+        </p:txBody>
+      </p:sp>
+      <p:sp>
+        <p:nvSpPr>
+          <p:cNvPr id="12" name="TextBox 11"/>
+          <p:cNvSpPr txBox="1"/>
+          <p:nvPr/>
+        </p:nvSpPr>
+        <p:spPr>
+          <a:xfrm>
+            <a:off x="744810" y="2536959"/>
+            <a:ext cx="1359215" cy="307777"/>
+          </a:xfrm>
+          <a:prstGeom prst="rect">
+            <a:avLst/>
+          </a:prstGeom>
+          <a:noFill/>
+        </p:spPr>
+        <p:txBody>
+          <a:bodyPr wrap="square" rtlCol="0">
+            <a:spAutoFit/>
+          </a:bodyPr>
+          <a:lstStyle/>
+          <a:p>
+            <a:r>
+              <a:rPr lang="ko-KR" altLang="en-US" sz="1400" dirty="0" smtClean="0"/>
+              <a:t>주  </a:t>
+            </a:r>
+            <a:r>
+              <a:rPr lang="en-US" altLang="ko-KR" sz="1400" dirty="0"/>
+              <a:t> </a:t>
+            </a:r>
+            <a:r>
+              <a:rPr lang="en-US" altLang="ko-KR" sz="1400" dirty="0" smtClean="0"/>
+              <a:t> </a:t>
+            </a:r>
+            <a:r>
+              <a:rPr lang="ko-KR" altLang="en-US" sz="1400" dirty="0" smtClean="0"/>
+              <a:t>소</a:t>
+            </a:r>
+            <a:endParaRPr lang="en-US" altLang="ko-KR" sz="1400" dirty="0" smtClean="0"/>
+          </a:p>
+        </p:txBody>
+      </p:sp>
+      <p:sp>
+        <p:nvSpPr>
+          <p:cNvPr id="13" name="직사각형 12"/>
+          <p:cNvSpPr/>
+          <p:nvPr/>
+        </p:nvSpPr>
+        <p:spPr>
+          <a:xfrm>
+            <a:off x="2104024" y="2521025"/>
+            <a:ext cx="7256339" cy="360040"/>
+          </a:xfrm>
+          <a:prstGeom prst="rect">
+            <a:avLst/>
+          </a:prstGeom>
+          <a:solidFill>
+            <a:schemeClr val="bg1">
+              <a:lumMod val="85000"/>
+            </a:schemeClr>
+          </a:solidFill>
+          <a:ln>
+            <a:solidFill>
+              <a:schemeClr val="bg1"/>
+            </a:solidFill>
+          </a:ln>
+        </p:spPr>
+        <p:style>
+          <a:lnRef idx="2">
+            <a:schemeClr val="accent1">
+              <a:shade val="50000"/>
+            </a:schemeClr>
+          </a:lnRef>
+          <a:fillRef idx="1">
+            <a:schemeClr val="accent1"/>
+          </a:fillRef>
+          <a:effectRef idx="0">
+            <a:schemeClr val="accent1"/>
+          </a:effectRef>
+          <a:fontRef idx="minor">
+            <a:schemeClr val="lt1"/>
+          </a:fontRef>
+        </p:style>
+        <p:txBody>
+          <a:bodyPr rtlCol="0" anchor="ctr"/>
+          <a:lstStyle/>
+          <a:p>
+            <a:pPr algn="ctr"/>
+            <a:endParaRPr lang="ko-KR" altLang="en-US"/>
+          </a:p>
+        </p:txBody>
+      </p:sp>
+      <p:sp>
+        <p:nvSpPr>
+          <p:cNvPr id="15" name="TextBox 14"/>
+          <p:cNvSpPr txBox="1"/>
+          <p:nvPr/>
+        </p:nvSpPr>
+        <p:spPr>
+          <a:xfrm>
+            <a:off x="785283" y="3068961"/>
+            <a:ext cx="1359215" cy="307777"/>
+          </a:xfrm>
+          <a:prstGeom prst="rect">
+            <a:avLst/>
+          </a:prstGeom>
+          <a:noFill/>
+        </p:spPr>
+        <p:txBody>
+          <a:bodyPr wrap="square" rtlCol="0">
+            <a:spAutoFit/>
+          </a:bodyPr>
+          <a:lstStyle/>
+          <a:p>
+            <a:r>
+              <a:rPr lang="ko-KR" altLang="en-US" sz="1400" dirty="0" smtClean="0"/>
+              <a:t>우편번호</a:t>
+            </a:r>
+            <a:endParaRPr lang="en-US" altLang="ko-KR" sz="1400" dirty="0" smtClean="0"/>
+          </a:p>
+        </p:txBody>
+      </p:sp>
+      <p:sp>
+        <p:nvSpPr>
+          <p:cNvPr id="16" name="직사각형 15"/>
+          <p:cNvSpPr/>
+          <p:nvPr/>
+        </p:nvSpPr>
+        <p:spPr>
+          <a:xfrm>
+            <a:off x="2104912" y="3025887"/>
+            <a:ext cx="1686833" cy="360040"/>
+          </a:xfrm>
+          <a:prstGeom prst="rect">
+            <a:avLst/>
+          </a:prstGeom>
+          <a:solidFill>
+            <a:schemeClr val="bg1">
+              <a:lumMod val="85000"/>
+            </a:schemeClr>
+          </a:solidFill>
+          <a:ln>
+            <a:solidFill>
+              <a:schemeClr val="bg1"/>
+            </a:solidFill>
+          </a:ln>
+        </p:spPr>
+        <p:style>
+          <a:lnRef idx="2">
+            <a:schemeClr val="accent1">
+              <a:shade val="50000"/>
+            </a:schemeClr>
+          </a:lnRef>
+          <a:fillRef idx="1">
+            <a:schemeClr val="accent1"/>
+          </a:fillRef>
+          <a:effectRef idx="0">
+            <a:schemeClr val="accent1"/>
+          </a:effectRef>
+          <a:fontRef idx="minor">
+            <a:schemeClr val="lt1"/>
+          </a:fontRef>
+        </p:style>
+        <p:txBody>
+          <a:bodyPr rtlCol="0" anchor="ctr"/>
+          <a:lstStyle/>
+          <a:p>
+            <a:pPr algn="ctr"/>
+            <a:endParaRPr lang="ko-KR" altLang="en-US"/>
+          </a:p>
+        </p:txBody>
+      </p:sp>
+      <p:sp>
+        <p:nvSpPr>
+          <p:cNvPr id="17" name="직사각형 16"/>
+          <p:cNvSpPr/>
+          <p:nvPr/>
+        </p:nvSpPr>
+        <p:spPr>
+          <a:xfrm>
+            <a:off x="4171215" y="3042828"/>
+            <a:ext cx="1560979" cy="360040"/>
+          </a:xfrm>
+          <a:prstGeom prst="rect">
+            <a:avLst/>
+          </a:prstGeom>
+          <a:solidFill>
+            <a:schemeClr val="tx1">
+              <a:lumMod val="75000"/>
+              <a:lumOff val="25000"/>
+            </a:schemeClr>
+          </a:solidFill>
+          <a:ln>
+            <a:solidFill>
+              <a:schemeClr val="bg1"/>
+            </a:solidFill>
+          </a:ln>
+        </p:spPr>
+        <p:style>
+          <a:lnRef idx="2">
+            <a:schemeClr val="accent1">
+              <a:shade val="50000"/>
+            </a:schemeClr>
+          </a:lnRef>
+          <a:fillRef idx="1">
+            <a:schemeClr val="accent1"/>
+          </a:fillRef>
+          <a:effectRef idx="0">
+            <a:schemeClr val="accent1"/>
+          </a:effectRef>
+          <a:fontRef idx="minor">
+            <a:schemeClr val="lt1"/>
+          </a:fontRef>
+        </p:style>
+        <p:txBody>
+          <a:bodyPr rtlCol="0" anchor="ctr"/>
+          <a:lstStyle/>
+          <a:p>
+            <a:pPr algn="ctr"/>
+            <a:r>
+              <a:rPr lang="ko-KR" altLang="en-US" sz="1000" dirty="0" smtClean="0"/>
+              <a:t>우편번호검색</a:t>
+            </a:r>
+            <a:endParaRPr lang="en-US" altLang="ko-KR" sz="1000" dirty="0" smtClean="0"/>
+          </a:p>
+        </p:txBody>
+      </p:sp>
+      <p:sp>
+        <p:nvSpPr>
+          <p:cNvPr id="18" name="TextBox 17"/>
+          <p:cNvSpPr txBox="1"/>
+          <p:nvPr/>
+        </p:nvSpPr>
+        <p:spPr>
+          <a:xfrm>
+            <a:off x="795670" y="3573017"/>
+            <a:ext cx="1359215" cy="307777"/>
+          </a:xfrm>
+          <a:prstGeom prst="rect">
+            <a:avLst/>
+          </a:prstGeom>
+          <a:noFill/>
+        </p:spPr>
+        <p:txBody>
+          <a:bodyPr wrap="square" rtlCol="0">
+            <a:spAutoFit/>
+          </a:bodyPr>
+          <a:lstStyle/>
+          <a:p>
+            <a:r>
+              <a:rPr lang="ko-KR" altLang="en-US" sz="1400" dirty="0" smtClean="0"/>
+              <a:t>입사날짜</a:t>
+            </a:r>
+            <a:endParaRPr lang="en-US" altLang="ko-KR" sz="1400" dirty="0" smtClean="0"/>
+          </a:p>
+        </p:txBody>
+      </p:sp>
+      <p:sp>
+        <p:nvSpPr>
+          <p:cNvPr id="19" name="TextBox 18"/>
+          <p:cNvSpPr txBox="1"/>
+          <p:nvPr/>
+        </p:nvSpPr>
+        <p:spPr>
+          <a:xfrm>
+            <a:off x="5759402" y="3584888"/>
+            <a:ext cx="1359215" cy="307777"/>
+          </a:xfrm>
+          <a:prstGeom prst="rect">
+            <a:avLst/>
+          </a:prstGeom>
+          <a:noFill/>
+        </p:spPr>
+        <p:txBody>
+          <a:bodyPr wrap="square" rtlCol="0">
+            <a:spAutoFit/>
+          </a:bodyPr>
+          <a:lstStyle/>
+          <a:p>
+            <a:r>
+              <a:rPr lang="ko-KR" altLang="en-US" sz="1400" dirty="0" smtClean="0"/>
+              <a:t>퇴사날짜</a:t>
+            </a:r>
+            <a:endParaRPr lang="en-US" altLang="ko-KR" sz="1400" dirty="0" smtClean="0"/>
+          </a:p>
+        </p:txBody>
+      </p:sp>
+      <p:sp>
+        <p:nvSpPr>
+          <p:cNvPr id="20" name="직사각형 19"/>
+          <p:cNvSpPr/>
+          <p:nvPr/>
+        </p:nvSpPr>
+        <p:spPr>
+          <a:xfrm>
+            <a:off x="2097101" y="3573016"/>
+            <a:ext cx="1686833" cy="360040"/>
+          </a:xfrm>
+          <a:prstGeom prst="rect">
+            <a:avLst/>
+          </a:prstGeom>
+          <a:solidFill>
+            <a:schemeClr val="bg1">
+              <a:lumMod val="85000"/>
+            </a:schemeClr>
+          </a:solidFill>
+          <a:ln>
+            <a:solidFill>
+              <a:schemeClr val="bg1"/>
+            </a:solidFill>
+          </a:ln>
+        </p:spPr>
+        <p:style>
+          <a:lnRef idx="2">
+            <a:schemeClr val="accent1">
+              <a:shade val="50000"/>
+            </a:schemeClr>
+          </a:lnRef>
+          <a:fillRef idx="1">
+            <a:schemeClr val="accent1"/>
+          </a:fillRef>
+          <a:effectRef idx="0">
+            <a:schemeClr val="accent1"/>
+          </a:effectRef>
+          <a:fontRef idx="minor">
+            <a:schemeClr val="lt1"/>
+          </a:fontRef>
+        </p:style>
+        <p:txBody>
+          <a:bodyPr rtlCol="0" anchor="ctr"/>
+          <a:lstStyle/>
+          <a:p>
+            <a:pPr algn="ctr"/>
+            <a:endParaRPr lang="ko-KR" altLang="en-US"/>
+          </a:p>
+        </p:txBody>
+      </p:sp>
+      <p:sp>
+        <p:nvSpPr>
+          <p:cNvPr id="21" name="사각형 설명선 20"/>
+          <p:cNvSpPr/>
+          <p:nvPr/>
+        </p:nvSpPr>
+        <p:spPr>
+          <a:xfrm>
+            <a:off x="4171215" y="3573016"/>
+            <a:ext cx="645471" cy="360040"/>
+          </a:xfrm>
+          <a:prstGeom prst="wedgeRectCallout">
+            <a:avLst/>
+          </a:prstGeom>
+          <a:solidFill>
+            <a:srgbClr val="FF0000"/>
+          </a:solidFill>
+        </p:spPr>
+        <p:style>
+          <a:lnRef idx="2">
+            <a:schemeClr val="accent1">
+              <a:shade val="50000"/>
+            </a:schemeClr>
+          </a:lnRef>
+          <a:fillRef idx="1">
+            <a:schemeClr val="accent1"/>
+          </a:fillRef>
+          <a:effectRef idx="0">
+            <a:schemeClr val="accent1"/>
+          </a:effectRef>
+          <a:fontRef idx="minor">
+            <a:schemeClr val="lt1"/>
+          </a:fontRef>
+        </p:style>
+        <p:txBody>
+          <a:bodyPr rtlCol="0" anchor="ctr"/>
+          <a:lstStyle/>
+          <a:p>
+            <a:pPr algn="ctr"/>
+            <a:r>
+              <a:rPr lang="ko-KR" altLang="en-US" sz="1000" dirty="0" smtClean="0"/>
+              <a:t>달력</a:t>
+            </a:r>
+            <a:endParaRPr lang="ko-KR" altLang="en-US" sz="1000" dirty="0"/>
+          </a:p>
+        </p:txBody>
+      </p:sp>
+      <p:sp>
+        <p:nvSpPr>
+          <p:cNvPr id="24" name="사각형 설명선 23"/>
+          <p:cNvSpPr/>
+          <p:nvPr/>
+        </p:nvSpPr>
+        <p:spPr>
+          <a:xfrm>
+            <a:off x="9168342" y="3532613"/>
+            <a:ext cx="645471" cy="360040"/>
+          </a:xfrm>
+          <a:prstGeom prst="wedgeRectCallout">
+            <a:avLst/>
+          </a:prstGeom>
+          <a:solidFill>
+            <a:srgbClr val="FF0000"/>
+          </a:solidFill>
+        </p:spPr>
+        <p:style>
+          <a:lnRef idx="2">
+            <a:schemeClr val="accent1">
+              <a:shade val="50000"/>
+            </a:schemeClr>
+          </a:lnRef>
+          <a:fillRef idx="1">
+            <a:schemeClr val="accent1"/>
+          </a:fillRef>
+          <a:effectRef idx="0">
+            <a:schemeClr val="accent1"/>
+          </a:effectRef>
+          <a:fontRef idx="minor">
+            <a:schemeClr val="lt1"/>
+          </a:fontRef>
+        </p:style>
+        <p:txBody>
+          <a:bodyPr rtlCol="0" anchor="ctr"/>
+          <a:lstStyle/>
+          <a:p>
+            <a:pPr algn="ctr"/>
+            <a:r>
+              <a:rPr lang="ko-KR" altLang="en-US" sz="1000" dirty="0" smtClean="0"/>
+              <a:t>달력</a:t>
+            </a:r>
+            <a:endParaRPr lang="ko-KR" altLang="en-US" sz="1000" dirty="0"/>
+          </a:p>
+        </p:txBody>
+      </p:sp>
+      <p:sp>
+        <p:nvSpPr>
+          <p:cNvPr id="25" name="직사각형 24"/>
+          <p:cNvSpPr/>
+          <p:nvPr/>
+        </p:nvSpPr>
+        <p:spPr>
+          <a:xfrm>
+            <a:off x="7118617" y="3532624"/>
+            <a:ext cx="1686833" cy="360040"/>
+          </a:xfrm>
+          <a:prstGeom prst="rect">
+            <a:avLst/>
+          </a:prstGeom>
+          <a:solidFill>
+            <a:schemeClr val="bg1">
+              <a:lumMod val="85000"/>
+            </a:schemeClr>
+          </a:solidFill>
+          <a:ln>
+            <a:solidFill>
+              <a:schemeClr val="bg1"/>
+            </a:solidFill>
+          </a:ln>
+        </p:spPr>
+        <p:style>
+          <a:lnRef idx="2">
+            <a:schemeClr val="accent1">
+              <a:shade val="50000"/>
+            </a:schemeClr>
+          </a:lnRef>
+          <a:fillRef idx="1">
+            <a:schemeClr val="accent1"/>
+          </a:fillRef>
+          <a:effectRef idx="0">
+            <a:schemeClr val="accent1"/>
+          </a:effectRef>
+          <a:fontRef idx="minor">
+            <a:schemeClr val="lt1"/>
+          </a:fontRef>
+        </p:style>
+        <p:txBody>
+          <a:bodyPr rtlCol="0" anchor="ctr"/>
+          <a:lstStyle/>
+          <a:p>
+            <a:pPr algn="ctr"/>
+            <a:endParaRPr lang="ko-KR" altLang="en-US"/>
+          </a:p>
+        </p:txBody>
+      </p:sp>
+      <p:sp>
+        <p:nvSpPr>
+          <p:cNvPr id="26" name="TextBox 25"/>
+          <p:cNvSpPr txBox="1"/>
+          <p:nvPr/>
+        </p:nvSpPr>
+        <p:spPr>
+          <a:xfrm>
+            <a:off x="815414" y="4033193"/>
+            <a:ext cx="1359215" cy="307777"/>
+          </a:xfrm>
+          <a:prstGeom prst="rect">
+            <a:avLst/>
+          </a:prstGeom>
+          <a:noFill/>
+        </p:spPr>
+        <p:txBody>
+          <a:bodyPr wrap="square" rtlCol="0">
+            <a:spAutoFit/>
+          </a:bodyPr>
+          <a:lstStyle/>
+          <a:p>
+            <a:r>
+              <a:rPr lang="ko-KR" altLang="en-US" sz="1400" dirty="0" smtClean="0"/>
+              <a:t>부서코</a:t>
+            </a:r>
+            <a:r>
+              <a:rPr lang="ko-KR" altLang="en-US" sz="1400" dirty="0"/>
+              <a:t>드</a:t>
+            </a:r>
+            <a:endParaRPr lang="en-US" altLang="ko-KR" sz="1400" dirty="0" smtClean="0"/>
+          </a:p>
+        </p:txBody>
+      </p:sp>
+      <p:sp>
+        <p:nvSpPr>
+          <p:cNvPr id="27" name="직사각형 26"/>
+          <p:cNvSpPr/>
+          <p:nvPr/>
+        </p:nvSpPr>
+        <p:spPr>
+          <a:xfrm>
+            <a:off x="2104910" y="4046173"/>
+            <a:ext cx="1686833" cy="306687"/>
+          </a:xfrm>
+          <a:prstGeom prst="rect">
+            <a:avLst/>
+          </a:prstGeom>
+          <a:solidFill>
+            <a:schemeClr val="bg1">
+              <a:lumMod val="85000"/>
+            </a:schemeClr>
+          </a:solidFill>
+          <a:ln>
+            <a:solidFill>
+              <a:schemeClr val="bg1"/>
+            </a:solidFill>
+          </a:ln>
+        </p:spPr>
+        <p:style>
+          <a:lnRef idx="2">
+            <a:schemeClr val="accent1">
+              <a:shade val="50000"/>
+            </a:schemeClr>
+          </a:lnRef>
+          <a:fillRef idx="1">
+            <a:schemeClr val="accent1"/>
+          </a:fillRef>
+          <a:effectRef idx="0">
+            <a:schemeClr val="accent1"/>
+          </a:effectRef>
+          <a:fontRef idx="minor">
+            <a:schemeClr val="lt1"/>
+          </a:fontRef>
+        </p:style>
+        <p:txBody>
+          <a:bodyPr rtlCol="0" anchor="ctr"/>
+          <a:lstStyle/>
+          <a:p>
+            <a:pPr algn="ctr"/>
+            <a:r>
+              <a:rPr lang="ko-KR" altLang="en-US" smtClean="0"/>
+              <a:t>콤보박스</a:t>
+            </a:r>
+            <a:endParaRPr lang="ko-KR" altLang="en-US" dirty="0"/>
+          </a:p>
+        </p:txBody>
+      </p:sp>
+      <p:sp>
+        <p:nvSpPr>
+          <p:cNvPr id="29" name="TextBox 28"/>
+          <p:cNvSpPr txBox="1"/>
+          <p:nvPr/>
+        </p:nvSpPr>
+        <p:spPr>
+          <a:xfrm>
+            <a:off x="5777290" y="4051652"/>
+            <a:ext cx="1359215" cy="307777"/>
+          </a:xfrm>
+          <a:prstGeom prst="rect">
+            <a:avLst/>
+          </a:prstGeom>
+          <a:noFill/>
+        </p:spPr>
+        <p:txBody>
+          <a:bodyPr wrap="square" rtlCol="0">
+            <a:spAutoFit/>
+          </a:bodyPr>
+          <a:lstStyle/>
+          <a:p>
+            <a:r>
+              <a:rPr lang="ko-KR" altLang="en-US" sz="1400" dirty="0" smtClean="0"/>
+              <a:t>직급코드</a:t>
+            </a:r>
+            <a:endParaRPr lang="en-US" altLang="ko-KR" sz="1400" dirty="0" smtClean="0"/>
+          </a:p>
+        </p:txBody>
+      </p:sp>
+      <p:sp>
+        <p:nvSpPr>
+          <p:cNvPr id="30" name="직사각형 29"/>
+          <p:cNvSpPr/>
+          <p:nvPr/>
+        </p:nvSpPr>
+        <p:spPr>
+          <a:xfrm>
+            <a:off x="7118616" y="4052742"/>
+            <a:ext cx="1686833" cy="306687"/>
+          </a:xfrm>
+          <a:prstGeom prst="rect">
+            <a:avLst/>
+          </a:prstGeom>
+          <a:solidFill>
+            <a:schemeClr val="bg1">
+              <a:lumMod val="85000"/>
+            </a:schemeClr>
+          </a:solidFill>
+          <a:ln>
+            <a:solidFill>
+              <a:schemeClr val="bg1"/>
+            </a:solidFill>
+          </a:ln>
+        </p:spPr>
+        <p:style>
+          <a:lnRef idx="2">
+            <a:schemeClr val="accent1">
+              <a:shade val="50000"/>
+            </a:schemeClr>
+          </a:lnRef>
+          <a:fillRef idx="1">
+            <a:schemeClr val="accent1"/>
+          </a:fillRef>
+          <a:effectRef idx="0">
+            <a:schemeClr val="accent1"/>
+          </a:effectRef>
+          <a:fontRef idx="minor">
+            <a:schemeClr val="lt1"/>
+          </a:fontRef>
+        </p:style>
+        <p:txBody>
+          <a:bodyPr rtlCol="0" anchor="ctr"/>
+          <a:lstStyle/>
+          <a:p>
+            <a:pPr algn="ctr"/>
+            <a:r>
+              <a:rPr lang="ko-KR" altLang="en-US" dirty="0" err="1" smtClean="0"/>
+              <a:t>콤보박스</a:t>
+            </a:r>
+            <a:endParaRPr lang="ko-KR" altLang="en-US" dirty="0"/>
+          </a:p>
+        </p:txBody>
+      </p:sp>
+      <p:sp>
+        <p:nvSpPr>
+          <p:cNvPr id="31" name="TextBox 30"/>
+          <p:cNvSpPr txBox="1"/>
+          <p:nvPr/>
+        </p:nvSpPr>
+        <p:spPr>
+          <a:xfrm>
+            <a:off x="815413" y="4513512"/>
+            <a:ext cx="1359215" cy="307777"/>
+          </a:xfrm>
+          <a:prstGeom prst="rect">
+            <a:avLst/>
+          </a:prstGeom>
+          <a:noFill/>
+        </p:spPr>
+        <p:txBody>
+          <a:bodyPr wrap="square" rtlCol="0">
+            <a:spAutoFit/>
+          </a:bodyPr>
+          <a:lstStyle/>
+          <a:p>
+            <a:r>
+              <a:rPr lang="ko-KR" altLang="en-US" sz="1400" dirty="0" smtClean="0"/>
+              <a:t>급여계좌</a:t>
+            </a:r>
+            <a:endParaRPr lang="en-US" altLang="ko-KR" sz="1400" dirty="0" smtClean="0"/>
+          </a:p>
+        </p:txBody>
+      </p:sp>
+      <p:sp>
+        <p:nvSpPr>
+          <p:cNvPr id="32" name="직사각형 31"/>
+          <p:cNvSpPr/>
+          <p:nvPr/>
+        </p:nvSpPr>
+        <p:spPr>
+          <a:xfrm>
+            <a:off x="2097100" y="4494629"/>
+            <a:ext cx="3518847" cy="360040"/>
+          </a:xfrm>
+          <a:prstGeom prst="rect">
+            <a:avLst/>
+          </a:prstGeom>
+          <a:solidFill>
+            <a:schemeClr val="bg1">
+              <a:lumMod val="85000"/>
+            </a:schemeClr>
+          </a:solidFill>
+          <a:ln>
+            <a:solidFill>
+              <a:schemeClr val="bg1"/>
+            </a:solidFill>
+          </a:ln>
+        </p:spPr>
+        <p:style>
+          <a:lnRef idx="2">
+            <a:schemeClr val="accent1">
+              <a:shade val="50000"/>
+            </a:schemeClr>
+          </a:lnRef>
+          <a:fillRef idx="1">
+            <a:schemeClr val="accent1"/>
+          </a:fillRef>
+          <a:effectRef idx="0">
+            <a:schemeClr val="accent1"/>
+          </a:effectRef>
+          <a:fontRef idx="minor">
+            <a:schemeClr val="lt1"/>
+          </a:fontRef>
+        </p:style>
+        <p:txBody>
+          <a:bodyPr rtlCol="0" anchor="ctr"/>
+          <a:lstStyle/>
+          <a:p>
+            <a:pPr algn="ctr"/>
+            <a:endParaRPr lang="ko-KR" altLang="en-US"/>
+          </a:p>
+        </p:txBody>
+      </p:sp>
+      <p:sp>
+        <p:nvSpPr>
+          <p:cNvPr id="33" name="TextBox 32"/>
+          <p:cNvSpPr txBox="1"/>
+          <p:nvPr/>
+        </p:nvSpPr>
+        <p:spPr>
+          <a:xfrm>
+            <a:off x="5792849" y="4494630"/>
+            <a:ext cx="1359215" cy="307777"/>
+          </a:xfrm>
+          <a:prstGeom prst="rect">
+            <a:avLst/>
+          </a:prstGeom>
+          <a:noFill/>
+        </p:spPr>
+        <p:txBody>
+          <a:bodyPr wrap="square" rtlCol="0">
+            <a:spAutoFit/>
+          </a:bodyPr>
+          <a:lstStyle/>
+          <a:p>
+            <a:r>
+              <a:rPr lang="ko-KR" altLang="en-US" sz="1400" dirty="0" smtClean="0"/>
+              <a:t>은</a:t>
+            </a:r>
+            <a:r>
+              <a:rPr lang="ko-KR" altLang="en-US" sz="1400" dirty="0"/>
+              <a:t>행</a:t>
+            </a:r>
+            <a:r>
+              <a:rPr lang="ko-KR" altLang="en-US" sz="1400" dirty="0" smtClean="0"/>
+              <a:t>코드</a:t>
+            </a:r>
+            <a:endParaRPr lang="en-US" altLang="ko-KR" sz="1400" dirty="0" smtClean="0"/>
+          </a:p>
+        </p:txBody>
+      </p:sp>
+      <p:sp>
+        <p:nvSpPr>
+          <p:cNvPr id="34" name="직사각형 33"/>
+          <p:cNvSpPr/>
+          <p:nvPr/>
+        </p:nvSpPr>
+        <p:spPr>
+          <a:xfrm>
+            <a:off x="7118614" y="4497551"/>
+            <a:ext cx="1686833" cy="306687"/>
+          </a:xfrm>
+          <a:prstGeom prst="rect">
+            <a:avLst/>
+          </a:prstGeom>
+          <a:solidFill>
+            <a:schemeClr val="bg1">
+              <a:lumMod val="85000"/>
+            </a:schemeClr>
+          </a:solidFill>
+          <a:ln>
+            <a:solidFill>
+              <a:schemeClr val="bg1"/>
+            </a:solidFill>
+          </a:ln>
+        </p:spPr>
+        <p:style>
+          <a:lnRef idx="2">
+            <a:schemeClr val="accent1">
+              <a:shade val="50000"/>
+            </a:schemeClr>
+          </a:lnRef>
+          <a:fillRef idx="1">
+            <a:schemeClr val="accent1"/>
+          </a:fillRef>
+          <a:effectRef idx="0">
+            <a:schemeClr val="accent1"/>
+          </a:effectRef>
+          <a:fontRef idx="minor">
+            <a:schemeClr val="lt1"/>
+          </a:fontRef>
+        </p:style>
+        <p:txBody>
+          <a:bodyPr rtlCol="0" anchor="ctr"/>
+          <a:lstStyle/>
+          <a:p>
+            <a:pPr algn="ctr"/>
+            <a:r>
+              <a:rPr lang="ko-KR" altLang="en-US" dirty="0" err="1" smtClean="0"/>
+              <a:t>콤보박스</a:t>
+            </a:r>
+            <a:endParaRPr lang="ko-KR" altLang="en-US" dirty="0"/>
+          </a:p>
+        </p:txBody>
+      </p:sp>
+      <p:sp>
+        <p:nvSpPr>
+          <p:cNvPr id="35" name="TextBox 34"/>
+          <p:cNvSpPr txBox="1"/>
+          <p:nvPr/>
+        </p:nvSpPr>
+        <p:spPr>
+          <a:xfrm>
+            <a:off x="811265" y="5373217"/>
+            <a:ext cx="1359215" cy="307777"/>
+          </a:xfrm>
+          <a:prstGeom prst="rect">
+            <a:avLst/>
+          </a:prstGeom>
+          <a:noFill/>
+        </p:spPr>
+        <p:txBody>
+          <a:bodyPr wrap="square" rtlCol="0">
+            <a:spAutoFit/>
+          </a:bodyPr>
+          <a:lstStyle/>
+          <a:p>
+            <a:r>
+              <a:rPr lang="ko-KR" altLang="en-US" sz="1400" dirty="0" smtClean="0"/>
+              <a:t>전역구</a:t>
+            </a:r>
+            <a:r>
+              <a:rPr lang="ko-KR" altLang="en-US" sz="1400" dirty="0"/>
+              <a:t>분</a:t>
+            </a:r>
+            <a:endParaRPr lang="en-US" altLang="ko-KR" sz="1400" dirty="0" smtClean="0"/>
+          </a:p>
+        </p:txBody>
+      </p:sp>
+      <p:sp>
+        <p:nvSpPr>
+          <p:cNvPr id="36" name="직사각형 35"/>
+          <p:cNvSpPr/>
+          <p:nvPr/>
+        </p:nvSpPr>
+        <p:spPr>
+          <a:xfrm>
+            <a:off x="2132169" y="4931296"/>
+            <a:ext cx="1686833" cy="306687"/>
+          </a:xfrm>
+          <a:prstGeom prst="rect">
+            <a:avLst/>
+          </a:prstGeom>
+          <a:solidFill>
+            <a:schemeClr val="bg1">
+              <a:lumMod val="85000"/>
+            </a:schemeClr>
+          </a:solidFill>
+          <a:ln>
+            <a:solidFill>
+              <a:schemeClr val="bg1"/>
+            </a:solidFill>
+          </a:ln>
+        </p:spPr>
+        <p:style>
+          <a:lnRef idx="2">
+            <a:schemeClr val="accent1">
+              <a:shade val="50000"/>
+            </a:schemeClr>
+          </a:lnRef>
+          <a:fillRef idx="1">
+            <a:schemeClr val="accent1"/>
+          </a:fillRef>
+          <a:effectRef idx="0">
+            <a:schemeClr val="accent1"/>
+          </a:effectRef>
+          <a:fontRef idx="minor">
+            <a:schemeClr val="lt1"/>
+          </a:fontRef>
+        </p:style>
+        <p:txBody>
+          <a:bodyPr rtlCol="0" anchor="ctr"/>
+          <a:lstStyle/>
+          <a:p>
+            <a:pPr algn="ctr"/>
+            <a:r>
+              <a:rPr lang="ko-KR" altLang="en-US" dirty="0" err="1" smtClean="0"/>
+              <a:t>콤보박스</a:t>
+            </a:r>
+            <a:endParaRPr lang="ko-KR" altLang="en-US" dirty="0"/>
+          </a:p>
+        </p:txBody>
+      </p:sp>
+      <p:sp>
+        <p:nvSpPr>
+          <p:cNvPr id="37" name="TextBox 36"/>
+          <p:cNvSpPr txBox="1"/>
+          <p:nvPr/>
+        </p:nvSpPr>
+        <p:spPr>
+          <a:xfrm>
+            <a:off x="815414" y="4946726"/>
+            <a:ext cx="1359215" cy="307777"/>
+          </a:xfrm>
+          <a:prstGeom prst="rect">
+            <a:avLst/>
+          </a:prstGeom>
+          <a:noFill/>
+        </p:spPr>
+        <p:txBody>
+          <a:bodyPr wrap="square" rtlCol="0">
+            <a:spAutoFit/>
+          </a:bodyPr>
+          <a:lstStyle/>
+          <a:p>
+            <a:r>
+              <a:rPr lang="ko-KR" altLang="en-US" sz="1400" dirty="0" smtClean="0"/>
+              <a:t>직책코드</a:t>
+            </a:r>
+            <a:endParaRPr lang="en-US" altLang="ko-KR" sz="1400" dirty="0" smtClean="0"/>
+          </a:p>
+        </p:txBody>
+      </p:sp>
+      <p:sp>
+        <p:nvSpPr>
+          <p:cNvPr id="38" name="직사각형 37"/>
+          <p:cNvSpPr/>
+          <p:nvPr/>
+        </p:nvSpPr>
+        <p:spPr>
+          <a:xfrm>
+            <a:off x="2104912" y="5374307"/>
+            <a:ext cx="1686833" cy="306687"/>
+          </a:xfrm>
+          <a:prstGeom prst="rect">
+            <a:avLst/>
+          </a:prstGeom>
+          <a:solidFill>
+            <a:schemeClr val="bg1">
+              <a:lumMod val="85000"/>
+            </a:schemeClr>
+          </a:solidFill>
+          <a:ln>
+            <a:solidFill>
+              <a:schemeClr val="bg1"/>
+            </a:solidFill>
+          </a:ln>
+        </p:spPr>
+        <p:style>
+          <a:lnRef idx="2">
+            <a:schemeClr val="accent1">
+              <a:shade val="50000"/>
+            </a:schemeClr>
+          </a:lnRef>
+          <a:fillRef idx="1">
+            <a:schemeClr val="accent1"/>
+          </a:fillRef>
+          <a:effectRef idx="0">
+            <a:schemeClr val="accent1"/>
+          </a:effectRef>
+          <a:fontRef idx="minor">
+            <a:schemeClr val="lt1"/>
+          </a:fontRef>
+        </p:style>
+        <p:txBody>
+          <a:bodyPr rtlCol="0" anchor="ctr"/>
+          <a:lstStyle/>
+          <a:p>
+            <a:pPr algn="ctr"/>
+            <a:r>
+              <a:rPr lang="ko-KR" altLang="en-US" dirty="0" err="1" smtClean="0"/>
+              <a:t>콤보박스</a:t>
+            </a:r>
+            <a:endParaRPr lang="ko-KR" altLang="en-US" dirty="0"/>
+          </a:p>
+        </p:txBody>
+      </p:sp>
+      <p:sp>
+        <p:nvSpPr>
+          <p:cNvPr id="2" name="TextBox 1"/>
+          <p:cNvSpPr txBox="1"/>
+          <p:nvPr/>
+        </p:nvSpPr>
+        <p:spPr>
+          <a:xfrm>
+            <a:off x="6471121" y="1000473"/>
+            <a:ext cx="5394442" cy="784830"/>
+          </a:xfrm>
+          <a:prstGeom prst="rect">
+            <a:avLst/>
+          </a:prstGeom>
+          <a:noFill/>
+        </p:spPr>
+        <p:txBody>
+          <a:bodyPr wrap="square" rtlCol="0">
+            <a:spAutoFit/>
+          </a:bodyPr>
+          <a:lstStyle/>
+          <a:p>
+            <a:r>
+              <a:rPr lang="ko-KR" altLang="en-US" sz="4500" dirty="0" smtClean="0"/>
+              <a:t>사원등록</a:t>
+            </a:r>
+            <a:endParaRPr lang="ko-KR" altLang="en-US" sz="4500" dirty="0"/>
+          </a:p>
+        </p:txBody>
+      </p:sp>
+    </p:spTree>
+    <p:extLst>
+      <p:ext uri="{BB962C8B-B14F-4D97-AF65-F5344CB8AC3E}">
+        <p14:creationId xmlns:p14="http://schemas.microsoft.com/office/powerpoint/2010/main" val="3131889381"/>
+      </p:ext>
+    </p:extLst>
+  </p:cSld>
+  <p:clrMapOvr>
+    <a:masterClrMapping/>
+  </p:clrMapOvr>
+</p:sld>
+</file>
+
+<file path=ppt/slides/slide6.xml><?xml version="1.0" encoding="utf-8"?>
+<p:sld xmlns:a="http://schemas.openxmlformats.org/drawingml/2006/main" xmlns:r="http://schemas.openxmlformats.org/officeDocument/2006/relationships" xmlns:p="http://schemas.openxmlformats.org/presentationml/2006/main">
+  <p:cSld>
+    <p:spTree>
+      <p:nvGrpSpPr>
+        <p:cNvPr id="1" name=""/>
+        <p:cNvGrpSpPr/>
+        <p:nvPr/>
+      </p:nvGrpSpPr>
+      <p:grpSpPr>
+        <a:xfrm>
+          <a:off x="0" y="0"/>
+          <a:ext cx="0" cy="0"/>
+          <a:chOff x="0" y="0"/>
+          <a:chExt cx="0" cy="0"/>
+        </a:xfrm>
+      </p:grpSpPr>
+      <p:sp>
+        <p:nvSpPr>
           <p:cNvPr id="2" name="제목 1">
             <a:extLst>
               <a:ext uri="{FF2B5EF4-FFF2-40B4-BE49-F238E27FC236}">
-                <a16:creationId xmlns:a16="http://schemas.microsoft.com/office/drawing/2014/main" id="{28D9EE9A-9FD6-4093-A4A3-15ED5D026AE7}"/>
+                <a16:creationId xmlns:a16="http://schemas.microsoft.com/office/drawing/2014/main" xmlns="" id="{28D9EE9A-9FD6-4093-A4A3-15ED5D026AE7}"/>
               </a:ext>
             </a:extLst>
           </p:cNvPr>
@@ -8100,7 +9964,7 @@
           <p:cNvPr id="5" name="내용 개체 틀 4" descr="스크린샷이(가) 표시된 사진&#10;&#10;자동 생성된 설명">
             <a:extLst>
               <a:ext uri="{FF2B5EF4-FFF2-40B4-BE49-F238E27FC236}">
-                <a16:creationId xmlns:a16="http://schemas.microsoft.com/office/drawing/2014/main" id="{CD09B2B2-78AF-4FC8-A254-C5F1851C0814}"/>
+                <a16:creationId xmlns:a16="http://schemas.microsoft.com/office/drawing/2014/main" xmlns="" id="{CD09B2B2-78AF-4FC8-A254-C5F1851C0814}"/>
               </a:ext>
             </a:extLst>
           </p:cNvPr>
@@ -8143,7 +10007,7 @@
 </p:sld>
 </file>
 
-<file path=ppt/slides/slide6.xml><?xml version="1.0" encoding="utf-8"?>
+<file path=ppt/slides/slide7.xml><?xml version="1.0" encoding="utf-8"?>
 <p:sld xmlns:a="http://schemas.openxmlformats.org/drawingml/2006/main" xmlns:r="http://schemas.openxmlformats.org/officeDocument/2006/relationships" xmlns:p="http://schemas.openxmlformats.org/presentationml/2006/main">
   <p:cSld>
     <p:spTree>
@@ -8165,7 +10029,7 @@
           <p:cNvPr id="2" name="제목 1">
             <a:extLst>
               <a:ext uri="{FF2B5EF4-FFF2-40B4-BE49-F238E27FC236}">
-                <a16:creationId xmlns:a16="http://schemas.microsoft.com/office/drawing/2014/main" id="{98AE59D9-F87C-43C6-8A9C-7312D8A2E477}"/>
+                <a16:creationId xmlns:a16="http://schemas.microsoft.com/office/drawing/2014/main" xmlns="" id="{98AE59D9-F87C-43C6-8A9C-7312D8A2E477}"/>
               </a:ext>
             </a:extLst>
           </p:cNvPr>
@@ -8194,7 +10058,7 @@
           <p:cNvPr id="5" name="내용 개체 틀 4" descr="스크린샷이(가) 표시된 사진&#10;&#10;자동 생성된 설명">
             <a:extLst>
               <a:ext uri="{FF2B5EF4-FFF2-40B4-BE49-F238E27FC236}">
-                <a16:creationId xmlns:a16="http://schemas.microsoft.com/office/drawing/2014/main" id="{FCD18033-24AB-40C1-9FFD-A12362CE505A}"/>
+                <a16:creationId xmlns:a16="http://schemas.microsoft.com/office/drawing/2014/main" xmlns="" id="{FCD18033-24AB-40C1-9FFD-A12362CE505A}"/>
               </a:ext>
             </a:extLst>
           </p:cNvPr>
@@ -8237,7 +10101,7 @@
 </p:sld>
 </file>
 
-<file path=ppt/slides/slide7.xml><?xml version="1.0" encoding="utf-8"?>
+<file path=ppt/slides/slide8.xml><?xml version="1.0" encoding="utf-8"?>
 <p:sld xmlns:a="http://schemas.openxmlformats.org/drawingml/2006/main" xmlns:r="http://schemas.openxmlformats.org/officeDocument/2006/relationships" xmlns:p="http://schemas.openxmlformats.org/presentationml/2006/main">
   <p:cSld>
     <p:spTree>
@@ -8259,7 +10123,7 @@
           <p:cNvPr id="4" name="직사각형 3">
             <a:extLst>
               <a:ext uri="{FF2B5EF4-FFF2-40B4-BE49-F238E27FC236}">
-                <a16:creationId xmlns:a16="http://schemas.microsoft.com/office/drawing/2014/main" id="{EC5DDCA9-A9BC-48D4-AC47-A0ED531F63E3}"/>
+                <a16:creationId xmlns:a16="http://schemas.microsoft.com/office/drawing/2014/main" xmlns="" id="{EC5DDCA9-A9BC-48D4-AC47-A0ED531F63E3}"/>
               </a:ext>
             </a:extLst>
           </p:cNvPr>
@@ -8312,7 +10176,7 @@
           <p:cNvPr id="5" name="그림 6">
             <a:extLst>
               <a:ext uri="{FF2B5EF4-FFF2-40B4-BE49-F238E27FC236}">
-                <a16:creationId xmlns:a16="http://schemas.microsoft.com/office/drawing/2014/main" id="{D145CE0E-03A4-4A6B-93A2-9C8276950F47}"/>
+                <a16:creationId xmlns:a16="http://schemas.microsoft.com/office/drawing/2014/main" xmlns="" id="{D145CE0E-03A4-4A6B-93A2-9C8276950F47}"/>
               </a:ext>
             </a:extLst>
           </p:cNvPr>
@@ -8342,7 +10206,7 @@
           <p:cNvPr id="6" name="직사각형 5">
             <a:extLst>
               <a:ext uri="{FF2B5EF4-FFF2-40B4-BE49-F238E27FC236}">
-                <a16:creationId xmlns:a16="http://schemas.microsoft.com/office/drawing/2014/main" id="{2CDEE883-16CC-4350-AF44-BC529547C752}"/>
+                <a16:creationId xmlns:a16="http://schemas.microsoft.com/office/drawing/2014/main" xmlns="" id="{2CDEE883-16CC-4350-AF44-BC529547C752}"/>
               </a:ext>
             </a:extLst>
           </p:cNvPr>
@@ -8394,7 +10258,7 @@
           <p:cNvPr id="7" name="TextBox 6">
             <a:extLst>
               <a:ext uri="{FF2B5EF4-FFF2-40B4-BE49-F238E27FC236}">
-                <a16:creationId xmlns:a16="http://schemas.microsoft.com/office/drawing/2014/main" id="{0040F064-3D9F-48BA-81F1-EFFF00AE1820}"/>
+                <a16:creationId xmlns:a16="http://schemas.microsoft.com/office/drawing/2014/main" xmlns="" id="{0040F064-3D9F-48BA-81F1-EFFF00AE1820}"/>
               </a:ext>
             </a:extLst>
           </p:cNvPr>
@@ -8483,7 +10347,7 @@
           <p:cNvPr id="8" name="직사각형 7">
             <a:extLst>
               <a:ext uri="{FF2B5EF4-FFF2-40B4-BE49-F238E27FC236}">
-                <a16:creationId xmlns:a16="http://schemas.microsoft.com/office/drawing/2014/main" id="{53116D95-CB57-4B4C-AD5E-87060A4B124A}"/>
+                <a16:creationId xmlns:a16="http://schemas.microsoft.com/office/drawing/2014/main" xmlns="" id="{53116D95-CB57-4B4C-AD5E-87060A4B124A}"/>
               </a:ext>
             </a:extLst>
           </p:cNvPr>
@@ -8711,7 +10575,7 @@
           <p:cNvPr id="9" name="내용 개체 틀 4" descr="스크린샷이(가) 표시된 사진&#10;&#10;자동 생성된 설명">
             <a:extLst>
               <a:ext uri="{FF2B5EF4-FFF2-40B4-BE49-F238E27FC236}">
-                <a16:creationId xmlns:a16="http://schemas.microsoft.com/office/drawing/2014/main" id="{266C8E31-C1E6-4203-A20B-7D57D400A571}"/>
+                <a16:creationId xmlns:a16="http://schemas.microsoft.com/office/drawing/2014/main" xmlns="" id="{266C8E31-C1E6-4203-A20B-7D57D400A571}"/>
               </a:ext>
             </a:extLst>
           </p:cNvPr>
@@ -8754,7 +10618,7 @@
 </p:sld>
 </file>
 
-<file path=ppt/slides/slide8.xml><?xml version="1.0" encoding="utf-8"?>
+<file path=ppt/slides/slide9.xml><?xml version="1.0" encoding="utf-8"?>
 <p:sld xmlns:a="http://schemas.openxmlformats.org/drawingml/2006/main" xmlns:r="http://schemas.openxmlformats.org/officeDocument/2006/relationships" xmlns:p="http://schemas.openxmlformats.org/presentationml/2006/main">
   <p:cSld>
     <p:spTree>
@@ -8776,7 +10640,7 @@
           <p:cNvPr id="2" name="제목 1">
             <a:extLst>
               <a:ext uri="{FF2B5EF4-FFF2-40B4-BE49-F238E27FC236}">
-                <a16:creationId xmlns:a16="http://schemas.microsoft.com/office/drawing/2014/main" id="{267C91BE-C134-48B1-ADB7-939CC9B14A13}"/>
+                <a16:creationId xmlns:a16="http://schemas.microsoft.com/office/drawing/2014/main" xmlns="" id="{267C91BE-C134-48B1-ADB7-939CC9B14A13}"/>
               </a:ext>
             </a:extLst>
           </p:cNvPr>
@@ -8805,7 +10669,7 @@
           <p:cNvPr id="5" name="내용 개체 틀 4" descr="스크린샷이(가) 표시된 사진&#10;&#10;자동 생성된 설명">
             <a:extLst>
               <a:ext uri="{FF2B5EF4-FFF2-40B4-BE49-F238E27FC236}">
-                <a16:creationId xmlns:a16="http://schemas.microsoft.com/office/drawing/2014/main" id="{32DDC5FC-4EEE-4D8D-B00A-FBBA403780CA}"/>
+                <a16:creationId xmlns:a16="http://schemas.microsoft.com/office/drawing/2014/main" xmlns="" id="{32DDC5FC-4EEE-4D8D-B00A-FBBA403780CA}"/>
               </a:ext>
             </a:extLst>
           </p:cNvPr>
@@ -8839,523 +10703,6 @@
     <p:extLst>
       <p:ext uri="{BB962C8B-B14F-4D97-AF65-F5344CB8AC3E}">
         <p14:creationId xmlns:p14="http://schemas.microsoft.com/office/powerpoint/2010/main" val="3283647258"/>
-      </p:ext>
-    </p:extLst>
-  </p:cSld>
-  <p:clrMapOvr>
-    <a:masterClrMapping/>
-  </p:clrMapOvr>
-</p:sld>
-</file>
-
-<file path=ppt/slides/slide9.xml><?xml version="1.0" encoding="utf-8"?>
-<p:sld xmlns:a="http://schemas.openxmlformats.org/drawingml/2006/main" xmlns:r="http://schemas.openxmlformats.org/officeDocument/2006/relationships" xmlns:p="http://schemas.openxmlformats.org/presentationml/2006/main">
-  <p:cSld>
-    <p:spTree>
-      <p:nvGrpSpPr>
-        <p:cNvPr id="1" name=""/>
-        <p:cNvGrpSpPr/>
-        <p:nvPr/>
-      </p:nvGrpSpPr>
-      <p:grpSpPr>
-        <a:xfrm>
-          <a:off x="0" y="0"/>
-          <a:ext cx="0" cy="0"/>
-          <a:chOff x="0" y="0"/>
-          <a:chExt cx="0" cy="0"/>
-        </a:xfrm>
-      </p:grpSpPr>
-      <p:pic>
-        <p:nvPicPr>
-          <p:cNvPr id="5" name="내용 개체 틀 4" descr="스크린샷이(가) 표시된 사진&#10;&#10;자동 생성된 설명">
-            <a:extLst>
-              <a:ext uri="{FF2B5EF4-FFF2-40B4-BE49-F238E27FC236}">
-                <a16:creationId xmlns:a16="http://schemas.microsoft.com/office/drawing/2014/main" id="{FF419746-8082-48F3-B184-5E03A1C5D934}"/>
-              </a:ext>
-            </a:extLst>
-          </p:cNvPr>
-          <p:cNvPicPr>
-            <a:picLocks noGrp="1" noChangeAspect="1"/>
-          </p:cNvPicPr>
-          <p:nvPr>
-            <p:ph idx="1"/>
-          </p:nvPr>
-        </p:nvPicPr>
-        <p:blipFill>
-          <a:blip r:embed="rId2">
-            <a:extLst>
-              <a:ext uri="{28A0092B-C50C-407E-A947-70E740481C1C}">
-                <a14:useLocalDpi xmlns:a14="http://schemas.microsoft.com/office/drawing/2010/main" val="0"/>
-              </a:ext>
-            </a:extLst>
-          </a:blip>
-          <a:stretch>
-            <a:fillRect/>
-          </a:stretch>
-        </p:blipFill>
-        <p:spPr>
-          <a:xfrm>
-            <a:off x="1937215" y="172092"/>
-            <a:ext cx="10017944" cy="6584022"/>
-          </a:xfrm>
-        </p:spPr>
-      </p:pic>
-      <p:sp>
-        <p:nvSpPr>
-          <p:cNvPr id="8" name="직사각형 7">
-            <a:extLst>
-              <a:ext uri="{FF2B5EF4-FFF2-40B4-BE49-F238E27FC236}">
-                <a16:creationId xmlns:a16="http://schemas.microsoft.com/office/drawing/2014/main" id="{855A2D0E-F143-443F-8D30-6351D883E429}"/>
-              </a:ext>
-            </a:extLst>
-          </p:cNvPr>
-          <p:cNvSpPr/>
-          <p:nvPr/>
-        </p:nvSpPr>
-        <p:spPr>
-          <a:xfrm>
-            <a:off x="184935" y="172092"/>
-            <a:ext cx="1738044" cy="6584022"/>
-          </a:xfrm>
-          <a:prstGeom prst="rect">
-            <a:avLst/>
-          </a:prstGeom>
-          <a:solidFill>
-            <a:schemeClr val="accent5"/>
-          </a:solidFill>
-        </p:spPr>
-        <p:style>
-          <a:lnRef idx="2">
-            <a:schemeClr val="accent1">
-              <a:shade val="50000"/>
-            </a:schemeClr>
-          </a:lnRef>
-          <a:fillRef idx="1">
-            <a:schemeClr val="accent1"/>
-          </a:fillRef>
-          <a:effectRef idx="0">
-            <a:schemeClr val="accent1"/>
-          </a:effectRef>
-          <a:fontRef idx="minor">
-            <a:schemeClr val="lt1"/>
-          </a:fontRef>
-        </p:style>
-        <p:txBody>
-          <a:bodyPr rtlCol="0" anchor="ctr"/>
-          <a:lstStyle/>
-          <a:p>
-            <a:pPr algn="ctr"/>
-            <a:endParaRPr lang="ko-KR"/>
-          </a:p>
-          <a:p>
-            <a:pPr algn="ctr"/>
-            <a:endParaRPr lang="ko-KR"/>
-          </a:p>
-        </p:txBody>
-      </p:sp>
-      <p:pic>
-        <p:nvPicPr>
-          <p:cNvPr id="9" name="그림 6">
-            <a:extLst>
-              <a:ext uri="{FF2B5EF4-FFF2-40B4-BE49-F238E27FC236}">
-                <a16:creationId xmlns:a16="http://schemas.microsoft.com/office/drawing/2014/main" id="{147FC6C9-2336-4E0A-A954-5769408A7434}"/>
-              </a:ext>
-            </a:extLst>
-          </p:cNvPr>
-          <p:cNvPicPr>
-            <a:picLocks noChangeAspect="1"/>
-          </p:cNvPicPr>
-          <p:nvPr/>
-        </p:nvPicPr>
-        <p:blipFill>
-          <a:blip r:embed="rId3"/>
-          <a:stretch>
-            <a:fillRect/>
-          </a:stretch>
-        </p:blipFill>
-        <p:spPr>
-          <a:xfrm>
-            <a:off x="229457" y="202412"/>
-            <a:ext cx="1655852" cy="879445"/>
-          </a:xfrm>
-          <a:prstGeom prst="rect">
-            <a:avLst/>
-          </a:prstGeom>
-        </p:spPr>
-      </p:pic>
-      <p:sp>
-        <p:nvSpPr>
-          <p:cNvPr id="10" name="직사각형 9">
-            <a:extLst>
-              <a:ext uri="{FF2B5EF4-FFF2-40B4-BE49-F238E27FC236}">
-                <a16:creationId xmlns:a16="http://schemas.microsoft.com/office/drawing/2014/main" id="{0B0B0024-6F94-4E5D-92AE-53B96921E42E}"/>
-              </a:ext>
-            </a:extLst>
-          </p:cNvPr>
-          <p:cNvSpPr/>
-          <p:nvPr/>
-        </p:nvSpPr>
-        <p:spPr>
-          <a:xfrm>
-            <a:off x="233630" y="1119775"/>
-            <a:ext cx="1652426" cy="879445"/>
-          </a:xfrm>
-          <a:prstGeom prst="rect">
-            <a:avLst/>
-          </a:prstGeom>
-          <a:solidFill>
-            <a:schemeClr val="accent5">
-              <a:lumMod val="60000"/>
-              <a:lumOff val="40000"/>
-            </a:schemeClr>
-          </a:solidFill>
-        </p:spPr>
-        <p:style>
-          <a:lnRef idx="2">
-            <a:schemeClr val="accent1">
-              <a:shade val="50000"/>
-            </a:schemeClr>
-          </a:lnRef>
-          <a:fillRef idx="1">
-            <a:schemeClr val="accent1"/>
-          </a:fillRef>
-          <a:effectRef idx="0">
-            <a:schemeClr val="accent1"/>
-          </a:effectRef>
-          <a:fontRef idx="minor">
-            <a:schemeClr val="lt1"/>
-          </a:fontRef>
-        </p:style>
-        <p:txBody>
-          <a:bodyPr rtlCol="0" anchor="ctr"/>
-          <a:lstStyle/>
-          <a:p>
-            <a:pPr algn="ctr"/>
-            <a:endParaRPr lang="ko-KR" altLang="en-US"/>
-          </a:p>
-        </p:txBody>
-      </p:sp>
-      <p:sp>
-        <p:nvSpPr>
-          <p:cNvPr id="11" name="TextBox 10">
-            <a:extLst>
-              <a:ext uri="{FF2B5EF4-FFF2-40B4-BE49-F238E27FC236}">
-                <a16:creationId xmlns:a16="http://schemas.microsoft.com/office/drawing/2014/main" id="{B3CC8135-D18B-452E-8CCC-CB77FB4BCC0E}"/>
-              </a:ext>
-            </a:extLst>
-          </p:cNvPr>
-          <p:cNvSpPr txBox="1"/>
-          <p:nvPr/>
-        </p:nvSpPr>
-        <p:spPr>
-          <a:xfrm>
-            <a:off x="181297" y="1123093"/>
-            <a:ext cx="1604481" cy="692497"/>
-          </a:xfrm>
-          <a:prstGeom prst="rect">
-            <a:avLst/>
-          </a:prstGeom>
-          <a:noFill/>
-        </p:spPr>
-        <p:txBody>
-          <a:bodyPr rot="0" spcFirstLastPara="0" vertOverflow="overflow" horzOverflow="overflow" vert="horz" wrap="square" lIns="91440" tIns="45720" rIns="91440" bIns="45720" numCol="1" spcCol="0" rtlCol="0" fromWordArt="0" anchor="t" anchorCtr="0" forceAA="0" compatLnSpc="1">
-            <a:prstTxWarp prst="textNoShape">
-              <a:avLst/>
-            </a:prstTxWarp>
-            <a:spAutoFit/>
-          </a:bodyPr>
-          <a:lstStyle/>
-          <a:p>
-            <a:r>
-              <a:rPr lang="ko-KR" altLang="en-US" dirty="0">
-                <a:ea typeface="맑은 고딕"/>
-              </a:rPr>
-              <a:t> </a:t>
-            </a:r>
-            <a:r>
-              <a:rPr lang="ko-KR" altLang="en-US" sz="1200" dirty="0">
-                <a:ea typeface="맑은 고딕"/>
-              </a:rPr>
-              <a:t>        </a:t>
-            </a:r>
-            <a:r>
-              <a:rPr lang="ko-KR" altLang="en-US" sz="1050" dirty="0">
-                <a:ea typeface="맑은 고딕"/>
-              </a:rPr>
-              <a:t>  XXX</a:t>
-            </a:r>
-          </a:p>
-          <a:p>
-            <a:r>
-              <a:rPr lang="ko-KR" altLang="en-US" sz="1050" dirty="0">
-                <a:ea typeface="맑은 고딕"/>
-              </a:rPr>
-              <a:t>             직급</a:t>
-            </a:r>
-          </a:p>
-          <a:p>
-            <a:r>
-              <a:rPr lang="ko-KR" altLang="en-US" sz="1050" dirty="0">
-                <a:ea typeface="맑은 고딕"/>
-              </a:rPr>
-              <a:t>마지막 접속  </a:t>
-            </a:r>
-            <a:r>
-              <a:rPr lang="ko-KR" altLang="en-US" sz="1050" dirty="0" err="1">
-                <a:ea typeface="맑은 고딕"/>
-              </a:rPr>
-              <a:t>Xmin</a:t>
-            </a:r>
-            <a:r>
-              <a:rPr lang="ko-KR" altLang="en-US" sz="1050" dirty="0">
-                <a:ea typeface="맑은 고딕"/>
-              </a:rPr>
-              <a:t> </a:t>
-            </a:r>
-            <a:r>
-              <a:rPr lang="ko-KR" altLang="en-US" sz="1050" dirty="0" err="1">
-                <a:ea typeface="맑은 고딕"/>
-              </a:rPr>
-              <a:t>ago</a:t>
-            </a:r>
-            <a:endParaRPr lang="ko-KR" altLang="en-US" sz="1050" dirty="0">
-              <a:ea typeface="맑은 고딕"/>
-            </a:endParaRPr>
-          </a:p>
-        </p:txBody>
-      </p:sp>
-      <p:sp>
-        <p:nvSpPr>
-          <p:cNvPr id="12" name="직사각형 11">
-            <a:extLst>
-              <a:ext uri="{FF2B5EF4-FFF2-40B4-BE49-F238E27FC236}">
-                <a16:creationId xmlns:a16="http://schemas.microsoft.com/office/drawing/2014/main" id="{29F330D0-08F2-4F08-B833-D2CB443D0DF8}"/>
-              </a:ext>
-            </a:extLst>
-          </p:cNvPr>
-          <p:cNvSpPr/>
-          <p:nvPr/>
-        </p:nvSpPr>
-        <p:spPr>
-          <a:xfrm>
-            <a:off x="236841" y="2029541"/>
-            <a:ext cx="1618179" cy="4624367"/>
-          </a:xfrm>
-          <a:prstGeom prst="rect">
-            <a:avLst/>
-          </a:prstGeom>
-          <a:solidFill>
-            <a:schemeClr val="accent5">
-              <a:lumMod val="60000"/>
-              <a:lumOff val="40000"/>
-            </a:schemeClr>
-          </a:solidFill>
-        </p:spPr>
-        <p:style>
-          <a:lnRef idx="2">
-            <a:schemeClr val="accent1">
-              <a:shade val="50000"/>
-            </a:schemeClr>
-          </a:lnRef>
-          <a:fillRef idx="1">
-            <a:schemeClr val="accent1"/>
-          </a:fillRef>
-          <a:effectRef idx="0">
-            <a:schemeClr val="accent1"/>
-          </a:effectRef>
-          <a:fontRef idx="minor">
-            <a:schemeClr val="lt1"/>
-          </a:fontRef>
-        </p:style>
-        <p:txBody>
-          <a:bodyPr rtlCol="0" anchor="ctr"/>
-          <a:lstStyle/>
-          <a:p>
-            <a:pPr algn="ctr"/>
-            <a:r>
-              <a:rPr lang="ko-KR" altLang="en-US" sz="1000" dirty="0">
-                <a:ea typeface="맑은 고딕"/>
-              </a:rPr>
-              <a:t>상위메뉴 상의 중</a:t>
-            </a:r>
-            <a:endParaRPr lang="en-US" altLang="ko-KR" sz="1000" dirty="0">
-              <a:ea typeface="맑은 고딕"/>
-            </a:endParaRPr>
-          </a:p>
-          <a:p>
-            <a:pPr algn="ctr"/>
-            <a:r>
-              <a:rPr lang="en-US" altLang="ko-KR" sz="1000" dirty="0">
-                <a:ea typeface="맑은 고딕"/>
-              </a:rPr>
-              <a:t>-</a:t>
-            </a:r>
-            <a:r>
-              <a:rPr lang="ko-KR" altLang="en-US" sz="1000" dirty="0">
-                <a:ea typeface="맑은 고딕"/>
-              </a:rPr>
-              <a:t>매출</a:t>
-            </a:r>
-            <a:endParaRPr lang="en-US" altLang="ko-KR" sz="1000" dirty="0">
-              <a:ea typeface="맑은 고딕"/>
-            </a:endParaRPr>
-          </a:p>
-          <a:p>
-            <a:pPr algn="ctr"/>
-            <a:r>
-              <a:rPr lang="en-US" altLang="ko-KR" sz="1000" dirty="0">
-                <a:ea typeface="맑은 고딕"/>
-              </a:rPr>
-              <a:t>-</a:t>
-            </a:r>
-            <a:r>
-              <a:rPr lang="ko-KR" altLang="en-US" sz="1000" dirty="0">
-                <a:ea typeface="맑은 고딕"/>
-              </a:rPr>
-              <a:t>재고등록</a:t>
-            </a:r>
-            <a:endParaRPr lang="en-US" altLang="ko-KR" sz="1000" dirty="0">
-              <a:ea typeface="맑은 고딕"/>
-            </a:endParaRPr>
-          </a:p>
-          <a:p>
-            <a:pPr algn="ctr"/>
-            <a:r>
-              <a:rPr lang="en-US" altLang="ko-KR" sz="1000" dirty="0">
-                <a:ea typeface="맑은 고딕"/>
-              </a:rPr>
-              <a:t>-</a:t>
-            </a:r>
-            <a:r>
-              <a:rPr lang="ko-KR" altLang="en-US" sz="1000" dirty="0">
-                <a:ea typeface="맑은 고딕"/>
-              </a:rPr>
-              <a:t>재고조회</a:t>
-            </a:r>
-            <a:endParaRPr lang="en-US" altLang="ko-KR" sz="1000" dirty="0">
-              <a:ea typeface="맑은 고딕"/>
-            </a:endParaRPr>
-          </a:p>
-          <a:p>
-            <a:pPr algn="ctr"/>
-            <a:r>
-              <a:rPr lang="en-US" altLang="ko-KR" sz="1000" dirty="0">
-                <a:ea typeface="맑은 고딕"/>
-              </a:rPr>
-              <a:t>-</a:t>
-            </a:r>
-            <a:r>
-              <a:rPr lang="ko-KR" altLang="en-US" sz="1000" dirty="0">
-                <a:ea typeface="맑은 고딕"/>
-              </a:rPr>
-              <a:t>생산품등록</a:t>
-            </a:r>
-            <a:endParaRPr lang="en-US" altLang="ko-KR" sz="1000" dirty="0">
-              <a:ea typeface="맑은 고딕"/>
-            </a:endParaRPr>
-          </a:p>
-          <a:p>
-            <a:pPr algn="ctr"/>
-            <a:r>
-              <a:rPr lang="en-US" altLang="ko-KR" sz="1000" dirty="0">
-                <a:ea typeface="맑은 고딕"/>
-              </a:rPr>
-              <a:t>-</a:t>
-            </a:r>
-            <a:r>
-              <a:rPr lang="ko-KR" altLang="en-US" sz="1000" dirty="0">
-                <a:ea typeface="맑은 고딕"/>
-              </a:rPr>
-              <a:t>생산품조회</a:t>
-            </a:r>
-            <a:endParaRPr lang="en-US" altLang="ko-KR" sz="1000" dirty="0">
-              <a:ea typeface="맑은 고딕"/>
-            </a:endParaRPr>
-          </a:p>
-          <a:p>
-            <a:pPr algn="ctr"/>
-            <a:r>
-              <a:rPr lang="ko-KR" altLang="en-US" sz="1000" dirty="0">
-                <a:ea typeface="맑은 고딕"/>
-              </a:rPr>
-              <a:t>거래처 등록</a:t>
-            </a:r>
-            <a:endParaRPr lang="en-US" altLang="ko-KR" sz="1000" dirty="0">
-              <a:ea typeface="맑은 고딕"/>
-            </a:endParaRPr>
-          </a:p>
-          <a:p>
-            <a:pPr algn="ctr"/>
-            <a:r>
-              <a:rPr lang="ko-KR" altLang="en-US" sz="1000" dirty="0">
-                <a:ea typeface="맑은 고딕"/>
-              </a:rPr>
-              <a:t>급여</a:t>
-            </a:r>
-            <a:endParaRPr lang="en-US" altLang="ko-KR" sz="1000" dirty="0">
-              <a:ea typeface="맑은 고딕"/>
-            </a:endParaRPr>
-          </a:p>
-          <a:p>
-            <a:pPr algn="ctr"/>
-            <a:r>
-              <a:rPr lang="ko-KR" altLang="en-US" sz="1000" dirty="0">
-                <a:ea typeface="맑은 고딕"/>
-              </a:rPr>
-              <a:t>근태</a:t>
-            </a:r>
-            <a:endParaRPr lang="en-US" altLang="ko-KR" sz="1000" dirty="0">
-              <a:ea typeface="맑은 고딕"/>
-            </a:endParaRPr>
-          </a:p>
-          <a:p>
-            <a:pPr algn="ctr"/>
-            <a:r>
-              <a:rPr lang="ko-KR" altLang="en-US" sz="1000" dirty="0">
-                <a:ea typeface="맑은 고딕"/>
-              </a:rPr>
-              <a:t>휴가</a:t>
-            </a:r>
-            <a:endParaRPr lang="en-US" altLang="ko-KR" sz="1000" dirty="0">
-              <a:ea typeface="맑은 고딕"/>
-            </a:endParaRPr>
-          </a:p>
-          <a:p>
-            <a:pPr algn="ctr"/>
-            <a:r>
-              <a:rPr lang="ko-KR" altLang="en-US" sz="1000" dirty="0">
-                <a:ea typeface="맑은 고딕"/>
-              </a:rPr>
-              <a:t>배송조회</a:t>
-            </a:r>
-            <a:endParaRPr lang="en-US" altLang="ko-KR" sz="1000" dirty="0">
-              <a:ea typeface="맑은 고딕"/>
-            </a:endParaRPr>
-          </a:p>
-          <a:p>
-            <a:pPr algn="ctr"/>
-            <a:r>
-              <a:rPr lang="ko-KR" altLang="en-US" sz="1000" dirty="0">
-                <a:ea typeface="맑은 고딕"/>
-              </a:rPr>
-              <a:t>배송등록</a:t>
-            </a:r>
-            <a:endParaRPr lang="en-US" altLang="ko-KR" sz="1000" dirty="0">
-              <a:ea typeface="맑은 고딕"/>
-            </a:endParaRPr>
-          </a:p>
-          <a:p>
-            <a:pPr algn="ctr"/>
-            <a:endParaRPr lang="en-US" altLang="ko-KR" sz="1000" dirty="0">
-              <a:ea typeface="맑은 고딕"/>
-            </a:endParaRPr>
-          </a:p>
-        </p:txBody>
-      </p:sp>
-    </p:spTree>
-    <p:extLst>
-      <p:ext uri="{BB962C8B-B14F-4D97-AF65-F5344CB8AC3E}">
-        <p14:creationId xmlns:p14="http://schemas.microsoft.com/office/powerpoint/2010/main" val="1947228444"/>
       </p:ext>
     </p:extLst>
   </p:cSld>
@@ -9620,7 +10967,7 @@
   <a:extraClrSchemeLst/>
   <a:extLst>
     <a:ext uri="{05A4C25C-085E-4340-85A3-A5531E510DB2}">
-      <thm15:themeFamily xmlns:thm15="http://schemas.microsoft.com/office/thememl/2012/main" name="Office Theme" id="{62F939B6-93AF-4DB8-9C6B-D6C7DFDC589F}" vid="{4A3C46E8-61CC-4603-A589-7422A47A8E4A}"/>
+      <thm15:themeFamily xmlns:thm15="http://schemas.microsoft.com/office/thememl/2012/main" xmlns="" name="Office Theme" id="{62F939B6-93AF-4DB8-9C6B-D6C7DFDC589F}" vid="{4A3C46E8-61CC-4603-A589-7422A47A8E4A}"/>
     </a:ext>
   </a:extLst>
 </a:theme>

--- a/view.pptx
+++ b/view.pptx
@@ -124,7 +124,7 @@
   </p:defaultTextStyle>
   <p:extLst>
     <p:ext uri="{EFAFB233-063F-42B5-8137-9DF3F51BA10A}">
-      <p15:sldGuideLst xmlns:p15="http://schemas.microsoft.com/office/powerpoint/2012/main" xmlns=""/>
+      <p15:sldGuideLst xmlns="" xmlns:p15="http://schemas.microsoft.com/office/powerpoint/2012/main"/>
     </p:ext>
   </p:extLst>
 </p:presentation>
@@ -1444,7 +1444,7 @@
           <a:p>
             <a:fld id="{2566825D-2B69-4989-8861-A6901ABADB6C}" type="datetimeFigureOut">
               <a:rPr lang="ko-KR" altLang="en-US" smtClean="0"/>
-              <a:t>2019-09-10</a:t>
+              <a:t>2019-09-12</a:t>
             </a:fld>
             <a:endParaRPr lang="ko-KR" altLang="en-US"/>
           </a:p>
@@ -1612,7 +1612,7 @@
           <a:p>
             <a:fld id="{2566825D-2B69-4989-8861-A6901ABADB6C}" type="datetimeFigureOut">
               <a:rPr lang="ko-KR" altLang="en-US" smtClean="0"/>
-              <a:t>2019-09-10</a:t>
+              <a:t>2019-09-12</a:t>
             </a:fld>
             <a:endParaRPr lang="ko-KR" altLang="en-US"/>
           </a:p>
@@ -1790,7 +1790,7 @@
           <a:p>
             <a:fld id="{2566825D-2B69-4989-8861-A6901ABADB6C}" type="datetimeFigureOut">
               <a:rPr lang="ko-KR" altLang="en-US" smtClean="0"/>
-              <a:t>2019-09-10</a:t>
+              <a:t>2019-09-12</a:t>
             </a:fld>
             <a:endParaRPr lang="ko-KR" altLang="en-US"/>
           </a:p>
@@ -1958,7 +1958,7 @@
           <a:p>
             <a:fld id="{2566825D-2B69-4989-8861-A6901ABADB6C}" type="datetimeFigureOut">
               <a:rPr lang="ko-KR" altLang="en-US" smtClean="0"/>
-              <a:t>2019-09-10</a:t>
+              <a:t>2019-09-12</a:t>
             </a:fld>
             <a:endParaRPr lang="ko-KR" altLang="en-US"/>
           </a:p>
@@ -2203,7 +2203,7 @@
           <a:p>
             <a:fld id="{2566825D-2B69-4989-8861-A6901ABADB6C}" type="datetimeFigureOut">
               <a:rPr lang="ko-KR" altLang="en-US" smtClean="0"/>
-              <a:t>2019-09-10</a:t>
+              <a:t>2019-09-12</a:t>
             </a:fld>
             <a:endParaRPr lang="ko-KR" altLang="en-US"/>
           </a:p>
@@ -2432,7 +2432,7 @@
           <a:p>
             <a:fld id="{2566825D-2B69-4989-8861-A6901ABADB6C}" type="datetimeFigureOut">
               <a:rPr lang="ko-KR" altLang="en-US" smtClean="0"/>
-              <a:t>2019-09-10</a:t>
+              <a:t>2019-09-12</a:t>
             </a:fld>
             <a:endParaRPr lang="ko-KR" altLang="en-US"/>
           </a:p>
@@ -2796,7 +2796,7 @@
           <a:p>
             <a:fld id="{2566825D-2B69-4989-8861-A6901ABADB6C}" type="datetimeFigureOut">
               <a:rPr lang="ko-KR" altLang="en-US" smtClean="0"/>
-              <a:t>2019-09-10</a:t>
+              <a:t>2019-09-12</a:t>
             </a:fld>
             <a:endParaRPr lang="ko-KR" altLang="en-US"/>
           </a:p>
@@ -2913,7 +2913,7 @@
           <a:p>
             <a:fld id="{2566825D-2B69-4989-8861-A6901ABADB6C}" type="datetimeFigureOut">
               <a:rPr lang="ko-KR" altLang="en-US" smtClean="0"/>
-              <a:t>2019-09-10</a:t>
+              <a:t>2019-09-12</a:t>
             </a:fld>
             <a:endParaRPr lang="ko-KR" altLang="en-US"/>
           </a:p>
@@ -3008,7 +3008,7 @@
           <a:p>
             <a:fld id="{2566825D-2B69-4989-8861-A6901ABADB6C}" type="datetimeFigureOut">
               <a:rPr lang="ko-KR" altLang="en-US" smtClean="0"/>
-              <a:t>2019-09-10</a:t>
+              <a:t>2019-09-12</a:t>
             </a:fld>
             <a:endParaRPr lang="ko-KR" altLang="en-US"/>
           </a:p>
@@ -3283,7 +3283,7 @@
           <a:p>
             <a:fld id="{2566825D-2B69-4989-8861-A6901ABADB6C}" type="datetimeFigureOut">
               <a:rPr lang="ko-KR" altLang="en-US" smtClean="0"/>
-              <a:t>2019-09-10</a:t>
+              <a:t>2019-09-12</a:t>
             </a:fld>
             <a:endParaRPr lang="ko-KR" altLang="en-US"/>
           </a:p>
@@ -3535,7 +3535,7 @@
           <a:p>
             <a:fld id="{2566825D-2B69-4989-8861-A6901ABADB6C}" type="datetimeFigureOut">
               <a:rPr lang="ko-KR" altLang="en-US" smtClean="0"/>
-              <a:t>2019-09-10</a:t>
+              <a:t>2019-09-12</a:t>
             </a:fld>
             <a:endParaRPr lang="ko-KR" altLang="en-US"/>
           </a:p>
@@ -3746,7 +3746,7 @@
           <a:p>
             <a:fld id="{2566825D-2B69-4989-8861-A6901ABADB6C}" type="datetimeFigureOut">
               <a:rPr lang="ko-KR" altLang="en-US" smtClean="0"/>
-              <a:t>2019-09-10</a:t>
+              <a:t>2019-09-12</a:t>
             </a:fld>
             <a:endParaRPr lang="ko-KR" altLang="en-US"/>
           </a:p>
@@ -4156,7 +4156,7 @@
           <p:cNvPr id="4" name="직사각형 3">
             <a:extLst>
               <a:ext uri="{FF2B5EF4-FFF2-40B4-BE49-F238E27FC236}">
-                <a16:creationId xmlns:a16="http://schemas.microsoft.com/office/drawing/2014/main" xmlns="" id="{662EED2D-DC77-439C-BE9A-599F689899D0}"/>
+                <a16:creationId xmlns="" xmlns:a16="http://schemas.microsoft.com/office/drawing/2014/main" id="{662EED2D-DC77-439C-BE9A-599F689899D0}"/>
               </a:ext>
             </a:extLst>
           </p:cNvPr>
@@ -4209,7 +4209,7 @@
           <p:cNvPr id="5" name="직사각형 4">
             <a:extLst>
               <a:ext uri="{FF2B5EF4-FFF2-40B4-BE49-F238E27FC236}">
-                <a16:creationId xmlns:a16="http://schemas.microsoft.com/office/drawing/2014/main" xmlns="" id="{F1AC59C6-D699-41D6-96E3-63128548A69E}"/>
+                <a16:creationId xmlns="" xmlns:a16="http://schemas.microsoft.com/office/drawing/2014/main" id="{F1AC59C6-D699-41D6-96E3-63128548A69E}"/>
               </a:ext>
             </a:extLst>
           </p:cNvPr>
@@ -4258,7 +4258,7 @@
           <p:cNvPr id="6" name="그림 6">
             <a:extLst>
               <a:ext uri="{FF2B5EF4-FFF2-40B4-BE49-F238E27FC236}">
-                <a16:creationId xmlns:a16="http://schemas.microsoft.com/office/drawing/2014/main" xmlns="" id="{5B4E7F24-3B24-44EB-8B3B-5A81933AC823}"/>
+                <a16:creationId xmlns="" xmlns:a16="http://schemas.microsoft.com/office/drawing/2014/main" id="{5B4E7F24-3B24-44EB-8B3B-5A81933AC823}"/>
               </a:ext>
             </a:extLst>
           </p:cNvPr>
@@ -4288,7 +4288,7 @@
           <p:cNvPr id="8" name="직사각형 7">
             <a:extLst>
               <a:ext uri="{FF2B5EF4-FFF2-40B4-BE49-F238E27FC236}">
-                <a16:creationId xmlns:a16="http://schemas.microsoft.com/office/drawing/2014/main" xmlns="" id="{C12A37CD-AF80-4421-BED9-994A9597759C}"/>
+                <a16:creationId xmlns="" xmlns:a16="http://schemas.microsoft.com/office/drawing/2014/main" id="{C12A37CD-AF80-4421-BED9-994A9597759C}"/>
               </a:ext>
             </a:extLst>
           </p:cNvPr>
@@ -4340,7 +4340,7 @@
           <p:cNvPr id="9" name="TextBox 8">
             <a:extLst>
               <a:ext uri="{FF2B5EF4-FFF2-40B4-BE49-F238E27FC236}">
-                <a16:creationId xmlns:a16="http://schemas.microsoft.com/office/drawing/2014/main" xmlns="" id="{4261AFC4-0504-49B1-8039-6A9B681520AF}"/>
+                <a16:creationId xmlns="" xmlns:a16="http://schemas.microsoft.com/office/drawing/2014/main" id="{4261AFC4-0504-49B1-8039-6A9B681520AF}"/>
               </a:ext>
             </a:extLst>
           </p:cNvPr>
@@ -4429,7 +4429,7 @@
           <p:cNvPr id="10" name="직사각형 9">
             <a:extLst>
               <a:ext uri="{FF2B5EF4-FFF2-40B4-BE49-F238E27FC236}">
-                <a16:creationId xmlns:a16="http://schemas.microsoft.com/office/drawing/2014/main" xmlns="" id="{794E0053-C0A4-4D50-930C-3FD689F49F5E}"/>
+                <a16:creationId xmlns="" xmlns:a16="http://schemas.microsoft.com/office/drawing/2014/main" id="{794E0053-C0A4-4D50-930C-3FD689F49F5E}"/>
               </a:ext>
             </a:extLst>
           </p:cNvPr>
@@ -4657,7 +4657,7 @@
           <p:cNvPr id="2" name="직사각형 1">
             <a:extLst>
               <a:ext uri="{FF2B5EF4-FFF2-40B4-BE49-F238E27FC236}">
-                <a16:creationId xmlns:a16="http://schemas.microsoft.com/office/drawing/2014/main" xmlns="" id="{D6234BAF-C4FC-46D2-AB2C-C2D25BF17574}"/>
+                <a16:creationId xmlns="" xmlns:a16="http://schemas.microsoft.com/office/drawing/2014/main" id="{D6234BAF-C4FC-46D2-AB2C-C2D25BF17574}"/>
               </a:ext>
             </a:extLst>
           </p:cNvPr>
@@ -4706,7 +4706,7 @@
           <p:cNvPr id="22" name="직사각형 21">
             <a:extLst>
               <a:ext uri="{FF2B5EF4-FFF2-40B4-BE49-F238E27FC236}">
-                <a16:creationId xmlns:a16="http://schemas.microsoft.com/office/drawing/2014/main" xmlns="" id="{7BC49D59-8A7A-4BB7-BB5B-1A3BA1950BCB}"/>
+                <a16:creationId xmlns="" xmlns:a16="http://schemas.microsoft.com/office/drawing/2014/main" id="{7BC49D59-8A7A-4BB7-BB5B-1A3BA1950BCB}"/>
               </a:ext>
             </a:extLst>
           </p:cNvPr>
@@ -4753,7 +4753,7 @@
           <p:cNvPr id="3" name="직사각형 2">
             <a:extLst>
               <a:ext uri="{FF2B5EF4-FFF2-40B4-BE49-F238E27FC236}">
-                <a16:creationId xmlns:a16="http://schemas.microsoft.com/office/drawing/2014/main" xmlns="" id="{F1B2AB44-9008-4704-A115-A0C806E44950}"/>
+                <a16:creationId xmlns="" xmlns:a16="http://schemas.microsoft.com/office/drawing/2014/main" id="{F1B2AB44-9008-4704-A115-A0C806E44950}"/>
               </a:ext>
             </a:extLst>
           </p:cNvPr>
@@ -4800,7 +4800,7 @@
           <p:cNvPr id="7" name="직사각형 6">
             <a:extLst>
               <a:ext uri="{FF2B5EF4-FFF2-40B4-BE49-F238E27FC236}">
-                <a16:creationId xmlns:a16="http://schemas.microsoft.com/office/drawing/2014/main" xmlns="" id="{73EAB39D-5D45-423A-8B7D-5BE1B632E98A}"/>
+                <a16:creationId xmlns="" xmlns:a16="http://schemas.microsoft.com/office/drawing/2014/main" id="{73EAB39D-5D45-423A-8B7D-5BE1B632E98A}"/>
               </a:ext>
             </a:extLst>
           </p:cNvPr>
@@ -4847,7 +4847,7 @@
           <p:cNvPr id="11" name="TextBox 10">
             <a:extLst>
               <a:ext uri="{FF2B5EF4-FFF2-40B4-BE49-F238E27FC236}">
-                <a16:creationId xmlns:a16="http://schemas.microsoft.com/office/drawing/2014/main" xmlns="" id="{56D4D5EC-5D24-44F9-B40C-F2E5BC7807E9}"/>
+                <a16:creationId xmlns="" xmlns:a16="http://schemas.microsoft.com/office/drawing/2014/main" id="{56D4D5EC-5D24-44F9-B40C-F2E5BC7807E9}"/>
               </a:ext>
             </a:extLst>
           </p:cNvPr>
@@ -4912,7 +4912,7 @@
           <p:cNvPr id="5" name="내용 개체 틀 4" descr="스크린샷이(가) 표시된 사진&#10;&#10;자동 생성된 설명">
             <a:extLst>
               <a:ext uri="{FF2B5EF4-FFF2-40B4-BE49-F238E27FC236}">
-                <a16:creationId xmlns:a16="http://schemas.microsoft.com/office/drawing/2014/main" xmlns="" id="{FF419746-8082-48F3-B184-5E03A1C5D934}"/>
+                <a16:creationId xmlns="" xmlns:a16="http://schemas.microsoft.com/office/drawing/2014/main" id="{FF419746-8082-48F3-B184-5E03A1C5D934}"/>
               </a:ext>
             </a:extLst>
           </p:cNvPr>
@@ -4947,7 +4947,7 @@
           <p:cNvPr id="8" name="직사각형 7">
             <a:extLst>
               <a:ext uri="{FF2B5EF4-FFF2-40B4-BE49-F238E27FC236}">
-                <a16:creationId xmlns:a16="http://schemas.microsoft.com/office/drawing/2014/main" xmlns="" id="{855A2D0E-F143-443F-8D30-6351D883E429}"/>
+                <a16:creationId xmlns="" xmlns:a16="http://schemas.microsoft.com/office/drawing/2014/main" id="{855A2D0E-F143-443F-8D30-6351D883E429}"/>
               </a:ext>
             </a:extLst>
           </p:cNvPr>
@@ -5000,7 +5000,7 @@
           <p:cNvPr id="9" name="그림 6">
             <a:extLst>
               <a:ext uri="{FF2B5EF4-FFF2-40B4-BE49-F238E27FC236}">
-                <a16:creationId xmlns:a16="http://schemas.microsoft.com/office/drawing/2014/main" xmlns="" id="{147FC6C9-2336-4E0A-A954-5769408A7434}"/>
+                <a16:creationId xmlns="" xmlns:a16="http://schemas.microsoft.com/office/drawing/2014/main" id="{147FC6C9-2336-4E0A-A954-5769408A7434}"/>
               </a:ext>
             </a:extLst>
           </p:cNvPr>
@@ -5030,7 +5030,7 @@
           <p:cNvPr id="10" name="직사각형 9">
             <a:extLst>
               <a:ext uri="{FF2B5EF4-FFF2-40B4-BE49-F238E27FC236}">
-                <a16:creationId xmlns:a16="http://schemas.microsoft.com/office/drawing/2014/main" xmlns="" id="{0B0B0024-6F94-4E5D-92AE-53B96921E42E}"/>
+                <a16:creationId xmlns="" xmlns:a16="http://schemas.microsoft.com/office/drawing/2014/main" id="{0B0B0024-6F94-4E5D-92AE-53B96921E42E}"/>
               </a:ext>
             </a:extLst>
           </p:cNvPr>
@@ -5082,7 +5082,7 @@
           <p:cNvPr id="11" name="TextBox 10">
             <a:extLst>
               <a:ext uri="{FF2B5EF4-FFF2-40B4-BE49-F238E27FC236}">
-                <a16:creationId xmlns:a16="http://schemas.microsoft.com/office/drawing/2014/main" xmlns="" id="{B3CC8135-D18B-452E-8CCC-CB77FB4BCC0E}"/>
+                <a16:creationId xmlns="" xmlns:a16="http://schemas.microsoft.com/office/drawing/2014/main" id="{B3CC8135-D18B-452E-8CCC-CB77FB4BCC0E}"/>
               </a:ext>
             </a:extLst>
           </p:cNvPr>
@@ -5171,7 +5171,7 @@
           <p:cNvPr id="12" name="직사각형 11">
             <a:extLst>
               <a:ext uri="{FF2B5EF4-FFF2-40B4-BE49-F238E27FC236}">
-                <a16:creationId xmlns:a16="http://schemas.microsoft.com/office/drawing/2014/main" xmlns="" id="{29F330D0-08F2-4F08-B833-D2CB443D0DF8}"/>
+                <a16:creationId xmlns="" xmlns:a16="http://schemas.microsoft.com/office/drawing/2014/main" id="{29F330D0-08F2-4F08-B833-D2CB443D0DF8}"/>
               </a:ext>
             </a:extLst>
           </p:cNvPr>
@@ -5429,7 +5429,7 @@
           <p:cNvPr id="2" name="제목 1">
             <a:extLst>
               <a:ext uri="{FF2B5EF4-FFF2-40B4-BE49-F238E27FC236}">
-                <a16:creationId xmlns:a16="http://schemas.microsoft.com/office/drawing/2014/main" xmlns="" id="{1C19F759-A4E6-4D79-97FB-415807DEA62C}"/>
+                <a16:creationId xmlns="" xmlns:a16="http://schemas.microsoft.com/office/drawing/2014/main" id="{1C19F759-A4E6-4D79-97FB-415807DEA62C}"/>
               </a:ext>
             </a:extLst>
           </p:cNvPr>
@@ -5466,7 +5466,7 @@
           <p:cNvPr id="5" name="내용 개체 틀 4">
             <a:extLst>
               <a:ext uri="{FF2B5EF4-FFF2-40B4-BE49-F238E27FC236}">
-                <a16:creationId xmlns:a16="http://schemas.microsoft.com/office/drawing/2014/main" xmlns="" id="{B66E31F6-7AD5-41FB-A733-49BD66898D29}"/>
+                <a16:creationId xmlns="" xmlns:a16="http://schemas.microsoft.com/office/drawing/2014/main" id="{B66E31F6-7AD5-41FB-A733-49BD66898D29}"/>
               </a:ext>
             </a:extLst>
           </p:cNvPr>
@@ -5531,7 +5531,7 @@
           <p:cNvPr id="2" name="제목 1">
             <a:extLst>
               <a:ext uri="{FF2B5EF4-FFF2-40B4-BE49-F238E27FC236}">
-                <a16:creationId xmlns:a16="http://schemas.microsoft.com/office/drawing/2014/main" xmlns="" id="{F529629C-9A55-4258-8EC6-43464FD6EA0A}"/>
+                <a16:creationId xmlns="" xmlns:a16="http://schemas.microsoft.com/office/drawing/2014/main" id="{F529629C-9A55-4258-8EC6-43464FD6EA0A}"/>
               </a:ext>
             </a:extLst>
           </p:cNvPr>
@@ -5559,7 +5559,7 @@
           <p:cNvPr id="5" name="내용 개체 틀 4" descr="스크린샷이(가) 표시된 사진&#10;&#10;자동 생성된 설명">
             <a:extLst>
               <a:ext uri="{FF2B5EF4-FFF2-40B4-BE49-F238E27FC236}">
-                <a16:creationId xmlns:a16="http://schemas.microsoft.com/office/drawing/2014/main" xmlns="" id="{C064C5B4-7189-4E26-A960-D785B3463B33}"/>
+                <a16:creationId xmlns="" xmlns:a16="http://schemas.microsoft.com/office/drawing/2014/main" id="{C064C5B4-7189-4E26-A960-D785B3463B33}"/>
               </a:ext>
             </a:extLst>
           </p:cNvPr>
@@ -5624,7 +5624,7 @@
           <p:cNvPr id="2" name="제목 1">
             <a:extLst>
               <a:ext uri="{FF2B5EF4-FFF2-40B4-BE49-F238E27FC236}">
-                <a16:creationId xmlns:a16="http://schemas.microsoft.com/office/drawing/2014/main" xmlns="" id="{9F412F72-FA34-4FD3-BE27-0C0CF816CF43}"/>
+                <a16:creationId xmlns="" xmlns:a16="http://schemas.microsoft.com/office/drawing/2014/main" id="{9F412F72-FA34-4FD3-BE27-0C0CF816CF43}"/>
               </a:ext>
             </a:extLst>
           </p:cNvPr>
@@ -5661,7 +5661,7 @@
           <p:cNvPr id="5" name="내용 개체 틀 4" descr="스크린샷이(가) 표시된 사진&#10;&#10;자동 생성된 설명">
             <a:extLst>
               <a:ext uri="{FF2B5EF4-FFF2-40B4-BE49-F238E27FC236}">
-                <a16:creationId xmlns:a16="http://schemas.microsoft.com/office/drawing/2014/main" xmlns="" id="{F4CA1BD3-31A3-4D86-AC12-C271802F1ED1}"/>
+                <a16:creationId xmlns="" xmlns:a16="http://schemas.microsoft.com/office/drawing/2014/main" id="{F4CA1BD3-31A3-4D86-AC12-C271802F1ED1}"/>
               </a:ext>
             </a:extLst>
           </p:cNvPr>
@@ -5726,7 +5726,7 @@
           <p:cNvPr id="2" name="제목 1">
             <a:extLst>
               <a:ext uri="{FF2B5EF4-FFF2-40B4-BE49-F238E27FC236}">
-                <a16:creationId xmlns:a16="http://schemas.microsoft.com/office/drawing/2014/main" xmlns="" id="{F47B8870-78C5-4440-B777-4ACCBB2B9541}"/>
+                <a16:creationId xmlns="" xmlns:a16="http://schemas.microsoft.com/office/drawing/2014/main" id="{F47B8870-78C5-4440-B777-4ACCBB2B9541}"/>
               </a:ext>
             </a:extLst>
           </p:cNvPr>
@@ -5787,7 +5787,7 @@
           <p:cNvPr id="5" name="내용 개체 틀 4" descr="스크린샷이(가) 표시된 사진&#10;&#10;자동 생성된 설명">
             <a:extLst>
               <a:ext uri="{FF2B5EF4-FFF2-40B4-BE49-F238E27FC236}">
-                <a16:creationId xmlns:a16="http://schemas.microsoft.com/office/drawing/2014/main" xmlns="" id="{2FC1C3C9-A9F9-4118-918C-718E28D082AE}"/>
+                <a16:creationId xmlns="" xmlns:a16="http://schemas.microsoft.com/office/drawing/2014/main" id="{2FC1C3C9-A9F9-4118-918C-718E28D082AE}"/>
               </a:ext>
             </a:extLst>
           </p:cNvPr>
@@ -5852,7 +5852,7 @@
           <p:cNvPr id="2" name="제목 1">
             <a:extLst>
               <a:ext uri="{FF2B5EF4-FFF2-40B4-BE49-F238E27FC236}">
-                <a16:creationId xmlns:a16="http://schemas.microsoft.com/office/drawing/2014/main" xmlns="" id="{F73898FC-283E-4539-91E2-BC09FD0D2E42}"/>
+                <a16:creationId xmlns="" xmlns:a16="http://schemas.microsoft.com/office/drawing/2014/main" id="{F73898FC-283E-4539-91E2-BC09FD0D2E42}"/>
               </a:ext>
             </a:extLst>
           </p:cNvPr>
@@ -5913,7 +5913,7 @@
           <p:cNvPr id="5" name="내용 개체 틀 4" descr="스크린샷이(가) 표시된 사진&#10;&#10;자동 생성된 설명">
             <a:extLst>
               <a:ext uri="{FF2B5EF4-FFF2-40B4-BE49-F238E27FC236}">
-                <a16:creationId xmlns:a16="http://schemas.microsoft.com/office/drawing/2014/main" xmlns="" id="{EC5A0C35-1AE9-4148-92B6-3FAEB83C0748}"/>
+                <a16:creationId xmlns="" xmlns:a16="http://schemas.microsoft.com/office/drawing/2014/main" id="{EC5A0C35-1AE9-4148-92B6-3FAEB83C0748}"/>
               </a:ext>
             </a:extLst>
           </p:cNvPr>
@@ -5978,7 +5978,7 @@
           <p:cNvPr id="2" name="제목 1">
             <a:extLst>
               <a:ext uri="{FF2B5EF4-FFF2-40B4-BE49-F238E27FC236}">
-                <a16:creationId xmlns:a16="http://schemas.microsoft.com/office/drawing/2014/main" xmlns="" id="{92BD494C-75FC-4390-9F13-100089E3B7EC}"/>
+                <a16:creationId xmlns="" xmlns:a16="http://schemas.microsoft.com/office/drawing/2014/main" id="{92BD494C-75FC-4390-9F13-100089E3B7EC}"/>
               </a:ext>
             </a:extLst>
           </p:cNvPr>
@@ -6039,7 +6039,7 @@
           <p:cNvPr id="6" name="내용 개체 틀 5" descr="스크린샷이(가) 표시된 사진&#10;&#10;자동 생성된 설명">
             <a:extLst>
               <a:ext uri="{FF2B5EF4-FFF2-40B4-BE49-F238E27FC236}">
-                <a16:creationId xmlns:a16="http://schemas.microsoft.com/office/drawing/2014/main" xmlns="" id="{7228AA51-C319-4DE0-85AE-1C4F57AEA300}"/>
+                <a16:creationId xmlns="" xmlns:a16="http://schemas.microsoft.com/office/drawing/2014/main" id="{7228AA51-C319-4DE0-85AE-1C4F57AEA300}"/>
               </a:ext>
             </a:extLst>
           </p:cNvPr>
@@ -6104,7 +6104,7 @@
           <p:cNvPr id="4" name="직사각형 3">
             <a:extLst>
               <a:ext uri="{FF2B5EF4-FFF2-40B4-BE49-F238E27FC236}">
-                <a16:creationId xmlns:a16="http://schemas.microsoft.com/office/drawing/2014/main" xmlns="" id="{5002C9A2-20C5-4C69-BA15-A8EE6FE2721D}"/>
+                <a16:creationId xmlns="" xmlns:a16="http://schemas.microsoft.com/office/drawing/2014/main" id="{5002C9A2-20C5-4C69-BA15-A8EE6FE2721D}"/>
               </a:ext>
             </a:extLst>
           </p:cNvPr>
@@ -6157,7 +6157,7 @@
           <p:cNvPr id="5" name="그림 6">
             <a:extLst>
               <a:ext uri="{FF2B5EF4-FFF2-40B4-BE49-F238E27FC236}">
-                <a16:creationId xmlns:a16="http://schemas.microsoft.com/office/drawing/2014/main" xmlns="" id="{AA01CC00-859A-44F0-9309-6FD71FC35AE0}"/>
+                <a16:creationId xmlns="" xmlns:a16="http://schemas.microsoft.com/office/drawing/2014/main" id="{AA01CC00-859A-44F0-9309-6FD71FC35AE0}"/>
               </a:ext>
             </a:extLst>
           </p:cNvPr>
@@ -6187,7 +6187,7 @@
           <p:cNvPr id="6" name="직사각형 5">
             <a:extLst>
               <a:ext uri="{FF2B5EF4-FFF2-40B4-BE49-F238E27FC236}">
-                <a16:creationId xmlns:a16="http://schemas.microsoft.com/office/drawing/2014/main" xmlns="" id="{0CF99022-8DAC-4FF7-8B82-15F740CC685A}"/>
+                <a16:creationId xmlns="" xmlns:a16="http://schemas.microsoft.com/office/drawing/2014/main" id="{0CF99022-8DAC-4FF7-8B82-15F740CC685A}"/>
               </a:ext>
             </a:extLst>
           </p:cNvPr>
@@ -6239,7 +6239,7 @@
           <p:cNvPr id="7" name="TextBox 6">
             <a:extLst>
               <a:ext uri="{FF2B5EF4-FFF2-40B4-BE49-F238E27FC236}">
-                <a16:creationId xmlns:a16="http://schemas.microsoft.com/office/drawing/2014/main" xmlns="" id="{7AEF5A1A-3F7F-4391-8811-81FFC8820FBF}"/>
+                <a16:creationId xmlns="" xmlns:a16="http://schemas.microsoft.com/office/drawing/2014/main" id="{7AEF5A1A-3F7F-4391-8811-81FFC8820FBF}"/>
               </a:ext>
             </a:extLst>
           </p:cNvPr>
@@ -6328,7 +6328,7 @@
           <p:cNvPr id="8" name="직사각형 7">
             <a:extLst>
               <a:ext uri="{FF2B5EF4-FFF2-40B4-BE49-F238E27FC236}">
-                <a16:creationId xmlns:a16="http://schemas.microsoft.com/office/drawing/2014/main" xmlns="" id="{1C27E313-7A28-4130-BAFD-845A0A1AF899}"/>
+                <a16:creationId xmlns="" xmlns:a16="http://schemas.microsoft.com/office/drawing/2014/main" id="{1C27E313-7A28-4130-BAFD-845A0A1AF899}"/>
               </a:ext>
             </a:extLst>
           </p:cNvPr>
@@ -6556,7 +6556,7 @@
           <p:cNvPr id="9" name="내용 개체 틀 4" descr="스크린샷이(가) 표시된 사진&#10;&#10;자동 생성된 설명">
             <a:extLst>
               <a:ext uri="{FF2B5EF4-FFF2-40B4-BE49-F238E27FC236}">
-                <a16:creationId xmlns:a16="http://schemas.microsoft.com/office/drawing/2014/main" xmlns="" id="{794F1BFE-AB39-4494-A795-353DFD966607}"/>
+                <a16:creationId xmlns="" xmlns:a16="http://schemas.microsoft.com/office/drawing/2014/main" id="{794F1BFE-AB39-4494-A795-353DFD966607}"/>
               </a:ext>
             </a:extLst>
           </p:cNvPr>
@@ -6621,7 +6621,7 @@
           <p:cNvPr id="3" name="내용 개체 틀 2">
             <a:extLst>
               <a:ext uri="{FF2B5EF4-FFF2-40B4-BE49-F238E27FC236}">
-                <a16:creationId xmlns:a16="http://schemas.microsoft.com/office/drawing/2014/main" xmlns="" id="{9719F892-DF04-45F5-BC42-ED39790D4715}"/>
+                <a16:creationId xmlns="" xmlns:a16="http://schemas.microsoft.com/office/drawing/2014/main" id="{9719F892-DF04-45F5-BC42-ED39790D4715}"/>
               </a:ext>
             </a:extLst>
           </p:cNvPr>
@@ -6711,7 +6711,7 @@
           <p:cNvPr id="2" name="제목 1">
             <a:extLst>
               <a:ext uri="{FF2B5EF4-FFF2-40B4-BE49-F238E27FC236}">
-                <a16:creationId xmlns:a16="http://schemas.microsoft.com/office/drawing/2014/main" xmlns="" id="{8E97CA95-1069-4078-A7A4-8B4F8F90222F}"/>
+                <a16:creationId xmlns="" xmlns:a16="http://schemas.microsoft.com/office/drawing/2014/main" id="{8E97CA95-1069-4078-A7A4-8B4F8F90222F}"/>
               </a:ext>
             </a:extLst>
           </p:cNvPr>
@@ -6740,7 +6740,7 @@
           <p:cNvPr id="5" name="내용 개체 틀 4">
             <a:extLst>
               <a:ext uri="{FF2B5EF4-FFF2-40B4-BE49-F238E27FC236}">
-                <a16:creationId xmlns:a16="http://schemas.microsoft.com/office/drawing/2014/main" xmlns="" id="{2880E9F4-CC56-464E-B498-B25114716C2B}"/>
+                <a16:creationId xmlns="" xmlns:a16="http://schemas.microsoft.com/office/drawing/2014/main" id="{2880E9F4-CC56-464E-B498-B25114716C2B}"/>
               </a:ext>
             </a:extLst>
           </p:cNvPr>
@@ -6805,7 +6805,7 @@
           <p:cNvPr id="2" name="제목 1">
             <a:extLst>
               <a:ext uri="{FF2B5EF4-FFF2-40B4-BE49-F238E27FC236}">
-                <a16:creationId xmlns:a16="http://schemas.microsoft.com/office/drawing/2014/main" xmlns="" id="{220B5673-E4B7-4245-93FF-89E47B0D7D4E}"/>
+                <a16:creationId xmlns="" xmlns:a16="http://schemas.microsoft.com/office/drawing/2014/main" id="{220B5673-E4B7-4245-93FF-89E47B0D7D4E}"/>
               </a:ext>
             </a:extLst>
           </p:cNvPr>
@@ -6834,7 +6834,7 @@
           <p:cNvPr id="4" name="그림 3" descr="스크린샷이(가) 표시된 사진&#10;&#10;자동 생성된 설명">
             <a:extLst>
               <a:ext uri="{FF2B5EF4-FFF2-40B4-BE49-F238E27FC236}">
-                <a16:creationId xmlns:a16="http://schemas.microsoft.com/office/drawing/2014/main" xmlns="" id="{EEBE937B-0846-4A7D-A9C2-98A111E87170}"/>
+                <a16:creationId xmlns="" xmlns:a16="http://schemas.microsoft.com/office/drawing/2014/main" id="{EEBE937B-0846-4A7D-A9C2-98A111E87170}"/>
               </a:ext>
             </a:extLst>
           </p:cNvPr>
@@ -6900,7 +6900,7 @@
           <p:cNvPr id="4" name="직사각형 3">
             <a:extLst>
               <a:ext uri="{FF2B5EF4-FFF2-40B4-BE49-F238E27FC236}">
-                <a16:creationId xmlns:a16="http://schemas.microsoft.com/office/drawing/2014/main" xmlns="" id="{C932A5C2-42C2-48C4-B066-3CE4A394EC0A}"/>
+                <a16:creationId xmlns="" xmlns:a16="http://schemas.microsoft.com/office/drawing/2014/main" id="{C932A5C2-42C2-48C4-B066-3CE4A394EC0A}"/>
               </a:ext>
             </a:extLst>
           </p:cNvPr>
@@ -6953,7 +6953,7 @@
           <p:cNvPr id="5" name="그림 6">
             <a:extLst>
               <a:ext uri="{FF2B5EF4-FFF2-40B4-BE49-F238E27FC236}">
-                <a16:creationId xmlns:a16="http://schemas.microsoft.com/office/drawing/2014/main" xmlns="" id="{E7BBADCE-ABCA-4CF7-9132-C63C5894DD30}"/>
+                <a16:creationId xmlns="" xmlns:a16="http://schemas.microsoft.com/office/drawing/2014/main" id="{E7BBADCE-ABCA-4CF7-9132-C63C5894DD30}"/>
               </a:ext>
             </a:extLst>
           </p:cNvPr>
@@ -6983,7 +6983,7 @@
           <p:cNvPr id="6" name="직사각형 5">
             <a:extLst>
               <a:ext uri="{FF2B5EF4-FFF2-40B4-BE49-F238E27FC236}">
-                <a16:creationId xmlns:a16="http://schemas.microsoft.com/office/drawing/2014/main" xmlns="" id="{F7FF1DD7-87FD-45EF-BF09-18387120F22E}"/>
+                <a16:creationId xmlns="" xmlns:a16="http://schemas.microsoft.com/office/drawing/2014/main" id="{F7FF1DD7-87FD-45EF-BF09-18387120F22E}"/>
               </a:ext>
             </a:extLst>
           </p:cNvPr>
@@ -7035,7 +7035,7 @@
           <p:cNvPr id="7" name="TextBox 6">
             <a:extLst>
               <a:ext uri="{FF2B5EF4-FFF2-40B4-BE49-F238E27FC236}">
-                <a16:creationId xmlns:a16="http://schemas.microsoft.com/office/drawing/2014/main" xmlns="" id="{3EA97C71-1591-41DF-B47D-7362885DB618}"/>
+                <a16:creationId xmlns="" xmlns:a16="http://schemas.microsoft.com/office/drawing/2014/main" id="{3EA97C71-1591-41DF-B47D-7362885DB618}"/>
               </a:ext>
             </a:extLst>
           </p:cNvPr>
@@ -7124,7 +7124,7 @@
           <p:cNvPr id="8" name="직사각형 7">
             <a:extLst>
               <a:ext uri="{FF2B5EF4-FFF2-40B4-BE49-F238E27FC236}">
-                <a16:creationId xmlns:a16="http://schemas.microsoft.com/office/drawing/2014/main" xmlns="" id="{06D7958C-3E67-4F5B-AE92-EEE6D27CE9DB}"/>
+                <a16:creationId xmlns="" xmlns:a16="http://schemas.microsoft.com/office/drawing/2014/main" id="{06D7958C-3E67-4F5B-AE92-EEE6D27CE9DB}"/>
               </a:ext>
             </a:extLst>
           </p:cNvPr>
@@ -7352,7 +7352,7 @@
           <p:cNvPr id="9" name="직사각형 8">
             <a:extLst>
               <a:ext uri="{FF2B5EF4-FFF2-40B4-BE49-F238E27FC236}">
-                <a16:creationId xmlns:a16="http://schemas.microsoft.com/office/drawing/2014/main" xmlns="" id="{2C20B71A-5056-4EDA-A21F-ABD34EEB64F8}"/>
+                <a16:creationId xmlns="" xmlns:a16="http://schemas.microsoft.com/office/drawing/2014/main" id="{2C20B71A-5056-4EDA-A21F-ABD34EEB64F8}"/>
               </a:ext>
             </a:extLst>
           </p:cNvPr>
@@ -7401,7 +7401,7 @@
           <p:cNvPr id="12" name="표 12">
             <a:extLst>
               <a:ext uri="{FF2B5EF4-FFF2-40B4-BE49-F238E27FC236}">
-                <a16:creationId xmlns:a16="http://schemas.microsoft.com/office/drawing/2014/main" xmlns="" id="{447AB1D2-00A8-4858-87E6-88F63264D9C4}"/>
+                <a16:creationId xmlns="" xmlns:a16="http://schemas.microsoft.com/office/drawing/2014/main" id="{447AB1D2-00A8-4858-87E6-88F63264D9C4}"/>
               </a:ext>
             </a:extLst>
           </p:cNvPr>
@@ -7430,28 +7430,28 @@
                 <a:gridCol w="1172246">
                   <a:extLst>
                     <a:ext uri="{9D8B030D-6E8A-4147-A177-3AD203B41FA5}">
-                      <a16:colId xmlns:a16="http://schemas.microsoft.com/office/drawing/2014/main" xmlns="" val="3524248036"/>
+                      <a16:colId xmlns="" xmlns:a16="http://schemas.microsoft.com/office/drawing/2014/main" val="3524248036"/>
                     </a:ext>
                   </a:extLst>
                 </a:gridCol>
                 <a:gridCol w="1172246">
                   <a:extLst>
                     <a:ext uri="{9D8B030D-6E8A-4147-A177-3AD203B41FA5}">
-                      <a16:colId xmlns:a16="http://schemas.microsoft.com/office/drawing/2014/main" xmlns="" val="3895036845"/>
+                      <a16:colId xmlns="" xmlns:a16="http://schemas.microsoft.com/office/drawing/2014/main" val="3895036845"/>
                     </a:ext>
                   </a:extLst>
                 </a:gridCol>
                 <a:gridCol w="1172246">
                   <a:extLst>
                     <a:ext uri="{9D8B030D-6E8A-4147-A177-3AD203B41FA5}">
-                      <a16:colId xmlns:a16="http://schemas.microsoft.com/office/drawing/2014/main" xmlns="" val="4033651269"/>
+                      <a16:colId xmlns="" xmlns:a16="http://schemas.microsoft.com/office/drawing/2014/main" val="4033651269"/>
                     </a:ext>
                   </a:extLst>
                 </a:gridCol>
                 <a:gridCol w="1172246">
                   <a:extLst>
                     <a:ext uri="{9D8B030D-6E8A-4147-A177-3AD203B41FA5}">
-                      <a16:colId xmlns:a16="http://schemas.microsoft.com/office/drawing/2014/main" xmlns="" val="2287903872"/>
+                      <a16:colId xmlns="" xmlns:a16="http://schemas.microsoft.com/office/drawing/2014/main" val="2287903872"/>
                     </a:ext>
                   </a:extLst>
                 </a:gridCol>
@@ -7515,7 +7515,7 @@
                 </a:tc>
                 <a:extLst>
                   <a:ext uri="{0D108BD9-81ED-4DB2-BD59-A6C34878D82A}">
-                    <a16:rowId xmlns:a16="http://schemas.microsoft.com/office/drawing/2014/main" xmlns="" val="4163330646"/>
+                    <a16:rowId xmlns="" xmlns:a16="http://schemas.microsoft.com/office/drawing/2014/main" val="4163330646"/>
                   </a:ext>
                 </a:extLst>
               </a:tr>
@@ -7582,7 +7582,7 @@
                 </a:tc>
                 <a:extLst>
                   <a:ext uri="{0D108BD9-81ED-4DB2-BD59-A6C34878D82A}">
-                    <a16:rowId xmlns:a16="http://schemas.microsoft.com/office/drawing/2014/main" xmlns="" val="1758582279"/>
+                    <a16:rowId xmlns="" xmlns:a16="http://schemas.microsoft.com/office/drawing/2014/main" val="1758582279"/>
                   </a:ext>
                 </a:extLst>
               </a:tr>
@@ -7633,7 +7633,7 @@
                 </a:tc>
                 <a:extLst>
                   <a:ext uri="{0D108BD9-81ED-4DB2-BD59-A6C34878D82A}">
-                    <a16:rowId xmlns:a16="http://schemas.microsoft.com/office/drawing/2014/main" xmlns="" val="1510295061"/>
+                    <a16:rowId xmlns="" xmlns:a16="http://schemas.microsoft.com/office/drawing/2014/main" val="1510295061"/>
                   </a:ext>
                 </a:extLst>
               </a:tr>
@@ -7684,7 +7684,7 @@
                 </a:tc>
                 <a:extLst>
                   <a:ext uri="{0D108BD9-81ED-4DB2-BD59-A6C34878D82A}">
-                    <a16:rowId xmlns:a16="http://schemas.microsoft.com/office/drawing/2014/main" xmlns="" val="791493750"/>
+                    <a16:rowId xmlns="" xmlns:a16="http://schemas.microsoft.com/office/drawing/2014/main" val="791493750"/>
                   </a:ext>
                 </a:extLst>
               </a:tr>
@@ -7735,7 +7735,7 @@
                 </a:tc>
                 <a:extLst>
                   <a:ext uri="{0D108BD9-81ED-4DB2-BD59-A6C34878D82A}">
-                    <a16:rowId xmlns:a16="http://schemas.microsoft.com/office/drawing/2014/main" xmlns="" val="2404718922"/>
+                    <a16:rowId xmlns="" xmlns:a16="http://schemas.microsoft.com/office/drawing/2014/main" val="2404718922"/>
                   </a:ext>
                 </a:extLst>
               </a:tr>
@@ -7786,7 +7786,7 @@
                 </a:tc>
                 <a:extLst>
                   <a:ext uri="{0D108BD9-81ED-4DB2-BD59-A6C34878D82A}">
-                    <a16:rowId xmlns:a16="http://schemas.microsoft.com/office/drawing/2014/main" xmlns="" val="1204893963"/>
+                    <a16:rowId xmlns="" xmlns:a16="http://schemas.microsoft.com/office/drawing/2014/main" val="1204893963"/>
                   </a:ext>
                 </a:extLst>
               </a:tr>
@@ -7837,7 +7837,7 @@
                 </a:tc>
                 <a:extLst>
                   <a:ext uri="{0D108BD9-81ED-4DB2-BD59-A6C34878D82A}">
-                    <a16:rowId xmlns:a16="http://schemas.microsoft.com/office/drawing/2014/main" xmlns="" val="98066888"/>
+                    <a16:rowId xmlns="" xmlns:a16="http://schemas.microsoft.com/office/drawing/2014/main" val="98066888"/>
                   </a:ext>
                 </a:extLst>
               </a:tr>
@@ -7888,7 +7888,7 @@
                 </a:tc>
                 <a:extLst>
                   <a:ext uri="{0D108BD9-81ED-4DB2-BD59-A6C34878D82A}">
-                    <a16:rowId xmlns:a16="http://schemas.microsoft.com/office/drawing/2014/main" xmlns="" val="2919783847"/>
+                    <a16:rowId xmlns="" xmlns:a16="http://schemas.microsoft.com/office/drawing/2014/main" val="2919783847"/>
                   </a:ext>
                 </a:extLst>
               </a:tr>
@@ -7901,7 +7901,7 @@
           <p:cNvPr id="14" name="표 14">
             <a:extLst>
               <a:ext uri="{FF2B5EF4-FFF2-40B4-BE49-F238E27FC236}">
-                <a16:creationId xmlns:a16="http://schemas.microsoft.com/office/drawing/2014/main" xmlns="" id="{4B7191DE-DB3D-4A56-884E-71F5A7BB3239}"/>
+                <a16:creationId xmlns="" xmlns:a16="http://schemas.microsoft.com/office/drawing/2014/main" id="{4B7191DE-DB3D-4A56-884E-71F5A7BB3239}"/>
               </a:ext>
             </a:extLst>
           </p:cNvPr>
@@ -7930,14 +7930,14 @@
                 <a:gridCol w="1357145">
                   <a:extLst>
                     <a:ext uri="{9D8B030D-6E8A-4147-A177-3AD203B41FA5}">
-                      <a16:colId xmlns:a16="http://schemas.microsoft.com/office/drawing/2014/main" xmlns="" val="3822490663"/>
+                      <a16:colId xmlns="" xmlns:a16="http://schemas.microsoft.com/office/drawing/2014/main" val="3822490663"/>
                     </a:ext>
                   </a:extLst>
                 </a:gridCol>
                 <a:gridCol w="3586659">
                   <a:extLst>
                     <a:ext uri="{9D8B030D-6E8A-4147-A177-3AD203B41FA5}">
-                      <a16:colId xmlns:a16="http://schemas.microsoft.com/office/drawing/2014/main" xmlns="" val="968136855"/>
+                      <a16:colId xmlns="" xmlns:a16="http://schemas.microsoft.com/office/drawing/2014/main" val="968136855"/>
                     </a:ext>
                   </a:extLst>
                 </a:gridCol>
@@ -7981,7 +7981,7 @@
                 </a:tc>
                 <a:extLst>
                   <a:ext uri="{0D108BD9-81ED-4DB2-BD59-A6C34878D82A}">
-                    <a16:rowId xmlns:a16="http://schemas.microsoft.com/office/drawing/2014/main" xmlns="" val="2919742206"/>
+                    <a16:rowId xmlns="" xmlns:a16="http://schemas.microsoft.com/office/drawing/2014/main" val="2919742206"/>
                   </a:ext>
                 </a:extLst>
               </a:tr>
@@ -8017,7 +8017,7 @@
                 </a:tc>
                 <a:extLst>
                   <a:ext uri="{0D108BD9-81ED-4DB2-BD59-A6C34878D82A}">
-                    <a16:rowId xmlns:a16="http://schemas.microsoft.com/office/drawing/2014/main" xmlns="" val="2601881495"/>
+                    <a16:rowId xmlns="" xmlns:a16="http://schemas.microsoft.com/office/drawing/2014/main" val="2601881495"/>
                   </a:ext>
                 </a:extLst>
               </a:tr>
@@ -8053,7 +8053,7 @@
                 </a:tc>
                 <a:extLst>
                   <a:ext uri="{0D108BD9-81ED-4DB2-BD59-A6C34878D82A}">
-                    <a16:rowId xmlns:a16="http://schemas.microsoft.com/office/drawing/2014/main" xmlns="" val="615561766"/>
+                    <a16:rowId xmlns="" xmlns:a16="http://schemas.microsoft.com/office/drawing/2014/main" val="615561766"/>
                   </a:ext>
                 </a:extLst>
               </a:tr>
@@ -8089,7 +8089,7 @@
                 </a:tc>
                 <a:extLst>
                   <a:ext uri="{0D108BD9-81ED-4DB2-BD59-A6C34878D82A}">
-                    <a16:rowId xmlns:a16="http://schemas.microsoft.com/office/drawing/2014/main" xmlns="" val="2915580938"/>
+                    <a16:rowId xmlns="" xmlns:a16="http://schemas.microsoft.com/office/drawing/2014/main" val="2915580938"/>
                   </a:ext>
                 </a:extLst>
               </a:tr>
@@ -8125,7 +8125,7 @@
                 </a:tc>
                 <a:extLst>
                   <a:ext uri="{0D108BD9-81ED-4DB2-BD59-A6C34878D82A}">
-                    <a16:rowId xmlns:a16="http://schemas.microsoft.com/office/drawing/2014/main" xmlns="" val="1333861005"/>
+                    <a16:rowId xmlns="" xmlns:a16="http://schemas.microsoft.com/office/drawing/2014/main" val="1333861005"/>
                   </a:ext>
                 </a:extLst>
               </a:tr>
@@ -8182,7 +8182,7 @@
                 </a:tc>
                 <a:extLst>
                   <a:ext uri="{0D108BD9-81ED-4DB2-BD59-A6C34878D82A}">
-                    <a16:rowId xmlns:a16="http://schemas.microsoft.com/office/drawing/2014/main" xmlns="" val="1008963362"/>
+                    <a16:rowId xmlns="" xmlns:a16="http://schemas.microsoft.com/office/drawing/2014/main" val="1008963362"/>
                   </a:ext>
                 </a:extLst>
               </a:tr>
@@ -8215,7 +8215,7 @@
                 </a:tc>
                 <a:extLst>
                   <a:ext uri="{0D108BD9-81ED-4DB2-BD59-A6C34878D82A}">
-                    <a16:rowId xmlns:a16="http://schemas.microsoft.com/office/drawing/2014/main" xmlns="" val="4159741647"/>
+                    <a16:rowId xmlns="" xmlns:a16="http://schemas.microsoft.com/office/drawing/2014/main" val="4159741647"/>
                   </a:ext>
                 </a:extLst>
               </a:tr>
@@ -8251,7 +8251,7 @@
                 </a:tc>
                 <a:extLst>
                   <a:ext uri="{0D108BD9-81ED-4DB2-BD59-A6C34878D82A}">
-                    <a16:rowId xmlns:a16="http://schemas.microsoft.com/office/drawing/2014/main" xmlns="" val="118312982"/>
+                    <a16:rowId xmlns="" xmlns:a16="http://schemas.microsoft.com/office/drawing/2014/main" val="118312982"/>
                   </a:ext>
                 </a:extLst>
               </a:tr>
@@ -8286,7 +8286,7 @@
                 </a:tc>
                 <a:extLst>
                   <a:ext uri="{0D108BD9-81ED-4DB2-BD59-A6C34878D82A}">
-                    <a16:rowId xmlns:a16="http://schemas.microsoft.com/office/drawing/2014/main" xmlns="" val="4017445001"/>
+                    <a16:rowId xmlns="" xmlns:a16="http://schemas.microsoft.com/office/drawing/2014/main" val="4017445001"/>
                   </a:ext>
                 </a:extLst>
               </a:tr>
@@ -8324,7 +8324,7 @@
                 </a:tc>
                 <a:extLst>
                   <a:ext uri="{0D108BD9-81ED-4DB2-BD59-A6C34878D82A}">
-                    <a16:rowId xmlns:a16="http://schemas.microsoft.com/office/drawing/2014/main" xmlns="" val="1711908149"/>
+                    <a16:rowId xmlns="" xmlns:a16="http://schemas.microsoft.com/office/drawing/2014/main" val="1711908149"/>
                   </a:ext>
                 </a:extLst>
               </a:tr>
@@ -8360,7 +8360,7 @@
                 </a:tc>
                 <a:extLst>
                   <a:ext uri="{0D108BD9-81ED-4DB2-BD59-A6C34878D82A}">
-                    <a16:rowId xmlns:a16="http://schemas.microsoft.com/office/drawing/2014/main" xmlns="" val="1462715900"/>
+                    <a16:rowId xmlns="" xmlns:a16="http://schemas.microsoft.com/office/drawing/2014/main" val="1462715900"/>
                   </a:ext>
                 </a:extLst>
               </a:tr>
@@ -8395,7 +8395,7 @@
                 </a:tc>
                 <a:extLst>
                   <a:ext uri="{0D108BD9-81ED-4DB2-BD59-A6C34878D82A}">
-                    <a16:rowId xmlns:a16="http://schemas.microsoft.com/office/drawing/2014/main" xmlns="" val="2522099745"/>
+                    <a16:rowId xmlns="" xmlns:a16="http://schemas.microsoft.com/office/drawing/2014/main" val="2522099745"/>
                   </a:ext>
                 </a:extLst>
               </a:tr>
@@ -8408,7 +8408,7 @@
           <p:cNvPr id="16" name="직사각형 15">
             <a:extLst>
               <a:ext uri="{FF2B5EF4-FFF2-40B4-BE49-F238E27FC236}">
-                <a16:creationId xmlns:a16="http://schemas.microsoft.com/office/drawing/2014/main" xmlns="" id="{CF7CD5B6-8B74-46EC-9477-8676944BBC32}"/>
+                <a16:creationId xmlns="" xmlns:a16="http://schemas.microsoft.com/office/drawing/2014/main" id="{CF7CD5B6-8B74-46EC-9477-8676944BBC32}"/>
               </a:ext>
             </a:extLst>
           </p:cNvPr>
@@ -8488,7 +8488,7 @@
           <p:cNvPr id="2" name="제목 1">
             <a:extLst>
               <a:ext uri="{FF2B5EF4-FFF2-40B4-BE49-F238E27FC236}">
-                <a16:creationId xmlns:a16="http://schemas.microsoft.com/office/drawing/2014/main" xmlns="" id="{F18122EA-117F-43D4-9FC1-4EF7F3B97728}"/>
+                <a16:creationId xmlns="" xmlns:a16="http://schemas.microsoft.com/office/drawing/2014/main" id="{F18122EA-117F-43D4-9FC1-4EF7F3B97728}"/>
               </a:ext>
             </a:extLst>
           </p:cNvPr>
@@ -8524,7 +8524,7 @@
           <p:cNvPr id="5" name="내용 개체 틀 4" descr="스크린샷, 실내이(가) 표시된 사진&#10;&#10;자동 생성된 설명">
             <a:extLst>
               <a:ext uri="{FF2B5EF4-FFF2-40B4-BE49-F238E27FC236}">
-                <a16:creationId xmlns:a16="http://schemas.microsoft.com/office/drawing/2014/main" xmlns="" id="{D1667B65-33C3-4800-A3A7-A41A8B2DE783}"/>
+                <a16:creationId xmlns="" xmlns:a16="http://schemas.microsoft.com/office/drawing/2014/main" id="{D1667B65-33C3-4800-A3A7-A41A8B2DE783}"/>
               </a:ext>
             </a:extLst>
           </p:cNvPr>
@@ -8881,7 +8881,7 @@
         </p:nvSpPr>
         <p:spPr>
           <a:xfrm>
-            <a:off x="744810" y="2536959"/>
+            <a:off x="785282" y="3022773"/>
             <a:ext cx="1359215" cy="307777"/>
           </a:xfrm>
           <a:prstGeom prst="rect">
@@ -8923,7 +8923,7 @@
         </p:nvSpPr>
         <p:spPr>
           <a:xfrm>
-            <a:off x="2104024" y="2521025"/>
+            <a:off x="2132169" y="3022773"/>
             <a:ext cx="7256339" cy="360040"/>
           </a:xfrm>
           <a:prstGeom prst="rect">
@@ -8973,7 +8973,7 @@
         </p:nvSpPr>
         <p:spPr>
           <a:xfrm>
-            <a:off x="785283" y="3068961"/>
+            <a:off x="704338" y="2547156"/>
             <a:ext cx="1359215" cy="307777"/>
           </a:xfrm>
           <a:prstGeom prst="rect">
@@ -9003,7 +9003,7 @@
         </p:nvSpPr>
         <p:spPr>
           <a:xfrm>
-            <a:off x="2104912" y="3025887"/>
+            <a:off x="2144497" y="2508224"/>
             <a:ext cx="1686833" cy="360040"/>
           </a:xfrm>
           <a:prstGeom prst="rect">
@@ -9053,7 +9053,7 @@
         </p:nvSpPr>
         <p:spPr>
           <a:xfrm>
-            <a:off x="4171215" y="3042828"/>
+            <a:off x="4144052" y="2494893"/>
             <a:ext cx="1560979" cy="360040"/>
           </a:xfrm>
           <a:prstGeom prst="rect">
@@ -9935,7 +9935,7 @@
           <p:cNvPr id="2" name="제목 1">
             <a:extLst>
               <a:ext uri="{FF2B5EF4-FFF2-40B4-BE49-F238E27FC236}">
-                <a16:creationId xmlns:a16="http://schemas.microsoft.com/office/drawing/2014/main" xmlns="" id="{28D9EE9A-9FD6-4093-A4A3-15ED5D026AE7}"/>
+                <a16:creationId xmlns="" xmlns:a16="http://schemas.microsoft.com/office/drawing/2014/main" id="{28D9EE9A-9FD6-4093-A4A3-15ED5D026AE7}"/>
               </a:ext>
             </a:extLst>
           </p:cNvPr>
@@ -9964,7 +9964,7 @@
           <p:cNvPr id="5" name="내용 개체 틀 4" descr="스크린샷이(가) 표시된 사진&#10;&#10;자동 생성된 설명">
             <a:extLst>
               <a:ext uri="{FF2B5EF4-FFF2-40B4-BE49-F238E27FC236}">
-                <a16:creationId xmlns:a16="http://schemas.microsoft.com/office/drawing/2014/main" xmlns="" id="{CD09B2B2-78AF-4FC8-A254-C5F1851C0814}"/>
+                <a16:creationId xmlns="" xmlns:a16="http://schemas.microsoft.com/office/drawing/2014/main" id="{CD09B2B2-78AF-4FC8-A254-C5F1851C0814}"/>
               </a:ext>
             </a:extLst>
           </p:cNvPr>
@@ -10029,7 +10029,7 @@
           <p:cNvPr id="2" name="제목 1">
             <a:extLst>
               <a:ext uri="{FF2B5EF4-FFF2-40B4-BE49-F238E27FC236}">
-                <a16:creationId xmlns:a16="http://schemas.microsoft.com/office/drawing/2014/main" xmlns="" id="{98AE59D9-F87C-43C6-8A9C-7312D8A2E477}"/>
+                <a16:creationId xmlns="" xmlns:a16="http://schemas.microsoft.com/office/drawing/2014/main" id="{98AE59D9-F87C-43C6-8A9C-7312D8A2E477}"/>
               </a:ext>
             </a:extLst>
           </p:cNvPr>
@@ -10058,7 +10058,7 @@
           <p:cNvPr id="5" name="내용 개체 틀 4" descr="스크린샷이(가) 표시된 사진&#10;&#10;자동 생성된 설명">
             <a:extLst>
               <a:ext uri="{FF2B5EF4-FFF2-40B4-BE49-F238E27FC236}">
-                <a16:creationId xmlns:a16="http://schemas.microsoft.com/office/drawing/2014/main" xmlns="" id="{FCD18033-24AB-40C1-9FFD-A12362CE505A}"/>
+                <a16:creationId xmlns="" xmlns:a16="http://schemas.microsoft.com/office/drawing/2014/main" id="{FCD18033-24AB-40C1-9FFD-A12362CE505A}"/>
               </a:ext>
             </a:extLst>
           </p:cNvPr>
@@ -10123,7 +10123,7 @@
           <p:cNvPr id="4" name="직사각형 3">
             <a:extLst>
               <a:ext uri="{FF2B5EF4-FFF2-40B4-BE49-F238E27FC236}">
-                <a16:creationId xmlns:a16="http://schemas.microsoft.com/office/drawing/2014/main" xmlns="" id="{EC5DDCA9-A9BC-48D4-AC47-A0ED531F63E3}"/>
+                <a16:creationId xmlns="" xmlns:a16="http://schemas.microsoft.com/office/drawing/2014/main" id="{EC5DDCA9-A9BC-48D4-AC47-A0ED531F63E3}"/>
               </a:ext>
             </a:extLst>
           </p:cNvPr>
@@ -10176,7 +10176,7 @@
           <p:cNvPr id="5" name="그림 6">
             <a:extLst>
               <a:ext uri="{FF2B5EF4-FFF2-40B4-BE49-F238E27FC236}">
-                <a16:creationId xmlns:a16="http://schemas.microsoft.com/office/drawing/2014/main" xmlns="" id="{D145CE0E-03A4-4A6B-93A2-9C8276950F47}"/>
+                <a16:creationId xmlns="" xmlns:a16="http://schemas.microsoft.com/office/drawing/2014/main" id="{D145CE0E-03A4-4A6B-93A2-9C8276950F47}"/>
               </a:ext>
             </a:extLst>
           </p:cNvPr>
@@ -10206,7 +10206,7 @@
           <p:cNvPr id="6" name="직사각형 5">
             <a:extLst>
               <a:ext uri="{FF2B5EF4-FFF2-40B4-BE49-F238E27FC236}">
-                <a16:creationId xmlns:a16="http://schemas.microsoft.com/office/drawing/2014/main" xmlns="" id="{2CDEE883-16CC-4350-AF44-BC529547C752}"/>
+                <a16:creationId xmlns="" xmlns:a16="http://schemas.microsoft.com/office/drawing/2014/main" id="{2CDEE883-16CC-4350-AF44-BC529547C752}"/>
               </a:ext>
             </a:extLst>
           </p:cNvPr>
@@ -10258,7 +10258,7 @@
           <p:cNvPr id="7" name="TextBox 6">
             <a:extLst>
               <a:ext uri="{FF2B5EF4-FFF2-40B4-BE49-F238E27FC236}">
-                <a16:creationId xmlns:a16="http://schemas.microsoft.com/office/drawing/2014/main" xmlns="" id="{0040F064-3D9F-48BA-81F1-EFFF00AE1820}"/>
+                <a16:creationId xmlns="" xmlns:a16="http://schemas.microsoft.com/office/drawing/2014/main" id="{0040F064-3D9F-48BA-81F1-EFFF00AE1820}"/>
               </a:ext>
             </a:extLst>
           </p:cNvPr>
@@ -10347,7 +10347,7 @@
           <p:cNvPr id="8" name="직사각형 7">
             <a:extLst>
               <a:ext uri="{FF2B5EF4-FFF2-40B4-BE49-F238E27FC236}">
-                <a16:creationId xmlns:a16="http://schemas.microsoft.com/office/drawing/2014/main" xmlns="" id="{53116D95-CB57-4B4C-AD5E-87060A4B124A}"/>
+                <a16:creationId xmlns="" xmlns:a16="http://schemas.microsoft.com/office/drawing/2014/main" id="{53116D95-CB57-4B4C-AD5E-87060A4B124A}"/>
               </a:ext>
             </a:extLst>
           </p:cNvPr>
@@ -10575,7 +10575,7 @@
           <p:cNvPr id="9" name="내용 개체 틀 4" descr="스크린샷이(가) 표시된 사진&#10;&#10;자동 생성된 설명">
             <a:extLst>
               <a:ext uri="{FF2B5EF4-FFF2-40B4-BE49-F238E27FC236}">
-                <a16:creationId xmlns:a16="http://schemas.microsoft.com/office/drawing/2014/main" xmlns="" id="{266C8E31-C1E6-4203-A20B-7D57D400A571}"/>
+                <a16:creationId xmlns="" xmlns:a16="http://schemas.microsoft.com/office/drawing/2014/main" id="{266C8E31-C1E6-4203-A20B-7D57D400A571}"/>
               </a:ext>
             </a:extLst>
           </p:cNvPr>
@@ -10640,7 +10640,7 @@
           <p:cNvPr id="2" name="제목 1">
             <a:extLst>
               <a:ext uri="{FF2B5EF4-FFF2-40B4-BE49-F238E27FC236}">
-                <a16:creationId xmlns:a16="http://schemas.microsoft.com/office/drawing/2014/main" xmlns="" id="{267C91BE-C134-48B1-ADB7-939CC9B14A13}"/>
+                <a16:creationId xmlns="" xmlns:a16="http://schemas.microsoft.com/office/drawing/2014/main" id="{267C91BE-C134-48B1-ADB7-939CC9B14A13}"/>
               </a:ext>
             </a:extLst>
           </p:cNvPr>
@@ -10669,7 +10669,7 @@
           <p:cNvPr id="5" name="내용 개체 틀 4" descr="스크린샷이(가) 표시된 사진&#10;&#10;자동 생성된 설명">
             <a:extLst>
               <a:ext uri="{FF2B5EF4-FFF2-40B4-BE49-F238E27FC236}">
-                <a16:creationId xmlns:a16="http://schemas.microsoft.com/office/drawing/2014/main" xmlns="" id="{32DDC5FC-4EEE-4D8D-B00A-FBBA403780CA}"/>
+                <a16:creationId xmlns="" xmlns:a16="http://schemas.microsoft.com/office/drawing/2014/main" id="{32DDC5FC-4EEE-4D8D-B00A-FBBA403780CA}"/>
               </a:ext>
             </a:extLst>
           </p:cNvPr>
@@ -10967,7 +10967,7 @@
   <a:extraClrSchemeLst/>
   <a:extLst>
     <a:ext uri="{05A4C25C-085E-4340-85A3-A5531E510DB2}">
-      <thm15:themeFamily xmlns:thm15="http://schemas.microsoft.com/office/thememl/2012/main" xmlns="" name="Office Theme" id="{62F939B6-93AF-4DB8-9C6B-D6C7DFDC589F}" vid="{4A3C46E8-61CC-4603-A589-7422A47A8E4A}"/>
+      <thm15:themeFamily xmlns="" xmlns:thm15="http://schemas.microsoft.com/office/thememl/2012/main" name="Office Theme" id="{62F939B6-93AF-4DB8-9C6B-D6C7DFDC589F}" vid="{4A3C46E8-61CC-4603-A589-7422A47A8E4A}"/>
     </a:ext>
   </a:extLst>
 </a:theme>
